--- a/Präsentation.pptx
+++ b/Präsentation.pptx
@@ -5,10 +5,10 @@
     <p:sldMasterId id="2147483742" r:id="rId2"/>
   </p:sldMasterIdLst>
   <p:notesMasterIdLst>
-    <p:notesMasterId r:id="rId12"/>
+    <p:notesMasterId r:id="rId14"/>
   </p:notesMasterIdLst>
   <p:handoutMasterIdLst>
-    <p:handoutMasterId r:id="rId13"/>
+    <p:handoutMasterId r:id="rId15"/>
   </p:handoutMasterIdLst>
   <p:sldIdLst>
     <p:sldId id="265" r:id="rId3"/>
@@ -19,7 +19,9 @@
     <p:sldId id="269" r:id="rId8"/>
     <p:sldId id="276" r:id="rId9"/>
     <p:sldId id="282" r:id="rId10"/>
-    <p:sldId id="280" r:id="rId11"/>
+    <p:sldId id="283" r:id="rId11"/>
+    <p:sldId id="284" r:id="rId12"/>
+    <p:sldId id="280" r:id="rId13"/>
   </p:sldIdLst>
   <p:sldSz cx="12192000" cy="6858000"/>
   <p:notesSz cx="6858000" cy="9144000"/>
@@ -8209,7 +8211,7 @@
             <a:fld id="{41658A34-83F4-4B2E-BC5A-DE51EE8822F9}" type="datetimeFigureOut">
               <a:rPr lang="en-US" smtClean="0"/>
               <a:pPr/>
-              <a:t>5/2/2021</a:t>
+              <a:t>5/5/2021</a:t>
             </a:fld>
             <a:endParaRPr lang="en-US"/>
           </a:p>
@@ -8376,7 +8378,7 @@
             <a:fld id="{7F2E1917-0BAF-4687-978A-82FFF05559C3}" type="datetimeFigureOut">
               <a:rPr lang="en-US" smtClean="0"/>
               <a:pPr/>
-              <a:t>5/2/2021</a:t>
+              <a:t>5/5/2021</a:t>
             </a:fld>
             <a:endParaRPr lang="en-US"/>
           </a:p>
@@ -8720,6 +8722,91 @@
     <p:extLst>
       <p:ext uri="{BB962C8B-B14F-4D97-AF65-F5344CB8AC3E}">
         <p14:creationId xmlns:p14="http://schemas.microsoft.com/office/powerpoint/2010/main" val="1807123478"/>
+      </p:ext>
+    </p:extLst>
+  </p:cSld>
+  <p:clrMapOvr>
+    <a:masterClrMapping/>
+  </p:clrMapOvr>
+</p:notes>
+</file>
+
+<file path=ppt/notesSlides/notesSlide2.xml><?xml version="1.0" encoding="utf-8"?>
+<p:notes xmlns:a="http://schemas.openxmlformats.org/drawingml/2006/main" xmlns:r="http://schemas.openxmlformats.org/officeDocument/2006/relationships" xmlns:p="http://schemas.openxmlformats.org/presentationml/2006/main">
+  <p:cSld>
+    <p:spTree>
+      <p:nvGrpSpPr>
+        <p:cNvPr id="1" name=""/>
+        <p:cNvGrpSpPr/>
+        <p:nvPr/>
+      </p:nvGrpSpPr>
+      <p:grpSpPr>
+        <a:xfrm>
+          <a:off x="0" y="0"/>
+          <a:ext cx="0" cy="0"/>
+          <a:chOff x="0" y="0"/>
+          <a:chExt cx="0" cy="0"/>
+        </a:xfrm>
+      </p:grpSpPr>
+      <p:sp>
+        <p:nvSpPr>
+          <p:cNvPr id="2" name="Folienbildplatzhalter 1"/>
+          <p:cNvSpPr>
+            <a:spLocks noGrp="1" noRot="1" noChangeAspect="1"/>
+          </p:cNvSpPr>
+          <p:nvPr>
+            <p:ph type="sldImg"/>
+          </p:nvPr>
+        </p:nvSpPr>
+        <p:spPr/>
+      </p:sp>
+      <p:sp>
+        <p:nvSpPr>
+          <p:cNvPr id="3" name="Notizenplatzhalter 2"/>
+          <p:cNvSpPr>
+            <a:spLocks noGrp="1"/>
+          </p:cNvSpPr>
+          <p:nvPr>
+            <p:ph type="body" idx="1"/>
+          </p:nvPr>
+        </p:nvSpPr>
+        <p:spPr/>
+        <p:txBody>
+          <a:bodyPr/>
+          <a:lstStyle/>
+          <a:p>
+            <a:endParaRPr lang="de-DE" dirty="0"/>
+          </a:p>
+        </p:txBody>
+      </p:sp>
+      <p:sp>
+        <p:nvSpPr>
+          <p:cNvPr id="4" name="Foliennummernplatzhalter 3"/>
+          <p:cNvSpPr>
+            <a:spLocks noGrp="1"/>
+          </p:cNvSpPr>
+          <p:nvPr>
+            <p:ph type="sldNum" sz="quarter" idx="5"/>
+          </p:nvPr>
+        </p:nvSpPr>
+        <p:spPr/>
+        <p:txBody>
+          <a:bodyPr/>
+          <a:lstStyle/>
+          <a:p>
+            <a:fld id="{810E1E9A-E921-4174-A0FC-51868D7AC568}" type="slidenum">
+              <a:rPr lang="en-US" smtClean="0"/>
+              <a:pPr/>
+              <a:t>9</a:t>
+            </a:fld>
+            <a:endParaRPr lang="en-US"/>
+          </a:p>
+        </p:txBody>
+      </p:sp>
+    </p:spTree>
+    <p:extLst>
+      <p:ext uri="{BB962C8B-B14F-4D97-AF65-F5344CB8AC3E}">
+        <p14:creationId xmlns:p14="http://schemas.microsoft.com/office/powerpoint/2010/main" val="1037127657"/>
       </p:ext>
     </p:extLst>
   </p:cSld>
@@ -9133,7 +9220,7 @@
             <a:fld id="{84EAB7D7-3608-4730-B2E2-670834DF882C}" type="datetimeFigureOut">
               <a:rPr lang="en-US" smtClean="0"/>
               <a:pPr/>
-              <a:t>5/2/2021</a:t>
+              <a:t>5/5/2021</a:t>
             </a:fld>
             <a:endParaRPr lang="en-US"/>
           </a:p>
@@ -9314,7 +9401,7 @@
             <a:fld id="{84EAB7D7-3608-4730-B2E2-670834DF882C}" type="datetimeFigureOut">
               <a:rPr lang="en-US" smtClean="0"/>
               <a:pPr/>
-              <a:t>5/2/2021</a:t>
+              <a:t>5/5/2021</a:t>
             </a:fld>
             <a:endParaRPr lang="en-US"/>
           </a:p>
@@ -9496,7 +9583,7 @@
             <a:fld id="{84EAB7D7-3608-4730-B2E2-670834DF882C}" type="datetimeFigureOut">
               <a:rPr lang="en-US" smtClean="0"/>
               <a:pPr/>
-              <a:t>5/2/2021</a:t>
+              <a:t>5/5/2021</a:t>
             </a:fld>
             <a:endParaRPr lang="en-US"/>
           </a:p>
@@ -9593,7 +9680,7 @@
             <a:fld id="{84EAB7D7-3608-4730-B2E2-670834DF882C}" type="datetimeFigureOut">
               <a:rPr lang="en-US" smtClean="0"/>
               <a:pPr/>
-              <a:t>5/2/2021</a:t>
+              <a:t>5/5/2021</a:t>
             </a:fld>
             <a:endParaRPr lang="en-US"/>
           </a:p>
@@ -9937,7 +10024,7 @@
             <a:fld id="{84EAB7D7-3608-4730-B2E2-670834DF882C}" type="datetimeFigureOut">
               <a:rPr lang="en-US" smtClean="0"/>
               <a:pPr/>
-              <a:t>5/2/2021</a:t>
+              <a:t>5/5/2021</a:t>
             </a:fld>
             <a:endParaRPr lang="en-US"/>
           </a:p>
@@ -10252,7 +10339,7 @@
             <a:fld id="{84EAB7D7-3608-4730-B2E2-670834DF882C}" type="datetimeFigureOut">
               <a:rPr lang="en-US" smtClean="0"/>
               <a:pPr/>
-              <a:t>5/2/2021</a:t>
+              <a:t>5/5/2021</a:t>
             </a:fld>
             <a:endParaRPr lang="en-US"/>
           </a:p>
@@ -10640,7 +10727,7 @@
             <a:fld id="{84EAB7D7-3608-4730-B2E2-670834DF882C}" type="datetimeFigureOut">
               <a:rPr lang="en-US" smtClean="0"/>
               <a:pPr/>
-              <a:t>5/2/2021</a:t>
+              <a:t>5/5/2021</a:t>
             </a:fld>
             <a:endParaRPr lang="en-US"/>
           </a:p>
@@ -11076,7 +11163,7 @@
             <a:fld id="{84EAB7D7-3608-4730-B2E2-670834DF882C}" type="datetimeFigureOut">
               <a:rPr lang="en-US" smtClean="0"/>
               <a:pPr/>
-              <a:t>5/2/2021</a:t>
+              <a:t>5/5/2021</a:t>
             </a:fld>
             <a:endParaRPr lang="en-US"/>
           </a:p>
@@ -11196,7 +11283,7 @@
             <a:fld id="{84EAB7D7-3608-4730-B2E2-670834DF882C}" type="datetimeFigureOut">
               <a:rPr lang="en-US" smtClean="0"/>
               <a:pPr/>
-              <a:t>5/2/2021</a:t>
+              <a:t>5/5/2021</a:t>
             </a:fld>
             <a:endParaRPr lang="en-US"/>
           </a:p>
@@ -11293,7 +11380,7 @@
             <a:fld id="{84EAB7D7-3608-4730-B2E2-670834DF882C}" type="datetimeFigureOut">
               <a:rPr lang="en-US" smtClean="0"/>
               <a:pPr/>
-              <a:t>5/2/2021</a:t>
+              <a:t>5/5/2021</a:t>
             </a:fld>
             <a:endParaRPr lang="en-US"/>
           </a:p>
@@ -11645,7 +11732,7 @@
             <a:fld id="{84EAB7D7-3608-4730-B2E2-670834DF882C}" type="datetimeFigureOut">
               <a:rPr lang="en-US" smtClean="0"/>
               <a:pPr/>
-              <a:t>5/2/2021</a:t>
+              <a:t>5/5/2021</a:t>
             </a:fld>
             <a:endParaRPr lang="en-US"/>
           </a:p>
@@ -12072,7 +12159,7 @@
             <a:fld id="{84EAB7D7-3608-4730-B2E2-670834DF882C}" type="datetimeFigureOut">
               <a:rPr lang="en-US" smtClean="0"/>
               <a:pPr/>
-              <a:t>5/2/2021</a:t>
+              <a:t>5/5/2021</a:t>
             </a:fld>
             <a:endParaRPr lang="en-US"/>
           </a:p>
@@ -12355,7 +12442,7 @@
             <a:fld id="{84EAB7D7-3608-4730-B2E2-670834DF882C}" type="datetimeFigureOut">
               <a:rPr lang="en-US" smtClean="0"/>
               <a:pPr/>
-              <a:t>5/2/2021</a:t>
+              <a:t>5/5/2021</a:t>
             </a:fld>
             <a:endParaRPr lang="en-US"/>
           </a:p>
@@ -13079,6 +13166,236 @@
         <p14:creationId xmlns:p14="http://schemas.microsoft.com/office/powerpoint/2010/main" val="923078003"/>
       </p:ext>
     </p:extLst>
+  </p:cSld>
+  <p:clrMapOvr>
+    <a:masterClrMapping/>
+  </p:clrMapOvr>
+  <mc:AlternateContent xmlns:mc="http://schemas.openxmlformats.org/markup-compatibility/2006" xmlns:p14="http://schemas.microsoft.com/office/powerpoint/2010/main">
+    <mc:Choice Requires="p14">
+      <p:transition spd="med" p14:dur="700">
+        <p:fade/>
+      </p:transition>
+    </mc:Choice>
+    <mc:Fallback xmlns="">
+      <p:transition spd="med">
+        <p:fade/>
+      </p:transition>
+    </mc:Fallback>
+  </mc:AlternateContent>
+</p:sld>
+</file>
+
+<file path=ppt/slides/slide10.xml><?xml version="1.0" encoding="utf-8"?>
+<p:sld xmlns:a="http://schemas.openxmlformats.org/drawingml/2006/main" xmlns:r="http://schemas.openxmlformats.org/officeDocument/2006/relationships" xmlns:p="http://schemas.openxmlformats.org/presentationml/2006/main">
+  <p:cSld>
+    <p:spTree>
+      <p:nvGrpSpPr>
+        <p:cNvPr id="1" name=""/>
+        <p:cNvGrpSpPr/>
+        <p:nvPr/>
+      </p:nvGrpSpPr>
+      <p:grpSpPr>
+        <a:xfrm>
+          <a:off x="0" y="0"/>
+          <a:ext cx="0" cy="0"/>
+          <a:chOff x="0" y="0"/>
+          <a:chExt cx="0" cy="0"/>
+        </a:xfrm>
+      </p:grpSpPr>
+      <p:sp>
+        <p:nvSpPr>
+          <p:cNvPr id="13" name="Title 12"/>
+          <p:cNvSpPr>
+            <a:spLocks noGrp="1"/>
+          </p:cNvSpPr>
+          <p:nvPr>
+            <p:ph type="title"/>
+          </p:nvPr>
+        </p:nvSpPr>
+        <p:spPr/>
+        <p:txBody>
+          <a:bodyPr/>
+          <a:lstStyle/>
+          <a:p>
+            <a:r>
+              <a:rPr lang="en-US" dirty="0"/>
+              <a:t>Non Functional Requirements	</a:t>
+            </a:r>
+          </a:p>
+        </p:txBody>
+      </p:sp>
+      <p:sp>
+        <p:nvSpPr>
+          <p:cNvPr id="14" name="Content Placeholder 13"/>
+          <p:cNvSpPr>
+            <a:spLocks noGrp="1"/>
+          </p:cNvSpPr>
+          <p:nvPr>
+            <p:ph idx="1"/>
+          </p:nvPr>
+        </p:nvSpPr>
+        <p:spPr/>
+        <p:txBody>
+          <a:bodyPr>
+            <a:normAutofit/>
+          </a:bodyPr>
+          <a:lstStyle/>
+          <a:p>
+            <a:pPr marL="457200" lvl="0" indent="-457200">
+              <a:buFont typeface="+mj-lt"/>
+              <a:buAutoNum type="arabicPeriod"/>
+            </a:pPr>
+            <a:r>
+              <a:rPr lang="en-US" dirty="0"/>
+              <a:t>Reachable through the internet</a:t>
+            </a:r>
+          </a:p>
+          <a:p>
+            <a:pPr marL="457200" lvl="0" indent="-457200">
+              <a:buFont typeface="+mj-lt"/>
+              <a:buAutoNum type="arabicPeriod"/>
+            </a:pPr>
+            <a:r>
+              <a:rPr lang="en-US" dirty="0"/>
+              <a:t>Easy to install</a:t>
+            </a:r>
+          </a:p>
+          <a:p>
+            <a:pPr marL="457200" lvl="0" indent="-457200">
+              <a:buFont typeface="+mj-lt"/>
+              <a:buAutoNum type="arabicPeriod"/>
+            </a:pPr>
+            <a:r>
+              <a:rPr lang="en-US" dirty="0"/>
+              <a:t>Responsive web design</a:t>
+            </a:r>
+          </a:p>
+          <a:p>
+            <a:pPr marL="457200" lvl="0" indent="-457200">
+              <a:buFont typeface="+mj-lt"/>
+              <a:buAutoNum type="arabicPeriod"/>
+            </a:pPr>
+            <a:r>
+              <a:rPr lang="en-US" dirty="0"/>
+              <a:t>High availability</a:t>
+            </a:r>
+          </a:p>
+          <a:p>
+            <a:pPr marL="457200" lvl="0" indent="-457200">
+              <a:buFont typeface="+mj-lt"/>
+              <a:buAutoNum type="arabicPeriod"/>
+            </a:pPr>
+            <a:r>
+              <a:rPr lang="en-US" dirty="0"/>
+              <a:t>Encrypted passwords</a:t>
+            </a:r>
+          </a:p>
+          <a:p>
+            <a:pPr marL="457200" lvl="0" indent="-457200">
+              <a:buFont typeface="+mj-lt"/>
+              <a:buAutoNum type="arabicPeriod"/>
+            </a:pPr>
+            <a:r>
+              <a:rPr lang="en-US" dirty="0"/>
+              <a:t>HTTPS protocol</a:t>
+            </a:r>
+          </a:p>
+          <a:p>
+            <a:pPr marL="457200" lvl="0" indent="-457200">
+              <a:buFont typeface="+mj-lt"/>
+              <a:buAutoNum type="arabicPeriod"/>
+            </a:pPr>
+            <a:r>
+              <a:rPr lang="en-US" dirty="0"/>
+              <a:t>High performance</a:t>
+            </a:r>
+          </a:p>
+        </p:txBody>
+      </p:sp>
+    </p:spTree>
+    <p:extLst>
+      <p:ext uri="{BB962C8B-B14F-4D97-AF65-F5344CB8AC3E}">
+        <p14:creationId xmlns:p14="http://schemas.microsoft.com/office/powerpoint/2010/main" val="2957792309"/>
+      </p:ext>
+    </p:extLst>
+  </p:cSld>
+  <p:clrMapOvr>
+    <a:masterClrMapping/>
+  </p:clrMapOvr>
+  <mc:AlternateContent xmlns:mc="http://schemas.openxmlformats.org/markup-compatibility/2006">
+    <mc:Choice xmlns:p14="http://schemas.microsoft.com/office/powerpoint/2010/main" Requires="p14">
+      <p:transition spd="med" p14:dur="700">
+        <p:fade/>
+      </p:transition>
+    </mc:Choice>
+    <mc:Fallback>
+      <p:transition spd="med">
+        <p:fade/>
+      </p:transition>
+    </mc:Fallback>
+  </mc:AlternateContent>
+</p:sld>
+</file>
+
+<file path=ppt/slides/slide11.xml><?xml version="1.0" encoding="utf-8"?>
+<p:sld xmlns:a="http://schemas.openxmlformats.org/drawingml/2006/main" xmlns:r="http://schemas.openxmlformats.org/officeDocument/2006/relationships" xmlns:p="http://schemas.openxmlformats.org/presentationml/2006/main">
+  <p:cSld>
+    <p:spTree>
+      <p:nvGrpSpPr>
+        <p:cNvPr id="1" name=""/>
+        <p:cNvGrpSpPr/>
+        <p:nvPr/>
+      </p:nvGrpSpPr>
+      <p:grpSpPr>
+        <a:xfrm>
+          <a:off x="0" y="0"/>
+          <a:ext cx="0" cy="0"/>
+          <a:chOff x="0" y="0"/>
+          <a:chExt cx="0" cy="0"/>
+        </a:xfrm>
+      </p:grpSpPr>
+      <p:sp>
+        <p:nvSpPr>
+          <p:cNvPr id="3" name="Title 2"/>
+          <p:cNvSpPr>
+            <a:spLocks noGrp="1"/>
+          </p:cNvSpPr>
+          <p:nvPr>
+            <p:ph type="title"/>
+          </p:nvPr>
+        </p:nvSpPr>
+        <p:spPr/>
+        <p:txBody>
+          <a:bodyPr/>
+          <a:lstStyle/>
+          <a:p>
+            <a:r>
+              <a:rPr lang="en-US" dirty="0"/>
+              <a:t>Questions &amp; Discussion</a:t>
+            </a:r>
+          </a:p>
+        </p:txBody>
+      </p:sp>
+      <p:sp>
+        <p:nvSpPr>
+          <p:cNvPr id="2" name="Text Placeholder 1"/>
+          <p:cNvSpPr>
+            <a:spLocks noGrp="1"/>
+          </p:cNvSpPr>
+          <p:nvPr>
+            <p:ph type="body" idx="1"/>
+          </p:nvPr>
+        </p:nvSpPr>
+        <p:spPr/>
+        <p:txBody>
+          <a:bodyPr/>
+          <a:lstStyle/>
+          <a:p>
+            <a:endParaRPr lang="en-US"/>
+          </a:p>
+        </p:txBody>
+      </p:sp>
+    </p:spTree>
   </p:cSld>
   <p:clrMapOvr>
     <a:masterClrMapping/>
@@ -14537,9 +14854,159 @@
         <p:spPr/>
         <p:txBody>
           <a:bodyPr>
-            <a:normAutofit/>
+            <a:normAutofit fontScale="85000" lnSpcReduction="20000"/>
           </a:bodyPr>
           <a:lstStyle/>
+          <a:p>
+            <a:pPr lvl="0"/>
+            <a:r>
+              <a:rPr lang="en-US" dirty="0"/>
+              <a:t>As an employee of </a:t>
+            </a:r>
+            <a:r>
+              <a:rPr lang="en-US" dirty="0" err="1"/>
+              <a:t>DreamHome</a:t>
+            </a:r>
+            <a:r>
+              <a:rPr lang="en-US" dirty="0"/>
+              <a:t> I want to log in to the application</a:t>
+            </a:r>
+          </a:p>
+          <a:p>
+            <a:pPr lvl="0"/>
+            <a:r>
+              <a:rPr lang="en-US" dirty="0"/>
+              <a:t>As an employee of </a:t>
+            </a:r>
+            <a:r>
+              <a:rPr lang="en-US" dirty="0" err="1"/>
+              <a:t>DreamHome</a:t>
+            </a:r>
+            <a:r>
+              <a:rPr lang="en-US" dirty="0"/>
+              <a:t> I want to see which tenant has paid his lease completely and which did not</a:t>
+            </a:r>
+          </a:p>
+          <a:p>
+            <a:pPr lvl="0"/>
+            <a:r>
+              <a:rPr lang="en-US" dirty="0"/>
+              <a:t>As an employee of </a:t>
+            </a:r>
+            <a:r>
+              <a:rPr lang="en-US" dirty="0" err="1"/>
+              <a:t>DreamHome</a:t>
+            </a:r>
+            <a:r>
+              <a:rPr lang="en-US" dirty="0"/>
+              <a:t> I want to export the utility bill for each tenant</a:t>
+            </a:r>
+          </a:p>
+          <a:p>
+            <a:pPr lvl="0"/>
+            <a:r>
+              <a:rPr lang="en-US" dirty="0"/>
+              <a:t>As an employee of </a:t>
+            </a:r>
+            <a:r>
+              <a:rPr lang="en-US" dirty="0" err="1"/>
+              <a:t>DreamHome</a:t>
+            </a:r>
+            <a:r>
+              <a:rPr lang="en-US" dirty="0"/>
+              <a:t> I want to import bank statements which get automatically converted into the proper data for the system  </a:t>
+            </a:r>
+          </a:p>
+          <a:p>
+            <a:pPr lvl="0"/>
+            <a:r>
+              <a:rPr lang="en-US" dirty="0"/>
+              <a:t>As an employee of </a:t>
+            </a:r>
+            <a:r>
+              <a:rPr lang="en-US" dirty="0" err="1"/>
+              <a:t>DreamHome</a:t>
+            </a:r>
+            <a:r>
+              <a:rPr lang="en-US" dirty="0"/>
+              <a:t> I want to send reminders to the tenants if they missed their payments</a:t>
+            </a:r>
+          </a:p>
+          <a:p>
+            <a:pPr lvl="0"/>
+            <a:r>
+              <a:rPr lang="en-US" dirty="0"/>
+              <a:t>As an employee of </a:t>
+            </a:r>
+            <a:r>
+              <a:rPr lang="en-US" dirty="0" err="1"/>
+              <a:t>DreamHome</a:t>
+            </a:r>
+            <a:r>
+              <a:rPr lang="en-US" dirty="0"/>
+              <a:t>  I want to add/remove/edit properties</a:t>
+            </a:r>
+          </a:p>
+          <a:p>
+            <a:pPr lvl="0"/>
+            <a:r>
+              <a:rPr lang="en-US" dirty="0"/>
+              <a:t>As an employee of </a:t>
+            </a:r>
+            <a:r>
+              <a:rPr lang="en-US" dirty="0" err="1"/>
+              <a:t>DreamHome</a:t>
+            </a:r>
+            <a:r>
+              <a:rPr lang="en-US" dirty="0"/>
+              <a:t>  I want to add/remove/edit tenants</a:t>
+            </a:r>
+          </a:p>
+          <a:p>
+            <a:pPr lvl="0"/>
+            <a:r>
+              <a:rPr lang="en-US" dirty="0"/>
+              <a:t>As an employee of </a:t>
+            </a:r>
+            <a:r>
+              <a:rPr lang="en-US" dirty="0" err="1"/>
+              <a:t>DreamHome</a:t>
+            </a:r>
+            <a:r>
+              <a:rPr lang="en-US" dirty="0"/>
+              <a:t> I want to add/remove/edit contracts</a:t>
+            </a:r>
+          </a:p>
+          <a:p>
+            <a:pPr lvl="0"/>
+            <a:r>
+              <a:rPr lang="en-US" dirty="0"/>
+              <a:t>As an manager of </a:t>
+            </a:r>
+            <a:r>
+              <a:rPr lang="en-US" dirty="0" err="1"/>
+              <a:t>DreamHome</a:t>
+            </a:r>
+            <a:r>
+              <a:rPr lang="en-US" dirty="0"/>
+              <a:t> I want to add/remove/edit employees</a:t>
+            </a:r>
+          </a:p>
+          <a:p>
+            <a:pPr lvl="0"/>
+            <a:r>
+              <a:rPr lang="en-US" dirty="0"/>
+              <a:t>As an manager of </a:t>
+            </a:r>
+            <a:r>
+              <a:rPr lang="en-US" dirty="0" err="1"/>
+              <a:t>DreamHome</a:t>
+            </a:r>
+            <a:r>
+              <a:rPr lang="en-US" dirty="0"/>
+              <a:t> I want to add/remove/edit owners</a:t>
+            </a:r>
+          </a:p>
           <a:p>
             <a:pPr lvl="0"/>
             <a:endParaRPr lang="en-US" dirty="0"/>
@@ -14590,7 +15057,7 @@
       </p:grpSpPr>
       <p:sp>
         <p:nvSpPr>
-          <p:cNvPr id="3" name="Title 2"/>
+          <p:cNvPr id="13" name="Title 12"/>
           <p:cNvSpPr>
             <a:spLocks noGrp="1"/>
           </p:cNvSpPr>
@@ -14605,42 +15072,106 @@
           <a:p>
             <a:r>
               <a:rPr lang="en-US" dirty="0"/>
-              <a:t>Questions &amp; Discussion</a:t>
+              <a:t>Functional Requirements	</a:t>
             </a:r>
           </a:p>
         </p:txBody>
       </p:sp>
       <p:sp>
         <p:nvSpPr>
-          <p:cNvPr id="2" name="Text Placeholder 1"/>
+          <p:cNvPr id="14" name="Content Placeholder 13"/>
           <p:cNvSpPr>
             <a:spLocks noGrp="1"/>
           </p:cNvSpPr>
           <p:nvPr>
-            <p:ph type="body" idx="1"/>
+            <p:ph idx="1"/>
           </p:nvPr>
         </p:nvSpPr>
         <p:spPr/>
         <p:txBody>
-          <a:bodyPr/>
+          <a:bodyPr>
+            <a:normAutofit/>
+          </a:bodyPr>
           <a:lstStyle/>
           <a:p>
-            <a:endParaRPr lang="en-US"/>
+            <a:pPr marL="457200" lvl="0" indent="-457200">
+              <a:buFont typeface="+mj-lt"/>
+              <a:buAutoNum type="arabicPeriod"/>
+            </a:pPr>
+            <a:r>
+              <a:rPr lang="en-US" dirty="0"/>
+              <a:t>Web GUI with React.js (and Bootstrap)</a:t>
+            </a:r>
+          </a:p>
+          <a:p>
+            <a:pPr marL="457200" indent="-457200">
+              <a:buFont typeface="+mj-lt"/>
+              <a:buAutoNum type="arabicPeriod"/>
+            </a:pPr>
+            <a:r>
+              <a:rPr lang="en-US" dirty="0"/>
+              <a:t>MSSQL Database for the Data</a:t>
+            </a:r>
+          </a:p>
+          <a:p>
+            <a:pPr marL="457200" lvl="0" indent="-457200">
+              <a:buFont typeface="+mj-lt"/>
+              <a:buAutoNum type="arabicPeriod"/>
+            </a:pPr>
+            <a:r>
+              <a:rPr lang="en-US" dirty="0"/>
+              <a:t>Function to log in to the website</a:t>
+            </a:r>
+          </a:p>
+          <a:p>
+            <a:pPr marL="457200" lvl="0" indent="-457200">
+              <a:buFont typeface="+mj-lt"/>
+              <a:buAutoNum type="arabicPeriod"/>
+            </a:pPr>
+            <a:r>
+              <a:rPr lang="en-US" dirty="0"/>
+              <a:t>Function to export filtered data</a:t>
+            </a:r>
+          </a:p>
+          <a:p>
+            <a:pPr marL="457200" lvl="0" indent="-457200">
+              <a:buFont typeface="+mj-lt"/>
+              <a:buAutoNum type="arabicPeriod"/>
+            </a:pPr>
+            <a:r>
+              <a:rPr lang="en-US" dirty="0"/>
+              <a:t>An Admin page to delete Accounts and manage the database</a:t>
+            </a:r>
+          </a:p>
+          <a:p>
+            <a:pPr marL="457200" lvl="0" indent="-457200">
+              <a:buFont typeface="+mj-lt"/>
+              <a:buAutoNum type="arabicPeriod"/>
+            </a:pPr>
+            <a:r>
+              <a:rPr lang="en-US" dirty="0"/>
+              <a:t>Import bank statement in CSV Format</a:t>
+            </a:r>
           </a:p>
         </p:txBody>
       </p:sp>
     </p:spTree>
+    <p:extLst>
+      <p:ext uri="{BB962C8B-B14F-4D97-AF65-F5344CB8AC3E}">
+        <p14:creationId xmlns:p14="http://schemas.microsoft.com/office/powerpoint/2010/main" val="1725682998"/>
+      </p:ext>
+    </p:extLst>
   </p:cSld>
   <p:clrMapOvr>
     <a:masterClrMapping/>
   </p:clrMapOvr>
-  <mc:AlternateContent xmlns:mc="http://schemas.openxmlformats.org/markup-compatibility/2006" xmlns:p14="http://schemas.microsoft.com/office/powerpoint/2010/main">
-    <mc:Choice Requires="p14">
+  <mc:AlternateContent xmlns:mc="http://schemas.openxmlformats.org/markup-compatibility/2006">
+    <mc:Choice xmlns:p14="http://schemas.microsoft.com/office/powerpoint/2010/main" Requires="p14">
       <p:transition spd="med" p14:dur="700">
         <p:fade/>
       </p:transition>
     </mc:Choice>
-    <mc:Fallback xmlns="">
+    <mc:Fallback>
       <p:transition spd="med">
         <p:fade/>
       </p:transition>

--- a/Präsentation.pptx
+++ b/Präsentation.pptx
@@ -5,23 +5,21 @@
     <p:sldMasterId id="2147483742" r:id="rId2"/>
   </p:sldMasterIdLst>
   <p:notesMasterIdLst>
-    <p:notesMasterId r:id="rId14"/>
+    <p:notesMasterId r:id="rId12"/>
   </p:notesMasterIdLst>
   <p:handoutMasterIdLst>
-    <p:handoutMasterId r:id="rId15"/>
+    <p:handoutMasterId r:id="rId13"/>
   </p:handoutMasterIdLst>
   <p:sldIdLst>
     <p:sldId id="265" r:id="rId3"/>
-    <p:sldId id="266" r:id="rId4"/>
-    <p:sldId id="274" r:id="rId5"/>
-    <p:sldId id="270" r:id="rId6"/>
-    <p:sldId id="281" r:id="rId7"/>
-    <p:sldId id="269" r:id="rId8"/>
-    <p:sldId id="276" r:id="rId9"/>
-    <p:sldId id="282" r:id="rId10"/>
-    <p:sldId id="283" r:id="rId11"/>
-    <p:sldId id="284" r:id="rId12"/>
-    <p:sldId id="280" r:id="rId13"/>
+    <p:sldId id="274" r:id="rId4"/>
+    <p:sldId id="270" r:id="rId5"/>
+    <p:sldId id="281" r:id="rId6"/>
+    <p:sldId id="269" r:id="rId7"/>
+    <p:sldId id="276" r:id="rId8"/>
+    <p:sldId id="282" r:id="rId9"/>
+    <p:sldId id="283" r:id="rId10"/>
+    <p:sldId id="284" r:id="rId11"/>
   </p:sldIdLst>
   <p:sldSz cx="12192000" cy="6858000"/>
   <p:notesSz cx="6858000" cy="9144000"/>
@@ -924,788 +922,6 @@
 </dgm:colorsDef>
 </file>
 
-<file path=ppt/diagrams/colors2.xml><?xml version="1.0" encoding="utf-8"?>
-<dgm:colorsDef xmlns:dgm="http://schemas.openxmlformats.org/drawingml/2006/diagram" xmlns:a="http://schemas.openxmlformats.org/drawingml/2006/main" uniqueId="urn:microsoft.com/office/officeart/2005/8/colors/colorful2">
-  <dgm:title val=""/>
-  <dgm:desc val=""/>
-  <dgm:catLst>
-    <dgm:cat type="colorful" pri="10200"/>
-  </dgm:catLst>
-  <dgm:styleLbl name="node0">
-    <dgm:fillClrLst meth="repeat">
-      <a:schemeClr val="accent1"/>
-    </dgm:fillClrLst>
-    <dgm:linClrLst meth="repeat">
-      <a:schemeClr val="lt1"/>
-    </dgm:linClrLst>
-    <dgm:effectClrLst/>
-    <dgm:txLinClrLst/>
-    <dgm:txFillClrLst/>
-    <dgm:txEffectClrLst/>
-  </dgm:styleLbl>
-  <dgm:styleLbl name="node1">
-    <dgm:fillClrLst>
-      <a:schemeClr val="accent2"/>
-      <a:schemeClr val="accent3"/>
-    </dgm:fillClrLst>
-    <dgm:linClrLst meth="repeat">
-      <a:schemeClr val="lt1"/>
-    </dgm:linClrLst>
-    <dgm:effectClrLst/>
-    <dgm:txLinClrLst/>
-    <dgm:txFillClrLst/>
-    <dgm:txEffectClrLst/>
-  </dgm:styleLbl>
-  <dgm:styleLbl name="alignNode1">
-    <dgm:fillClrLst>
-      <a:schemeClr val="accent2"/>
-      <a:schemeClr val="accent3"/>
-    </dgm:fillClrLst>
-    <dgm:linClrLst>
-      <a:schemeClr val="accent2"/>
-      <a:schemeClr val="accent3"/>
-    </dgm:linClrLst>
-    <dgm:effectClrLst/>
-    <dgm:txLinClrLst/>
-    <dgm:txFillClrLst/>
-    <dgm:txEffectClrLst/>
-  </dgm:styleLbl>
-  <dgm:styleLbl name="lnNode1">
-    <dgm:fillClrLst>
-      <a:schemeClr val="accent2"/>
-      <a:schemeClr val="accent3"/>
-    </dgm:fillClrLst>
-    <dgm:linClrLst meth="repeat">
-      <a:schemeClr val="lt1"/>
-    </dgm:linClrLst>
-    <dgm:effectClrLst/>
-    <dgm:txLinClrLst/>
-    <dgm:txFillClrLst/>
-    <dgm:txEffectClrLst/>
-  </dgm:styleLbl>
-  <dgm:styleLbl name="vennNode1">
-    <dgm:fillClrLst>
-      <a:schemeClr val="accent2">
-        <a:alpha val="50000"/>
-      </a:schemeClr>
-      <a:schemeClr val="accent3">
-        <a:alpha val="50000"/>
-      </a:schemeClr>
-    </dgm:fillClrLst>
-    <dgm:linClrLst meth="repeat">
-      <a:schemeClr val="lt1"/>
-    </dgm:linClrLst>
-    <dgm:effectClrLst/>
-    <dgm:txLinClrLst/>
-    <dgm:txFillClrLst/>
-    <dgm:txEffectClrLst/>
-  </dgm:styleLbl>
-  <dgm:styleLbl name="node2">
-    <dgm:fillClrLst>
-      <a:schemeClr val="accent3"/>
-    </dgm:fillClrLst>
-    <dgm:linClrLst meth="repeat">
-      <a:schemeClr val="lt1"/>
-    </dgm:linClrLst>
-    <dgm:effectClrLst/>
-    <dgm:txLinClrLst/>
-    <dgm:txFillClrLst/>
-    <dgm:txEffectClrLst/>
-  </dgm:styleLbl>
-  <dgm:styleLbl name="node3">
-    <dgm:fillClrLst>
-      <a:schemeClr val="accent4"/>
-    </dgm:fillClrLst>
-    <dgm:linClrLst meth="repeat">
-      <a:schemeClr val="lt1"/>
-    </dgm:linClrLst>
-    <dgm:effectClrLst/>
-    <dgm:txLinClrLst/>
-    <dgm:txFillClrLst/>
-    <dgm:txEffectClrLst/>
-  </dgm:styleLbl>
-  <dgm:styleLbl name="node4">
-    <dgm:fillClrLst>
-      <a:schemeClr val="accent5"/>
-    </dgm:fillClrLst>
-    <dgm:linClrLst meth="repeat">
-      <a:schemeClr val="lt1"/>
-    </dgm:linClrLst>
-    <dgm:effectClrLst/>
-    <dgm:txLinClrLst/>
-    <dgm:txFillClrLst/>
-    <dgm:txEffectClrLst/>
-  </dgm:styleLbl>
-  <dgm:styleLbl name="fgImgPlace1">
-    <dgm:fillClrLst>
-      <a:schemeClr val="accent2">
-        <a:tint val="50000"/>
-      </a:schemeClr>
-      <a:schemeClr val="accent3">
-        <a:tint val="50000"/>
-      </a:schemeClr>
-    </dgm:fillClrLst>
-    <dgm:linClrLst meth="repeat">
-      <a:schemeClr val="lt1"/>
-    </dgm:linClrLst>
-    <dgm:effectClrLst/>
-    <dgm:txLinClrLst/>
-    <dgm:txFillClrLst meth="repeat">
-      <a:schemeClr val="lt1"/>
-    </dgm:txFillClrLst>
-    <dgm:txEffectClrLst/>
-  </dgm:styleLbl>
-  <dgm:styleLbl name="alignImgPlace1">
-    <dgm:fillClrLst>
-      <a:schemeClr val="accent2">
-        <a:tint val="50000"/>
-      </a:schemeClr>
-      <a:schemeClr val="accent3">
-        <a:tint val="20000"/>
-      </a:schemeClr>
-    </dgm:fillClrLst>
-    <dgm:linClrLst meth="repeat">
-      <a:schemeClr val="lt1"/>
-    </dgm:linClrLst>
-    <dgm:effectClrLst/>
-    <dgm:txLinClrLst/>
-    <dgm:txFillClrLst meth="repeat">
-      <a:schemeClr val="lt1"/>
-    </dgm:txFillClrLst>
-    <dgm:txEffectClrLst/>
-  </dgm:styleLbl>
-  <dgm:styleLbl name="bgImgPlace1">
-    <dgm:fillClrLst>
-      <a:schemeClr val="accent2">
-        <a:tint val="50000"/>
-      </a:schemeClr>
-      <a:schemeClr val="accent3">
-        <a:tint val="20000"/>
-      </a:schemeClr>
-    </dgm:fillClrLst>
-    <dgm:linClrLst meth="repeat">
-      <a:schemeClr val="lt1"/>
-    </dgm:linClrLst>
-    <dgm:effectClrLst/>
-    <dgm:txLinClrLst/>
-    <dgm:txFillClrLst meth="repeat">
-      <a:schemeClr val="lt1"/>
-    </dgm:txFillClrLst>
-    <dgm:txEffectClrLst/>
-  </dgm:styleLbl>
-  <dgm:styleLbl name="sibTrans2D1">
-    <dgm:fillClrLst>
-      <a:schemeClr val="accent2"/>
-      <a:schemeClr val="accent3"/>
-    </dgm:fillClrLst>
-    <dgm:linClrLst meth="repeat">
-      <a:schemeClr val="lt1"/>
-    </dgm:linClrLst>
-    <dgm:effectClrLst/>
-    <dgm:txLinClrLst/>
-    <dgm:txFillClrLst/>
-    <dgm:txEffectClrLst/>
-  </dgm:styleLbl>
-  <dgm:styleLbl name="fgSibTrans2D1">
-    <dgm:fillClrLst>
-      <a:schemeClr val="accent2"/>
-      <a:schemeClr val="accent3"/>
-    </dgm:fillClrLst>
-    <dgm:linClrLst meth="repeat">
-      <a:schemeClr val="lt1"/>
-    </dgm:linClrLst>
-    <dgm:effectClrLst/>
-    <dgm:txLinClrLst/>
-    <dgm:txFillClrLst meth="repeat">
-      <a:schemeClr val="lt1"/>
-    </dgm:txFillClrLst>
-    <dgm:txEffectClrLst/>
-  </dgm:styleLbl>
-  <dgm:styleLbl name="bgSibTrans2D1">
-    <dgm:fillClrLst>
-      <a:schemeClr val="accent2"/>
-      <a:schemeClr val="accent3"/>
-    </dgm:fillClrLst>
-    <dgm:linClrLst meth="repeat">
-      <a:schemeClr val="lt1"/>
-    </dgm:linClrLst>
-    <dgm:effectClrLst/>
-    <dgm:txLinClrLst/>
-    <dgm:txFillClrLst meth="repeat">
-      <a:schemeClr val="lt1"/>
-    </dgm:txFillClrLst>
-    <dgm:txEffectClrLst/>
-  </dgm:styleLbl>
-  <dgm:styleLbl name="sibTrans1D1">
-    <dgm:fillClrLst/>
-    <dgm:linClrLst>
-      <a:schemeClr val="accent2"/>
-      <a:schemeClr val="accent3"/>
-    </dgm:linClrLst>
-    <dgm:effectClrLst/>
-    <dgm:txLinClrLst/>
-    <dgm:txFillClrLst meth="repeat">
-      <a:schemeClr val="tx1"/>
-    </dgm:txFillClrLst>
-    <dgm:txEffectClrLst/>
-  </dgm:styleLbl>
-  <dgm:styleLbl name="callout">
-    <dgm:fillClrLst meth="repeat">
-      <a:schemeClr val="accent2"/>
-    </dgm:fillClrLst>
-    <dgm:linClrLst meth="repeat">
-      <a:schemeClr val="accent2">
-        <a:tint val="50000"/>
-      </a:schemeClr>
-    </dgm:linClrLst>
-    <dgm:effectClrLst/>
-    <dgm:txLinClrLst/>
-    <dgm:txFillClrLst meth="repeat">
-      <a:schemeClr val="tx1"/>
-    </dgm:txFillClrLst>
-    <dgm:txEffectClrLst/>
-  </dgm:styleLbl>
-  <dgm:styleLbl name="asst0">
-    <dgm:fillClrLst meth="repeat">
-      <a:schemeClr val="accent2"/>
-    </dgm:fillClrLst>
-    <dgm:linClrLst meth="repeat">
-      <a:schemeClr val="lt1">
-        <a:shade val="80000"/>
-      </a:schemeClr>
-    </dgm:linClrLst>
-    <dgm:effectClrLst/>
-    <dgm:txLinClrLst/>
-    <dgm:txFillClrLst/>
-    <dgm:txEffectClrLst/>
-  </dgm:styleLbl>
-  <dgm:styleLbl name="asst1">
-    <dgm:fillClrLst meth="repeat">
-      <a:schemeClr val="accent3"/>
-    </dgm:fillClrLst>
-    <dgm:linClrLst meth="repeat">
-      <a:schemeClr val="lt1">
-        <a:shade val="80000"/>
-      </a:schemeClr>
-    </dgm:linClrLst>
-    <dgm:effectClrLst/>
-    <dgm:txLinClrLst/>
-    <dgm:txFillClrLst/>
-    <dgm:txEffectClrLst/>
-  </dgm:styleLbl>
-  <dgm:styleLbl name="asst2">
-    <dgm:fillClrLst>
-      <a:schemeClr val="accent4"/>
-    </dgm:fillClrLst>
-    <dgm:linClrLst meth="repeat">
-      <a:schemeClr val="lt1"/>
-    </dgm:linClrLst>
-    <dgm:effectClrLst/>
-    <dgm:txLinClrLst/>
-    <dgm:txFillClrLst/>
-    <dgm:txEffectClrLst/>
-  </dgm:styleLbl>
-  <dgm:styleLbl name="asst3">
-    <dgm:fillClrLst>
-      <a:schemeClr val="accent5"/>
-    </dgm:fillClrLst>
-    <dgm:linClrLst meth="repeat">
-      <a:schemeClr val="lt1"/>
-    </dgm:linClrLst>
-    <dgm:effectClrLst/>
-    <dgm:txLinClrLst/>
-    <dgm:txFillClrLst/>
-    <dgm:txEffectClrLst/>
-  </dgm:styleLbl>
-  <dgm:styleLbl name="asst4">
-    <dgm:fillClrLst>
-      <a:schemeClr val="accent6"/>
-    </dgm:fillClrLst>
-    <dgm:linClrLst meth="repeat">
-      <a:schemeClr val="lt1"/>
-    </dgm:linClrLst>
-    <dgm:effectClrLst/>
-    <dgm:txLinClrLst/>
-    <dgm:txFillClrLst/>
-    <dgm:txEffectClrLst/>
-  </dgm:styleLbl>
-  <dgm:styleLbl name="parChTrans2D1">
-    <dgm:fillClrLst meth="repeat">
-      <a:schemeClr val="accent2"/>
-    </dgm:fillClrLst>
-    <dgm:linClrLst meth="repeat">
-      <a:schemeClr val="lt1"/>
-    </dgm:linClrLst>
-    <dgm:effectClrLst/>
-    <dgm:txLinClrLst/>
-    <dgm:txFillClrLst meth="repeat">
-      <a:schemeClr val="lt1"/>
-    </dgm:txFillClrLst>
-    <dgm:txEffectClrLst/>
-  </dgm:styleLbl>
-  <dgm:styleLbl name="parChTrans2D2">
-    <dgm:fillClrLst meth="repeat">
-      <a:schemeClr val="accent3"/>
-    </dgm:fillClrLst>
-    <dgm:linClrLst meth="repeat">
-      <a:schemeClr val="lt1"/>
-    </dgm:linClrLst>
-    <dgm:effectClrLst/>
-    <dgm:txLinClrLst/>
-    <dgm:txFillClrLst/>
-    <dgm:txEffectClrLst/>
-  </dgm:styleLbl>
-  <dgm:styleLbl name="parChTrans2D3">
-    <dgm:fillClrLst meth="repeat">
-      <a:schemeClr val="accent4"/>
-    </dgm:fillClrLst>
-    <dgm:linClrLst meth="repeat">
-      <a:schemeClr val="lt1"/>
-    </dgm:linClrLst>
-    <dgm:effectClrLst/>
-    <dgm:txLinClrLst/>
-    <dgm:txFillClrLst/>
-    <dgm:txEffectClrLst/>
-  </dgm:styleLbl>
-  <dgm:styleLbl name="parChTrans2D4">
-    <dgm:fillClrLst meth="repeat">
-      <a:schemeClr val="accent5"/>
-    </dgm:fillClrLst>
-    <dgm:linClrLst meth="repeat">
-      <a:schemeClr val="lt1"/>
-    </dgm:linClrLst>
-    <dgm:effectClrLst/>
-    <dgm:txLinClrLst/>
-    <dgm:txFillClrLst meth="repeat">
-      <a:schemeClr val="lt1"/>
-    </dgm:txFillClrLst>
-    <dgm:txEffectClrLst/>
-  </dgm:styleLbl>
-  <dgm:styleLbl name="parChTrans1D1">
-    <dgm:fillClrLst meth="repeat">
-      <a:schemeClr val="accent2"/>
-    </dgm:fillClrLst>
-    <dgm:linClrLst meth="repeat">
-      <a:schemeClr val="accent2"/>
-    </dgm:linClrLst>
-    <dgm:effectClrLst/>
-    <dgm:txLinClrLst/>
-    <dgm:txFillClrLst meth="repeat">
-      <a:schemeClr val="tx1"/>
-    </dgm:txFillClrLst>
-    <dgm:txEffectClrLst/>
-  </dgm:styleLbl>
-  <dgm:styleLbl name="parChTrans1D2">
-    <dgm:fillClrLst meth="repeat">
-      <a:schemeClr val="accent2">
-        <a:tint val="90000"/>
-      </a:schemeClr>
-    </dgm:fillClrLst>
-    <dgm:linClrLst meth="repeat">
-      <a:schemeClr val="accent3"/>
-    </dgm:linClrLst>
-    <dgm:effectClrLst/>
-    <dgm:txLinClrLst/>
-    <dgm:txFillClrLst meth="repeat">
-      <a:schemeClr val="tx1"/>
-    </dgm:txFillClrLst>
-    <dgm:txEffectClrLst/>
-  </dgm:styleLbl>
-  <dgm:styleLbl name="parChTrans1D3">
-    <dgm:fillClrLst meth="repeat">
-      <a:schemeClr val="accent2">
-        <a:tint val="70000"/>
-      </a:schemeClr>
-    </dgm:fillClrLst>
-    <dgm:linClrLst meth="repeat">
-      <a:schemeClr val="accent4"/>
-    </dgm:linClrLst>
-    <dgm:effectClrLst/>
-    <dgm:txLinClrLst/>
-    <dgm:txFillClrLst meth="repeat">
-      <a:schemeClr val="tx1"/>
-    </dgm:txFillClrLst>
-    <dgm:txEffectClrLst/>
-  </dgm:styleLbl>
-  <dgm:styleLbl name="parChTrans1D4">
-    <dgm:fillClrLst meth="repeat">
-      <a:schemeClr val="accent2">
-        <a:tint val="50000"/>
-      </a:schemeClr>
-    </dgm:fillClrLst>
-    <dgm:linClrLst meth="repeat">
-      <a:schemeClr val="accent5"/>
-    </dgm:linClrLst>
-    <dgm:effectClrLst/>
-    <dgm:txLinClrLst/>
-    <dgm:txFillClrLst meth="repeat">
-      <a:schemeClr val="tx1"/>
-    </dgm:txFillClrLst>
-    <dgm:txEffectClrLst/>
-  </dgm:styleLbl>
-  <dgm:styleLbl name="fgAcc1">
-    <dgm:fillClrLst meth="repeat">
-      <a:schemeClr val="lt1">
-        <a:alpha val="90000"/>
-      </a:schemeClr>
-    </dgm:fillClrLst>
-    <dgm:linClrLst>
-      <a:schemeClr val="accent2"/>
-      <a:schemeClr val="accent3"/>
-    </dgm:linClrLst>
-    <dgm:effectClrLst/>
-    <dgm:txLinClrLst/>
-    <dgm:txFillClrLst meth="repeat">
-      <a:schemeClr val="dk1"/>
-    </dgm:txFillClrLst>
-    <dgm:txEffectClrLst/>
-  </dgm:styleLbl>
-  <dgm:styleLbl name="conFgAcc1">
-    <dgm:fillClrLst meth="repeat">
-      <a:schemeClr val="lt1">
-        <a:alpha val="90000"/>
-      </a:schemeClr>
-    </dgm:fillClrLst>
-    <dgm:linClrLst>
-      <a:schemeClr val="accent2"/>
-      <a:schemeClr val="accent3"/>
-    </dgm:linClrLst>
-    <dgm:effectClrLst/>
-    <dgm:txLinClrLst/>
-    <dgm:txFillClrLst meth="repeat">
-      <a:schemeClr val="dk1"/>
-    </dgm:txFillClrLst>
-    <dgm:txEffectClrLst/>
-  </dgm:styleLbl>
-  <dgm:styleLbl name="alignAcc1">
-    <dgm:fillClrLst meth="repeat">
-      <a:schemeClr val="lt1">
-        <a:alpha val="90000"/>
-      </a:schemeClr>
-    </dgm:fillClrLst>
-    <dgm:linClrLst>
-      <a:schemeClr val="accent2"/>
-      <a:schemeClr val="accent3"/>
-    </dgm:linClrLst>
-    <dgm:effectClrLst/>
-    <dgm:txLinClrLst/>
-    <dgm:txFillClrLst meth="repeat">
-      <a:schemeClr val="dk1"/>
-    </dgm:txFillClrLst>
-    <dgm:txEffectClrLst/>
-  </dgm:styleLbl>
-  <dgm:styleLbl name="trAlignAcc1">
-    <dgm:fillClrLst meth="repeat">
-      <a:schemeClr val="lt1">
-        <a:alpha val="40000"/>
-      </a:schemeClr>
-    </dgm:fillClrLst>
-    <dgm:linClrLst meth="repeat">
-      <a:schemeClr val="accent2"/>
-    </dgm:linClrLst>
-    <dgm:effectClrLst/>
-    <dgm:txLinClrLst/>
-    <dgm:txFillClrLst meth="repeat">
-      <a:schemeClr val="dk1"/>
-    </dgm:txFillClrLst>
-    <dgm:txEffectClrLst/>
-  </dgm:styleLbl>
-  <dgm:styleLbl name="bgAcc1">
-    <dgm:fillClrLst meth="repeat">
-      <a:schemeClr val="lt1">
-        <a:alpha val="90000"/>
-      </a:schemeClr>
-    </dgm:fillClrLst>
-    <dgm:linClrLst>
-      <a:schemeClr val="accent2"/>
-      <a:schemeClr val="accent3"/>
-    </dgm:linClrLst>
-    <dgm:effectClrLst/>
-    <dgm:txLinClrLst/>
-    <dgm:txFillClrLst meth="repeat">
-      <a:schemeClr val="dk1"/>
-    </dgm:txFillClrLst>
-    <dgm:txEffectClrLst/>
-  </dgm:styleLbl>
-  <dgm:styleLbl name="solidFgAcc1">
-    <dgm:fillClrLst meth="repeat">
-      <a:schemeClr val="lt1"/>
-    </dgm:fillClrLst>
-    <dgm:linClrLst>
-      <a:schemeClr val="accent2"/>
-      <a:schemeClr val="accent3"/>
-    </dgm:linClrLst>
-    <dgm:effectClrLst/>
-    <dgm:txLinClrLst/>
-    <dgm:txFillClrLst meth="repeat">
-      <a:schemeClr val="dk1"/>
-    </dgm:txFillClrLst>
-    <dgm:txEffectClrLst/>
-  </dgm:styleLbl>
-  <dgm:styleLbl name="solidAlignAcc1">
-    <dgm:fillClrLst meth="repeat">
-      <a:schemeClr val="lt1"/>
-    </dgm:fillClrLst>
-    <dgm:linClrLst>
-      <a:schemeClr val="accent2"/>
-      <a:schemeClr val="accent3"/>
-    </dgm:linClrLst>
-    <dgm:effectClrLst/>
-    <dgm:txLinClrLst/>
-    <dgm:txFillClrLst meth="repeat">
-      <a:schemeClr val="dk1"/>
-    </dgm:txFillClrLst>
-    <dgm:txEffectClrLst/>
-  </dgm:styleLbl>
-  <dgm:styleLbl name="solidBgAcc1">
-    <dgm:fillClrLst meth="repeat">
-      <a:schemeClr val="lt1"/>
-    </dgm:fillClrLst>
-    <dgm:linClrLst>
-      <a:schemeClr val="accent2"/>
-      <a:schemeClr val="accent3"/>
-    </dgm:linClrLst>
-    <dgm:effectClrLst/>
-    <dgm:txLinClrLst/>
-    <dgm:txFillClrLst meth="repeat">
-      <a:schemeClr val="dk1"/>
-    </dgm:txFillClrLst>
-    <dgm:txEffectClrLst/>
-  </dgm:styleLbl>
-  <dgm:styleLbl name="fgAccFollowNode1">
-    <dgm:fillClrLst>
-      <a:schemeClr val="accent2">
-        <a:tint val="40000"/>
-        <a:alpha val="90000"/>
-      </a:schemeClr>
-      <a:schemeClr val="accent3">
-        <a:tint val="40000"/>
-        <a:alpha val="90000"/>
-      </a:schemeClr>
-    </dgm:fillClrLst>
-    <dgm:linClrLst>
-      <a:schemeClr val="accent2">
-        <a:tint val="40000"/>
-        <a:alpha val="90000"/>
-      </a:schemeClr>
-      <a:schemeClr val="accent3">
-        <a:tint val="40000"/>
-        <a:alpha val="90000"/>
-      </a:schemeClr>
-    </dgm:linClrLst>
-    <dgm:effectClrLst/>
-    <dgm:txLinClrLst/>
-    <dgm:txFillClrLst meth="repeat">
-      <a:schemeClr val="dk1"/>
-    </dgm:txFillClrLst>
-    <dgm:txEffectClrLst/>
-  </dgm:styleLbl>
-  <dgm:styleLbl name="alignAccFollowNode1">
-    <dgm:fillClrLst>
-      <a:schemeClr val="accent2">
-        <a:tint val="40000"/>
-        <a:alpha val="90000"/>
-      </a:schemeClr>
-      <a:schemeClr val="accent3">
-        <a:tint val="40000"/>
-        <a:alpha val="90000"/>
-      </a:schemeClr>
-    </dgm:fillClrLst>
-    <dgm:linClrLst>
-      <a:schemeClr val="accent2">
-        <a:tint val="40000"/>
-        <a:alpha val="90000"/>
-      </a:schemeClr>
-      <a:schemeClr val="accent3">
-        <a:tint val="40000"/>
-        <a:alpha val="90000"/>
-      </a:schemeClr>
-    </dgm:linClrLst>
-    <dgm:effectClrLst/>
-    <dgm:txLinClrLst/>
-    <dgm:txFillClrLst meth="repeat">
-      <a:schemeClr val="dk1"/>
-    </dgm:txFillClrLst>
-    <dgm:txEffectClrLst/>
-  </dgm:styleLbl>
-  <dgm:styleLbl name="bgAccFollowNode1">
-    <dgm:fillClrLst>
-      <a:schemeClr val="accent2">
-        <a:tint val="40000"/>
-        <a:alpha val="90000"/>
-      </a:schemeClr>
-      <a:schemeClr val="accent3">
-        <a:tint val="40000"/>
-        <a:alpha val="90000"/>
-      </a:schemeClr>
-    </dgm:fillClrLst>
-    <dgm:linClrLst>
-      <a:schemeClr val="accent2">
-        <a:tint val="40000"/>
-        <a:alpha val="90000"/>
-      </a:schemeClr>
-      <a:schemeClr val="accent3">
-        <a:tint val="40000"/>
-        <a:alpha val="90000"/>
-      </a:schemeClr>
-    </dgm:linClrLst>
-    <dgm:effectClrLst/>
-    <dgm:txLinClrLst/>
-    <dgm:txFillClrLst meth="repeat">
-      <a:schemeClr val="dk1"/>
-    </dgm:txFillClrLst>
-    <dgm:txEffectClrLst/>
-  </dgm:styleLbl>
-  <dgm:styleLbl name="fgAcc0">
-    <dgm:fillClrLst meth="repeat">
-      <a:schemeClr val="lt1">
-        <a:alpha val="90000"/>
-      </a:schemeClr>
-    </dgm:fillClrLst>
-    <dgm:linClrLst>
-      <a:schemeClr val="accent1"/>
-    </dgm:linClrLst>
-    <dgm:effectClrLst/>
-    <dgm:txLinClrLst/>
-    <dgm:txFillClrLst meth="repeat">
-      <a:schemeClr val="dk1"/>
-    </dgm:txFillClrLst>
-    <dgm:txEffectClrLst/>
-  </dgm:styleLbl>
-  <dgm:styleLbl name="fgAcc2">
-    <dgm:fillClrLst meth="repeat">
-      <a:schemeClr val="lt1">
-        <a:alpha val="90000"/>
-      </a:schemeClr>
-    </dgm:fillClrLst>
-    <dgm:linClrLst>
-      <a:schemeClr val="accent3"/>
-    </dgm:linClrLst>
-    <dgm:effectClrLst/>
-    <dgm:txLinClrLst/>
-    <dgm:txFillClrLst meth="repeat">
-      <a:schemeClr val="dk1"/>
-    </dgm:txFillClrLst>
-    <dgm:txEffectClrLst/>
-  </dgm:styleLbl>
-  <dgm:styleLbl name="fgAcc3">
-    <dgm:fillClrLst meth="repeat">
-      <a:schemeClr val="lt1">
-        <a:alpha val="90000"/>
-      </a:schemeClr>
-    </dgm:fillClrLst>
-    <dgm:linClrLst>
-      <a:schemeClr val="accent4"/>
-    </dgm:linClrLst>
-    <dgm:effectClrLst/>
-    <dgm:txLinClrLst/>
-    <dgm:txFillClrLst meth="repeat">
-      <a:schemeClr val="dk1"/>
-    </dgm:txFillClrLst>
-    <dgm:txEffectClrLst/>
-  </dgm:styleLbl>
-  <dgm:styleLbl name="fgAcc4">
-    <dgm:fillClrLst meth="repeat">
-      <a:schemeClr val="lt1">
-        <a:alpha val="90000"/>
-      </a:schemeClr>
-    </dgm:fillClrLst>
-    <dgm:linClrLst>
-      <a:schemeClr val="accent5"/>
-    </dgm:linClrLst>
-    <dgm:effectClrLst/>
-    <dgm:txLinClrLst/>
-    <dgm:txFillClrLst meth="repeat">
-      <a:schemeClr val="dk1"/>
-    </dgm:txFillClrLst>
-    <dgm:txEffectClrLst/>
-  </dgm:styleLbl>
-  <dgm:styleLbl name="bgShp">
-    <dgm:fillClrLst meth="repeat">
-      <a:schemeClr val="accent2">
-        <a:tint val="40000"/>
-      </a:schemeClr>
-    </dgm:fillClrLst>
-    <dgm:linClrLst meth="repeat">
-      <a:schemeClr val="dk1"/>
-    </dgm:linClrLst>
-    <dgm:effectClrLst/>
-    <dgm:txLinClrLst/>
-    <dgm:txFillClrLst meth="repeat">
-      <a:schemeClr val="dk1"/>
-    </dgm:txFillClrLst>
-    <dgm:txEffectClrLst/>
-  </dgm:styleLbl>
-  <dgm:styleLbl name="dkBgShp">
-    <dgm:fillClrLst meth="repeat">
-      <a:schemeClr val="accent2">
-        <a:shade val="90000"/>
-      </a:schemeClr>
-    </dgm:fillClrLst>
-    <dgm:linClrLst meth="repeat">
-      <a:schemeClr val="dk1"/>
-    </dgm:linClrLst>
-    <dgm:effectClrLst/>
-    <dgm:txLinClrLst/>
-    <dgm:txFillClrLst meth="repeat">
-      <a:schemeClr val="lt1"/>
-    </dgm:txFillClrLst>
-    <dgm:txEffectClrLst/>
-  </dgm:styleLbl>
-  <dgm:styleLbl name="trBgShp">
-    <dgm:fillClrLst meth="repeat">
-      <a:schemeClr val="accent2">
-        <a:tint val="50000"/>
-        <a:alpha val="40000"/>
-      </a:schemeClr>
-    </dgm:fillClrLst>
-    <dgm:linClrLst meth="repeat">
-      <a:schemeClr val="accent2"/>
-    </dgm:linClrLst>
-    <dgm:effectClrLst/>
-    <dgm:txLinClrLst/>
-    <dgm:txFillClrLst meth="repeat">
-      <a:schemeClr val="lt1"/>
-    </dgm:txFillClrLst>
-    <dgm:txEffectClrLst/>
-  </dgm:styleLbl>
-  <dgm:styleLbl name="fgShp">
-    <dgm:fillClrLst meth="repeat">
-      <a:schemeClr val="accent2">
-        <a:tint val="40000"/>
-      </a:schemeClr>
-    </dgm:fillClrLst>
-    <dgm:linClrLst meth="repeat">
-      <a:schemeClr val="lt1"/>
-    </dgm:linClrLst>
-    <dgm:effectClrLst/>
-    <dgm:txLinClrLst/>
-    <dgm:txFillClrLst meth="repeat">
-      <a:schemeClr val="dk1"/>
-    </dgm:txFillClrLst>
-    <dgm:txEffectClrLst/>
-  </dgm:styleLbl>
-  <dgm:styleLbl name="revTx">
-    <dgm:fillClrLst meth="repeat">
-      <a:schemeClr val="lt1">
-        <a:alpha val="0"/>
-      </a:schemeClr>
-    </dgm:fillClrLst>
-    <dgm:linClrLst meth="repeat">
-      <a:schemeClr val="dk1">
-        <a:alpha val="0"/>
-      </a:schemeClr>
-    </dgm:linClrLst>
-    <dgm:effectClrLst/>
-    <dgm:txLinClrLst/>
-    <dgm:txFillClrLst meth="repeat">
-      <a:schemeClr val="tx1"/>
-    </dgm:txFillClrLst>
-    <dgm:txEffectClrLst/>
-  </dgm:styleLbl>
-</dgm:colorsDef>
-</file>
-
 <file path=ppt/diagrams/data1.xml><?xml version="1.0" encoding="utf-8"?>
 <dgm:dataModel xmlns:dgm="http://schemas.openxmlformats.org/drawingml/2006/diagram" xmlns:a="http://schemas.openxmlformats.org/drawingml/2006/main">
   <dgm:ptLst>
@@ -2449,345 +1665,6 @@
     <dgm:cxn modelId="{BCB597BE-29AC-41D5-8EC1-B050B345A819}" type="presParOf" srcId="{DC0D35D9-9DC5-4717-BFED-EA2208E12265}" destId="{CD6FC366-38F0-4894-8F4D-FA764AB4E53E}" srcOrd="2" destOrd="0" presId="urn:microsoft.com/office/officeart/2005/8/layout/hierarchy4"/>
     <dgm:cxn modelId="{323BD864-BA60-4E4E-B37D-056EE8076DCB}" type="presParOf" srcId="{CD6FC366-38F0-4894-8F4D-FA764AB4E53E}" destId="{27B7B43B-44EE-40CF-B9C4-097D77C99221}" srcOrd="0" destOrd="0" presId="urn:microsoft.com/office/officeart/2005/8/layout/hierarchy4"/>
     <dgm:cxn modelId="{B1E04A6F-755F-47B2-A84A-B57E52067E59}" type="presParOf" srcId="{CD6FC366-38F0-4894-8F4D-FA764AB4E53E}" destId="{5EAB3906-194A-45F4-BD22-9FA967D18D00}" srcOrd="1" destOrd="0" presId="urn:microsoft.com/office/officeart/2005/8/layout/hierarchy4"/>
-  </dgm:cxnLst>
-  <dgm:bg/>
-  <dgm:whole/>
-  <dgm:extLst>
-    <a:ext uri="http://schemas.microsoft.com/office/drawing/2008/diagram">
-      <dsp:dataModelExt xmlns:dsp="http://schemas.microsoft.com/office/drawing/2008/diagram" relId="rId6" minVer="http://schemas.openxmlformats.org/drawingml/2006/diagram"/>
-    </a:ext>
-  </dgm:extLst>
-</dgm:dataModel>
-</file>
-
-<file path=ppt/diagrams/data2.xml><?xml version="1.0" encoding="utf-8"?>
-<dgm:dataModel xmlns:dgm="http://schemas.openxmlformats.org/drawingml/2006/diagram" xmlns:a="http://schemas.openxmlformats.org/drawingml/2006/main">
-  <dgm:ptLst>
-    <dgm:pt modelId="{3F442EA2-39BA-4C9A-AD59-755D4917D532}" type="doc">
-      <dgm:prSet loTypeId="urn:microsoft.com/office/officeart/2005/8/layout/target1" loCatId="relationship" qsTypeId="urn:microsoft.com/office/officeart/2005/8/quickstyle/simple4" qsCatId="simple" csTypeId="urn:microsoft.com/office/officeart/2005/8/colors/colorful2" csCatId="colorful" phldr="1"/>
-      <dgm:spPr/>
-      <dgm:t>
-        <a:bodyPr/>
-        <a:lstStyle/>
-        <a:p>
-          <a:endParaRPr lang="en-US"/>
-        </a:p>
-      </dgm:t>
-    </dgm:pt>
-    <dgm:pt modelId="{4DF9FE7B-F642-4898-A360-D4E3814E1A3D}">
-      <dgm:prSet phldrT="[Text]"/>
-      <dgm:spPr/>
-      <dgm:t>
-        <a:bodyPr/>
-        <a:lstStyle/>
-        <a:p>
-          <a:r>
-            <a:rPr lang="en-US" dirty="0" err="1"/>
-            <a:t>DreamHome</a:t>
-          </a:r>
-          <a:endParaRPr lang="en-US" dirty="0"/>
-        </a:p>
-      </dgm:t>
-    </dgm:pt>
-    <dgm:pt modelId="{1C10F06D-860A-4604-A7AD-02E614FE3976}" type="parTrans" cxnId="{EBD8BE8D-6018-43E2-B081-034BB5656EB6}">
-      <dgm:prSet/>
-      <dgm:spPr/>
-      <dgm:t>
-        <a:bodyPr/>
-        <a:lstStyle/>
-        <a:p>
-          <a:endParaRPr lang="en-US"/>
-        </a:p>
-      </dgm:t>
-    </dgm:pt>
-    <dgm:pt modelId="{43C18EFF-81FC-4D70-8C6B-E95FF3730413}" type="sibTrans" cxnId="{EBD8BE8D-6018-43E2-B081-034BB5656EB6}">
-      <dgm:prSet/>
-      <dgm:spPr/>
-      <dgm:t>
-        <a:bodyPr/>
-        <a:lstStyle/>
-        <a:p>
-          <a:endParaRPr lang="en-US"/>
-        </a:p>
-      </dgm:t>
-    </dgm:pt>
-    <dgm:pt modelId="{EFF2750D-B4B3-474C-8B62-8B638DC31F7E}">
-      <dgm:prSet phldrT="[Text]"/>
-      <dgm:spPr/>
-      <dgm:t>
-        <a:bodyPr/>
-        <a:lstStyle/>
-        <a:p>
-          <a:r>
-            <a:rPr lang="en-US" dirty="0"/>
-            <a:t>Cash flow</a:t>
-          </a:r>
-        </a:p>
-      </dgm:t>
-    </dgm:pt>
-    <dgm:pt modelId="{AEBC78E6-CDDC-4C8F-A157-3C51E907FACD}" type="parTrans" cxnId="{A058DDA2-48CA-4E5B-B389-F71A59C262B0}">
-      <dgm:prSet/>
-      <dgm:spPr/>
-      <dgm:t>
-        <a:bodyPr/>
-        <a:lstStyle/>
-        <a:p>
-          <a:endParaRPr lang="en-US"/>
-        </a:p>
-      </dgm:t>
-    </dgm:pt>
-    <dgm:pt modelId="{75C067D7-FCD2-4969-8F27-4BBDA88E75ED}" type="sibTrans" cxnId="{A058DDA2-48CA-4E5B-B389-F71A59C262B0}">
-      <dgm:prSet/>
-      <dgm:spPr/>
-      <dgm:t>
-        <a:bodyPr/>
-        <a:lstStyle/>
-        <a:p>
-          <a:endParaRPr lang="en-US"/>
-        </a:p>
-      </dgm:t>
-    </dgm:pt>
-    <dgm:pt modelId="{3929B1E1-4BC4-4C73-ABE8-27CEF96A3652}">
-      <dgm:prSet phldrT="[Text]"/>
-      <dgm:spPr/>
-      <dgm:t>
-        <a:bodyPr/>
-        <a:lstStyle/>
-        <a:p>
-          <a:r>
-            <a:rPr lang="en-US" dirty="0"/>
-            <a:t>Tenants</a:t>
-          </a:r>
-        </a:p>
-      </dgm:t>
-    </dgm:pt>
-    <dgm:pt modelId="{F356CC76-9117-4B79-A270-BBBAFD3E9C79}" type="parTrans" cxnId="{1339090C-9A95-4C05-841C-FA3AF987601B}">
-      <dgm:prSet/>
-      <dgm:spPr/>
-      <dgm:t>
-        <a:bodyPr/>
-        <a:lstStyle/>
-        <a:p>
-          <a:endParaRPr lang="en-US"/>
-        </a:p>
-      </dgm:t>
-    </dgm:pt>
-    <dgm:pt modelId="{19BA0C22-38BB-4E9F-89D5-0FF5FF9F12CE}" type="sibTrans" cxnId="{1339090C-9A95-4C05-841C-FA3AF987601B}">
-      <dgm:prSet/>
-      <dgm:spPr/>
-      <dgm:t>
-        <a:bodyPr/>
-        <a:lstStyle/>
-        <a:p>
-          <a:endParaRPr lang="en-US"/>
-        </a:p>
-      </dgm:t>
-    </dgm:pt>
-    <dgm:pt modelId="{99E0600D-9954-43F4-8926-13B8777FAAA1}">
-      <dgm:prSet phldrT="[Text]"/>
-      <dgm:spPr/>
-      <dgm:t>
-        <a:bodyPr/>
-        <a:lstStyle/>
-        <a:p>
-          <a:r>
-            <a:rPr lang="en-US" dirty="0"/>
-            <a:t>customers</a:t>
-          </a:r>
-        </a:p>
-      </dgm:t>
-    </dgm:pt>
-    <dgm:pt modelId="{BE23F476-2C5C-42ED-BF2B-CD5FC7ADDDF6}" type="parTrans" cxnId="{09FCCB9D-A30A-4326-970E-26252D39327F}">
-      <dgm:prSet/>
-      <dgm:spPr/>
-      <dgm:t>
-        <a:bodyPr/>
-        <a:lstStyle/>
-        <a:p>
-          <a:endParaRPr lang="en-US"/>
-        </a:p>
-      </dgm:t>
-    </dgm:pt>
-    <dgm:pt modelId="{C44937DC-4907-4769-AA8B-1B3E7391D7B0}" type="sibTrans" cxnId="{09FCCB9D-A30A-4326-970E-26252D39327F}">
-      <dgm:prSet/>
-      <dgm:spPr/>
-      <dgm:t>
-        <a:bodyPr/>
-        <a:lstStyle/>
-        <a:p>
-          <a:endParaRPr lang="en-US"/>
-        </a:p>
-      </dgm:t>
-    </dgm:pt>
-    <dgm:pt modelId="{60CDF8D0-D4FC-4467-A51E-79C5A58B0B2C}">
-      <dgm:prSet phldrT="[Text]"/>
-      <dgm:spPr/>
-      <dgm:t>
-        <a:bodyPr/>
-        <a:lstStyle/>
-        <a:p>
-          <a:r>
-            <a:rPr lang="en-US" dirty="0"/>
-            <a:t>Suppliers</a:t>
-          </a:r>
-        </a:p>
-      </dgm:t>
-    </dgm:pt>
-    <dgm:pt modelId="{E12A269F-AB82-486A-9077-80F2BBBE48C2}" type="parTrans" cxnId="{2BA65DEC-E719-4ED3-8135-48349D42DD04}">
-      <dgm:prSet/>
-      <dgm:spPr/>
-      <dgm:t>
-        <a:bodyPr/>
-        <a:lstStyle/>
-        <a:p>
-          <a:endParaRPr lang="en-US"/>
-        </a:p>
-      </dgm:t>
-    </dgm:pt>
-    <dgm:pt modelId="{3F7FD59D-A716-4310-A89A-AB6F740D9FFF}" type="sibTrans" cxnId="{2BA65DEC-E719-4ED3-8135-48349D42DD04}">
-      <dgm:prSet/>
-      <dgm:spPr/>
-      <dgm:t>
-        <a:bodyPr/>
-        <a:lstStyle/>
-        <a:p>
-          <a:endParaRPr lang="en-US"/>
-        </a:p>
-      </dgm:t>
-    </dgm:pt>
-    <dgm:pt modelId="{50629C12-7464-4473-ADEF-1A284F8A9957}">
-      <dgm:prSet phldrT="[Text]"/>
-      <dgm:spPr/>
-      <dgm:t>
-        <a:bodyPr/>
-        <a:lstStyle/>
-        <a:p>
-          <a:r>
-            <a:rPr lang="en-US" dirty="0"/>
-            <a:t>Utility costs</a:t>
-          </a:r>
-        </a:p>
-      </dgm:t>
-    </dgm:pt>
-    <dgm:pt modelId="{9D1CB46C-0CFA-4B27-9224-267431FBD094}" type="parTrans" cxnId="{1D32FCC9-657C-4348-9C0D-52115D559FEB}">
-      <dgm:prSet/>
-      <dgm:spPr/>
-      <dgm:t>
-        <a:bodyPr/>
-        <a:lstStyle/>
-        <a:p>
-          <a:endParaRPr lang="en-US"/>
-        </a:p>
-      </dgm:t>
-    </dgm:pt>
-    <dgm:pt modelId="{4576BCC5-0598-4332-A2E7-87AC3ADD4EB8}" type="sibTrans" cxnId="{1D32FCC9-657C-4348-9C0D-52115D559FEB}">
-      <dgm:prSet/>
-      <dgm:spPr/>
-      <dgm:t>
-        <a:bodyPr/>
-        <a:lstStyle/>
-        <a:p>
-          <a:endParaRPr lang="en-US"/>
-        </a:p>
-      </dgm:t>
-    </dgm:pt>
-    <dgm:pt modelId="{AA67F66C-F4E3-4AE3-9C55-A9DF49CFA6B2}" type="pres">
-      <dgm:prSet presAssocID="{3F442EA2-39BA-4C9A-AD59-755D4917D532}" presName="composite" presStyleCnt="0">
-        <dgm:presLayoutVars>
-          <dgm:chMax val="5"/>
-          <dgm:dir/>
-          <dgm:resizeHandles val="exact"/>
-        </dgm:presLayoutVars>
-      </dgm:prSet>
-      <dgm:spPr/>
-    </dgm:pt>
-    <dgm:pt modelId="{CBC7FCC3-4508-4A2C-A699-80B56AC4DB56}" type="pres">
-      <dgm:prSet presAssocID="{4DF9FE7B-F642-4898-A360-D4E3814E1A3D}" presName="circle1" presStyleLbl="lnNode1" presStyleIdx="0" presStyleCnt="3"/>
-      <dgm:spPr/>
-    </dgm:pt>
-    <dgm:pt modelId="{721C4484-2C4E-47CE-9E3D-C44F02A7E166}" type="pres">
-      <dgm:prSet presAssocID="{4DF9FE7B-F642-4898-A360-D4E3814E1A3D}" presName="text1" presStyleLbl="revTx" presStyleIdx="0" presStyleCnt="3">
-        <dgm:presLayoutVars>
-          <dgm:bulletEnabled val="1"/>
-        </dgm:presLayoutVars>
-      </dgm:prSet>
-      <dgm:spPr/>
-    </dgm:pt>
-    <dgm:pt modelId="{BD57CE74-1890-43D3-8AF8-CC63CCCAD27B}" type="pres">
-      <dgm:prSet presAssocID="{4DF9FE7B-F642-4898-A360-D4E3814E1A3D}" presName="line1" presStyleLbl="callout" presStyleIdx="0" presStyleCnt="6"/>
-      <dgm:spPr/>
-    </dgm:pt>
-    <dgm:pt modelId="{47E073D5-28F9-48F7-9EE3-CD1ABC58D94E}" type="pres">
-      <dgm:prSet presAssocID="{4DF9FE7B-F642-4898-A360-D4E3814E1A3D}" presName="d1" presStyleLbl="callout" presStyleIdx="1" presStyleCnt="6"/>
-      <dgm:spPr/>
-    </dgm:pt>
-    <dgm:pt modelId="{B736C755-26C8-4FEA-91D7-F8104FF77E82}" type="pres">
-      <dgm:prSet presAssocID="{3929B1E1-4BC4-4C73-ABE8-27CEF96A3652}" presName="circle2" presStyleLbl="lnNode1" presStyleIdx="1" presStyleCnt="3"/>
-      <dgm:spPr/>
-    </dgm:pt>
-    <dgm:pt modelId="{CEA4BEA9-01EB-4151-A2FD-98FDADE4D4C5}" type="pres">
-      <dgm:prSet presAssocID="{3929B1E1-4BC4-4C73-ABE8-27CEF96A3652}" presName="text2" presStyleLbl="revTx" presStyleIdx="1" presStyleCnt="3">
-        <dgm:presLayoutVars>
-          <dgm:bulletEnabled val="1"/>
-        </dgm:presLayoutVars>
-      </dgm:prSet>
-      <dgm:spPr/>
-    </dgm:pt>
-    <dgm:pt modelId="{ED3D34C2-9BDC-4865-B076-019F361ABD54}" type="pres">
-      <dgm:prSet presAssocID="{3929B1E1-4BC4-4C73-ABE8-27CEF96A3652}" presName="line2" presStyleLbl="callout" presStyleIdx="2" presStyleCnt="6"/>
-      <dgm:spPr/>
-    </dgm:pt>
-    <dgm:pt modelId="{6EAB163B-9BDD-4B30-AF27-57BCEF47A7CE}" type="pres">
-      <dgm:prSet presAssocID="{3929B1E1-4BC4-4C73-ABE8-27CEF96A3652}" presName="d2" presStyleLbl="callout" presStyleIdx="3" presStyleCnt="6"/>
-      <dgm:spPr/>
-    </dgm:pt>
-    <dgm:pt modelId="{62624312-B6AB-4491-B341-2BB3F078D684}" type="pres">
-      <dgm:prSet presAssocID="{60CDF8D0-D4FC-4467-A51E-79C5A58B0B2C}" presName="circle3" presStyleLbl="lnNode1" presStyleIdx="2" presStyleCnt="3"/>
-      <dgm:spPr/>
-    </dgm:pt>
-    <dgm:pt modelId="{F4B3DB09-8D8A-4833-A3A0-C8C2FB6EE995}" type="pres">
-      <dgm:prSet presAssocID="{60CDF8D0-D4FC-4467-A51E-79C5A58B0B2C}" presName="text3" presStyleLbl="revTx" presStyleIdx="2" presStyleCnt="3">
-        <dgm:presLayoutVars>
-          <dgm:bulletEnabled val="1"/>
-        </dgm:presLayoutVars>
-      </dgm:prSet>
-      <dgm:spPr/>
-    </dgm:pt>
-    <dgm:pt modelId="{A0324D28-E700-487E-A5A5-E2FB1D5914A7}" type="pres">
-      <dgm:prSet presAssocID="{60CDF8D0-D4FC-4467-A51E-79C5A58B0B2C}" presName="line3" presStyleLbl="callout" presStyleIdx="4" presStyleCnt="6"/>
-      <dgm:spPr/>
-    </dgm:pt>
-    <dgm:pt modelId="{822C1557-A7EF-4D85-AEDD-F484CC850E49}" type="pres">
-      <dgm:prSet presAssocID="{60CDF8D0-D4FC-4467-A51E-79C5A58B0B2C}" presName="d3" presStyleLbl="callout" presStyleIdx="5" presStyleCnt="6"/>
-      <dgm:spPr/>
-    </dgm:pt>
-  </dgm:ptLst>
-  <dgm:cxnLst>
-    <dgm:cxn modelId="{1339090C-9A95-4C05-841C-FA3AF987601B}" srcId="{3F442EA2-39BA-4C9A-AD59-755D4917D532}" destId="{3929B1E1-4BC4-4C73-ABE8-27CEF96A3652}" srcOrd="1" destOrd="0" parTransId="{F356CC76-9117-4B79-A270-BBBAFD3E9C79}" sibTransId="{19BA0C22-38BB-4E9F-89D5-0FF5FF9F12CE}"/>
-    <dgm:cxn modelId="{21A6251B-C0F9-4719-8ECF-31915EFD814C}" type="presOf" srcId="{4DF9FE7B-F642-4898-A360-D4E3814E1A3D}" destId="{721C4484-2C4E-47CE-9E3D-C44F02A7E166}" srcOrd="0" destOrd="0" presId="urn:microsoft.com/office/officeart/2005/8/layout/target1"/>
-    <dgm:cxn modelId="{5A70FA4A-195D-4B31-AA86-3DC5D1C2EC98}" type="presOf" srcId="{60CDF8D0-D4FC-4467-A51E-79C5A58B0B2C}" destId="{F4B3DB09-8D8A-4833-A3A0-C8C2FB6EE995}" srcOrd="0" destOrd="0" presId="urn:microsoft.com/office/officeart/2005/8/layout/target1"/>
-    <dgm:cxn modelId="{7A4B474F-94DE-4C9D-BBC3-D696C78BEEF1}" type="presOf" srcId="{3929B1E1-4BC4-4C73-ABE8-27CEF96A3652}" destId="{CEA4BEA9-01EB-4151-A2FD-98FDADE4D4C5}" srcOrd="0" destOrd="0" presId="urn:microsoft.com/office/officeart/2005/8/layout/target1"/>
-    <dgm:cxn modelId="{EBD8BE8D-6018-43E2-B081-034BB5656EB6}" srcId="{3F442EA2-39BA-4C9A-AD59-755D4917D532}" destId="{4DF9FE7B-F642-4898-A360-D4E3814E1A3D}" srcOrd="0" destOrd="0" parTransId="{1C10F06D-860A-4604-A7AD-02E614FE3976}" sibTransId="{43C18EFF-81FC-4D70-8C6B-E95FF3730413}"/>
-    <dgm:cxn modelId="{09FCCB9D-A30A-4326-970E-26252D39327F}" srcId="{3929B1E1-4BC4-4C73-ABE8-27CEF96A3652}" destId="{99E0600D-9954-43F4-8926-13B8777FAAA1}" srcOrd="0" destOrd="0" parTransId="{BE23F476-2C5C-42ED-BF2B-CD5FC7ADDDF6}" sibTransId="{C44937DC-4907-4769-AA8B-1B3E7391D7B0}"/>
-    <dgm:cxn modelId="{A058DDA2-48CA-4E5B-B389-F71A59C262B0}" srcId="{4DF9FE7B-F642-4898-A360-D4E3814E1A3D}" destId="{EFF2750D-B4B3-474C-8B62-8B638DC31F7E}" srcOrd="0" destOrd="0" parTransId="{AEBC78E6-CDDC-4C8F-A157-3C51E907FACD}" sibTransId="{75C067D7-FCD2-4969-8F27-4BBDA88E75ED}"/>
-    <dgm:cxn modelId="{4027AFA9-32A9-4522-9BBE-50DF17A88188}" type="presOf" srcId="{EFF2750D-B4B3-474C-8B62-8B638DC31F7E}" destId="{721C4484-2C4E-47CE-9E3D-C44F02A7E166}" srcOrd="0" destOrd="1" presId="urn:microsoft.com/office/officeart/2005/8/layout/target1"/>
-    <dgm:cxn modelId="{7540B0A9-79C0-422C-9A30-1FFC79A03107}" type="presOf" srcId="{3F442EA2-39BA-4C9A-AD59-755D4917D532}" destId="{AA67F66C-F4E3-4AE3-9C55-A9DF49CFA6B2}" srcOrd="0" destOrd="0" presId="urn:microsoft.com/office/officeart/2005/8/layout/target1"/>
-    <dgm:cxn modelId="{4599C3BA-159B-45A2-B9CD-8BDC429B09F2}" type="presOf" srcId="{50629C12-7464-4473-ADEF-1A284F8A9957}" destId="{F4B3DB09-8D8A-4833-A3A0-C8C2FB6EE995}" srcOrd="0" destOrd="1" presId="urn:microsoft.com/office/officeart/2005/8/layout/target1"/>
-    <dgm:cxn modelId="{1D32FCC9-657C-4348-9C0D-52115D559FEB}" srcId="{60CDF8D0-D4FC-4467-A51E-79C5A58B0B2C}" destId="{50629C12-7464-4473-ADEF-1A284F8A9957}" srcOrd="0" destOrd="0" parTransId="{9D1CB46C-0CFA-4B27-9224-267431FBD094}" sibTransId="{4576BCC5-0598-4332-A2E7-87AC3ADD4EB8}"/>
-    <dgm:cxn modelId="{E6D53BD5-7CD0-4098-AB93-BFA8FDE34BC5}" type="presOf" srcId="{99E0600D-9954-43F4-8926-13B8777FAAA1}" destId="{CEA4BEA9-01EB-4151-A2FD-98FDADE4D4C5}" srcOrd="0" destOrd="1" presId="urn:microsoft.com/office/officeart/2005/8/layout/target1"/>
-    <dgm:cxn modelId="{2BA65DEC-E719-4ED3-8135-48349D42DD04}" srcId="{3F442EA2-39BA-4C9A-AD59-755D4917D532}" destId="{60CDF8D0-D4FC-4467-A51E-79C5A58B0B2C}" srcOrd="2" destOrd="0" parTransId="{E12A269F-AB82-486A-9077-80F2BBBE48C2}" sibTransId="{3F7FD59D-A716-4310-A89A-AB6F740D9FFF}"/>
-    <dgm:cxn modelId="{6B8A0600-2F3C-4C1C-BB0C-35E13595CB36}" type="presParOf" srcId="{AA67F66C-F4E3-4AE3-9C55-A9DF49CFA6B2}" destId="{CBC7FCC3-4508-4A2C-A699-80B56AC4DB56}" srcOrd="0" destOrd="0" presId="urn:microsoft.com/office/officeart/2005/8/layout/target1"/>
-    <dgm:cxn modelId="{CD986D54-F397-4C00-B589-80D8AA5D9D7E}" type="presParOf" srcId="{AA67F66C-F4E3-4AE3-9C55-A9DF49CFA6B2}" destId="{721C4484-2C4E-47CE-9E3D-C44F02A7E166}" srcOrd="1" destOrd="0" presId="urn:microsoft.com/office/officeart/2005/8/layout/target1"/>
-    <dgm:cxn modelId="{310C3318-566D-4605-B45E-C9F096662669}" type="presParOf" srcId="{AA67F66C-F4E3-4AE3-9C55-A9DF49CFA6B2}" destId="{BD57CE74-1890-43D3-8AF8-CC63CCCAD27B}" srcOrd="2" destOrd="0" presId="urn:microsoft.com/office/officeart/2005/8/layout/target1"/>
-    <dgm:cxn modelId="{E7FD8EA0-A4C2-4C81-9E17-2C0723092A0D}" type="presParOf" srcId="{AA67F66C-F4E3-4AE3-9C55-A9DF49CFA6B2}" destId="{47E073D5-28F9-48F7-9EE3-CD1ABC58D94E}" srcOrd="3" destOrd="0" presId="urn:microsoft.com/office/officeart/2005/8/layout/target1"/>
-    <dgm:cxn modelId="{FB3B2AFE-BD25-46C2-8C5E-1C20603FF4D3}" type="presParOf" srcId="{AA67F66C-F4E3-4AE3-9C55-A9DF49CFA6B2}" destId="{B736C755-26C8-4FEA-91D7-F8104FF77E82}" srcOrd="4" destOrd="0" presId="urn:microsoft.com/office/officeart/2005/8/layout/target1"/>
-    <dgm:cxn modelId="{A386DEDE-2E7A-4C9B-9576-C13AA320E81B}" type="presParOf" srcId="{AA67F66C-F4E3-4AE3-9C55-A9DF49CFA6B2}" destId="{CEA4BEA9-01EB-4151-A2FD-98FDADE4D4C5}" srcOrd="5" destOrd="0" presId="urn:microsoft.com/office/officeart/2005/8/layout/target1"/>
-    <dgm:cxn modelId="{53EC1AED-3FAE-42A4-BE82-3ECC9A7A79CF}" type="presParOf" srcId="{AA67F66C-F4E3-4AE3-9C55-A9DF49CFA6B2}" destId="{ED3D34C2-9BDC-4865-B076-019F361ABD54}" srcOrd="6" destOrd="0" presId="urn:microsoft.com/office/officeart/2005/8/layout/target1"/>
-    <dgm:cxn modelId="{CB12964F-A01A-4221-AB86-1CAE99A1765B}" type="presParOf" srcId="{AA67F66C-F4E3-4AE3-9C55-A9DF49CFA6B2}" destId="{6EAB163B-9BDD-4B30-AF27-57BCEF47A7CE}" srcOrd="7" destOrd="0" presId="urn:microsoft.com/office/officeart/2005/8/layout/target1"/>
-    <dgm:cxn modelId="{F347D77B-7F1F-4238-B49A-011DDC75B3CA}" type="presParOf" srcId="{AA67F66C-F4E3-4AE3-9C55-A9DF49CFA6B2}" destId="{62624312-B6AB-4491-B341-2BB3F078D684}" srcOrd="8" destOrd="0" presId="urn:microsoft.com/office/officeart/2005/8/layout/target1"/>
-    <dgm:cxn modelId="{12BC6203-E603-464F-87A0-3436395E77CA}" type="presParOf" srcId="{AA67F66C-F4E3-4AE3-9C55-A9DF49CFA6B2}" destId="{F4B3DB09-8D8A-4833-A3A0-C8C2FB6EE995}" srcOrd="9" destOrd="0" presId="urn:microsoft.com/office/officeart/2005/8/layout/target1"/>
-    <dgm:cxn modelId="{8CC0E9D2-8B9C-4FDD-BE56-8191C6630AC1}" type="presParOf" srcId="{AA67F66C-F4E3-4AE3-9C55-A9DF49CFA6B2}" destId="{A0324D28-E700-487E-A5A5-E2FB1D5914A7}" srcOrd="10" destOrd="0" presId="urn:microsoft.com/office/officeart/2005/8/layout/target1"/>
-    <dgm:cxn modelId="{F88FD1D1-8324-4685-ABE8-1B294BBEA0EB}" type="presParOf" srcId="{AA67F66C-F4E3-4AE3-9C55-A9DF49CFA6B2}" destId="{822C1557-A7EF-4D85-AEDD-F484CC850E49}" srcOrd="11" destOrd="0" presId="urn:microsoft.com/office/officeart/2005/8/layout/target1"/>
   </dgm:cxnLst>
   <dgm:bg/>
   <dgm:whole/>
@@ -3693,736 +2570,6 @@
 </dsp:drawing>
 </file>
 
-<file path=ppt/diagrams/drawing2.xml><?xml version="1.0" encoding="utf-8"?>
-<dsp:drawing xmlns:dgm="http://schemas.openxmlformats.org/drawingml/2006/diagram" xmlns:dsp="http://schemas.microsoft.com/office/drawing/2008/diagram" xmlns:a="http://schemas.openxmlformats.org/drawingml/2006/main">
-  <dsp:spTree>
-    <dsp:nvGrpSpPr>
-      <dsp:cNvPr id="0" name=""/>
-      <dsp:cNvGrpSpPr/>
-    </dsp:nvGrpSpPr>
-    <dsp:grpSpPr/>
-    <dsp:sp modelId="{62624312-B6AB-4491-B341-2BB3F078D684}">
-      <dsp:nvSpPr>
-        <dsp:cNvPr id="0" name=""/>
-        <dsp:cNvSpPr/>
-      </dsp:nvSpPr>
-      <dsp:spPr>
-        <a:xfrm>
-          <a:off x="0" y="1038225"/>
-          <a:ext cx="2852737" cy="2852737"/>
-        </a:xfrm>
-        <a:prstGeom prst="ellipse">
-          <a:avLst/>
-        </a:prstGeom>
-        <a:blipFill rotWithShape="1">
-          <a:blip xmlns:r="http://schemas.openxmlformats.org/officeDocument/2006/relationships" r:embed="rId1">
-            <a:duotone>
-              <a:schemeClr val="accent2">
-                <a:hueOff val="1907789"/>
-                <a:satOff val="-43528"/>
-                <a:lumOff val="16079"/>
-                <a:alphaOff val="0"/>
-                <a:shade val="36000"/>
-                <a:satMod val="120000"/>
-              </a:schemeClr>
-              <a:schemeClr val="accent2">
-                <a:hueOff val="1907789"/>
-                <a:satOff val="-43528"/>
-                <a:lumOff val="16079"/>
-                <a:alphaOff val="0"/>
-                <a:tint val="40000"/>
-              </a:schemeClr>
-            </a:duotone>
-          </a:blip>
-          <a:tile tx="0" ty="0" sx="60000" sy="59000" flip="none" algn="tl"/>
-        </a:blipFill>
-        <a:ln w="6350" cap="flat" cmpd="sng" algn="ctr">
-          <a:solidFill>
-            <a:schemeClr val="lt1">
-              <a:hueOff val="0"/>
-              <a:satOff val="0"/>
-              <a:lumOff val="0"/>
-              <a:alphaOff val="0"/>
-            </a:schemeClr>
-          </a:solidFill>
-          <a:prstDash val="solid"/>
-        </a:ln>
-        <a:effectLst>
-          <a:softEdge rad="12700"/>
-        </a:effectLst>
-      </dsp:spPr>
-      <dsp:style>
-        <a:lnRef idx="1">
-          <a:scrgbClr r="0" g="0" b="0"/>
-        </a:lnRef>
-        <a:fillRef idx="3">
-          <a:scrgbClr r="0" g="0" b="0"/>
-        </a:fillRef>
-        <a:effectRef idx="2">
-          <a:scrgbClr r="0" g="0" b="0"/>
-        </a:effectRef>
-        <a:fontRef idx="minor">
-          <a:schemeClr val="lt1"/>
-        </a:fontRef>
-      </dsp:style>
-    </dsp:sp>
-    <dsp:sp modelId="{B736C755-26C8-4FEA-91D7-F8104FF77E82}">
-      <dsp:nvSpPr>
-        <dsp:cNvPr id="0" name=""/>
-        <dsp:cNvSpPr/>
-      </dsp:nvSpPr>
-      <dsp:spPr>
-        <a:xfrm>
-          <a:off x="570547" y="1608772"/>
-          <a:ext cx="1711642" cy="1711642"/>
-        </a:xfrm>
-        <a:prstGeom prst="ellipse">
-          <a:avLst/>
-        </a:prstGeom>
-        <a:blipFill rotWithShape="1">
-          <a:blip xmlns:r="http://schemas.openxmlformats.org/officeDocument/2006/relationships" r:embed="rId1">
-            <a:duotone>
-              <a:schemeClr val="accent2">
-                <a:hueOff val="953895"/>
-                <a:satOff val="-21764"/>
-                <a:lumOff val="8039"/>
-                <a:alphaOff val="0"/>
-                <a:shade val="36000"/>
-                <a:satMod val="120000"/>
-              </a:schemeClr>
-              <a:schemeClr val="accent2">
-                <a:hueOff val="953895"/>
-                <a:satOff val="-21764"/>
-                <a:lumOff val="8039"/>
-                <a:alphaOff val="0"/>
-                <a:tint val="40000"/>
-              </a:schemeClr>
-            </a:duotone>
-          </a:blip>
-          <a:tile tx="0" ty="0" sx="60000" sy="59000" flip="none" algn="tl"/>
-        </a:blipFill>
-        <a:ln w="6350" cap="flat" cmpd="sng" algn="ctr">
-          <a:solidFill>
-            <a:schemeClr val="lt1">
-              <a:hueOff val="0"/>
-              <a:satOff val="0"/>
-              <a:lumOff val="0"/>
-              <a:alphaOff val="0"/>
-            </a:schemeClr>
-          </a:solidFill>
-          <a:prstDash val="solid"/>
-        </a:ln>
-        <a:effectLst>
-          <a:softEdge rad="12700"/>
-        </a:effectLst>
-      </dsp:spPr>
-      <dsp:style>
-        <a:lnRef idx="1">
-          <a:scrgbClr r="0" g="0" b="0"/>
-        </a:lnRef>
-        <a:fillRef idx="3">
-          <a:scrgbClr r="0" g="0" b="0"/>
-        </a:fillRef>
-        <a:effectRef idx="2">
-          <a:scrgbClr r="0" g="0" b="0"/>
-        </a:effectRef>
-        <a:fontRef idx="minor">
-          <a:schemeClr val="lt1"/>
-        </a:fontRef>
-      </dsp:style>
-    </dsp:sp>
-    <dsp:sp modelId="{CBC7FCC3-4508-4A2C-A699-80B56AC4DB56}">
-      <dsp:nvSpPr>
-        <dsp:cNvPr id="0" name=""/>
-        <dsp:cNvSpPr/>
-      </dsp:nvSpPr>
-      <dsp:spPr>
-        <a:xfrm>
-          <a:off x="1141094" y="2179319"/>
-          <a:ext cx="570547" cy="570547"/>
-        </a:xfrm>
-        <a:prstGeom prst="ellipse">
-          <a:avLst/>
-        </a:prstGeom>
-        <a:blipFill rotWithShape="1">
-          <a:blip xmlns:r="http://schemas.openxmlformats.org/officeDocument/2006/relationships" r:embed="rId1">
-            <a:duotone>
-              <a:schemeClr val="accent2">
-                <a:hueOff val="0"/>
-                <a:satOff val="0"/>
-                <a:lumOff val="0"/>
-                <a:alphaOff val="0"/>
-                <a:shade val="36000"/>
-                <a:satMod val="120000"/>
-              </a:schemeClr>
-              <a:schemeClr val="accent2">
-                <a:hueOff val="0"/>
-                <a:satOff val="0"/>
-                <a:lumOff val="0"/>
-                <a:alphaOff val="0"/>
-                <a:tint val="40000"/>
-              </a:schemeClr>
-            </a:duotone>
-          </a:blip>
-          <a:tile tx="0" ty="0" sx="60000" sy="59000" flip="none" algn="tl"/>
-        </a:blipFill>
-        <a:ln w="6350" cap="flat" cmpd="sng" algn="ctr">
-          <a:solidFill>
-            <a:schemeClr val="lt1">
-              <a:hueOff val="0"/>
-              <a:satOff val="0"/>
-              <a:lumOff val="0"/>
-              <a:alphaOff val="0"/>
-            </a:schemeClr>
-          </a:solidFill>
-          <a:prstDash val="solid"/>
-        </a:ln>
-        <a:effectLst>
-          <a:softEdge rad="12700"/>
-        </a:effectLst>
-      </dsp:spPr>
-      <dsp:style>
-        <a:lnRef idx="1">
-          <a:scrgbClr r="0" g="0" b="0"/>
-        </a:lnRef>
-        <a:fillRef idx="3">
-          <a:scrgbClr r="0" g="0" b="0"/>
-        </a:fillRef>
-        <a:effectRef idx="2">
-          <a:scrgbClr r="0" g="0" b="0"/>
-        </a:effectRef>
-        <a:fontRef idx="minor">
-          <a:schemeClr val="lt1"/>
-        </a:fontRef>
-      </dsp:style>
-    </dsp:sp>
-    <dsp:sp modelId="{721C4484-2C4E-47CE-9E3D-C44F02A7E166}">
-      <dsp:nvSpPr>
-        <dsp:cNvPr id="0" name=""/>
-        <dsp:cNvSpPr/>
-      </dsp:nvSpPr>
-      <dsp:spPr>
-        <a:xfrm>
-          <a:off x="3328193" y="87312"/>
-          <a:ext cx="1426368" cy="832048"/>
-        </a:xfrm>
-        <a:prstGeom prst="rect">
-          <a:avLst/>
-        </a:prstGeom>
-        <a:noFill/>
-        <a:ln>
-          <a:noFill/>
-        </a:ln>
-        <a:effectLst/>
-      </dsp:spPr>
-      <dsp:style>
-        <a:lnRef idx="0">
-          <a:scrgbClr r="0" g="0" b="0"/>
-        </a:lnRef>
-        <a:fillRef idx="0">
-          <a:scrgbClr r="0" g="0" b="0"/>
-        </a:fillRef>
-        <a:effectRef idx="0">
-          <a:scrgbClr r="0" g="0" b="0"/>
-        </a:effectRef>
-        <a:fontRef idx="minor"/>
-      </dsp:style>
-      <dsp:txBody>
-        <a:bodyPr spcFirstLastPara="0" vert="horz" wrap="square" lIns="120904" tIns="21590" rIns="21590" bIns="21590" numCol="1" spcCol="1270" anchor="t" anchorCtr="0">
-          <a:noAutofit/>
-        </a:bodyPr>
-        <a:lstStyle/>
-        <a:p>
-          <a:pPr marL="0" lvl="0" indent="0" algn="l" defTabSz="755650">
-            <a:lnSpc>
-              <a:spcPct val="90000"/>
-            </a:lnSpc>
-            <a:spcBef>
-              <a:spcPct val="0"/>
-            </a:spcBef>
-            <a:spcAft>
-              <a:spcPct val="35000"/>
-            </a:spcAft>
-            <a:buNone/>
-          </a:pPr>
-          <a:r>
-            <a:rPr lang="en-US" sz="1700" kern="1200" dirty="0" err="1"/>
-            <a:t>DreamHome</a:t>
-          </a:r>
-          <a:endParaRPr lang="en-US" sz="1700" kern="1200" dirty="0"/>
-        </a:p>
-        <a:p>
-          <a:pPr marL="114300" lvl="1" indent="-114300" algn="l" defTabSz="577850">
-            <a:lnSpc>
-              <a:spcPct val="90000"/>
-            </a:lnSpc>
-            <a:spcBef>
-              <a:spcPct val="0"/>
-            </a:spcBef>
-            <a:spcAft>
-              <a:spcPct val="15000"/>
-            </a:spcAft>
-            <a:buChar char="•"/>
-          </a:pPr>
-          <a:r>
-            <a:rPr lang="en-US" sz="1300" kern="1200" dirty="0"/>
-            <a:t>Cash flow</a:t>
-          </a:r>
-        </a:p>
-      </dsp:txBody>
-      <dsp:txXfrm>
-        <a:off x="3328193" y="87312"/>
-        <a:ext cx="1426368" cy="832048"/>
-      </dsp:txXfrm>
-    </dsp:sp>
-    <dsp:sp modelId="{BD57CE74-1890-43D3-8AF8-CC63CCCAD27B}">
-      <dsp:nvSpPr>
-        <dsp:cNvPr id="0" name=""/>
-        <dsp:cNvSpPr/>
-      </dsp:nvSpPr>
-      <dsp:spPr>
-        <a:xfrm>
-          <a:off x="2971601" y="503336"/>
-          <a:ext cx="356592" cy="0"/>
-        </a:xfrm>
-        <a:prstGeom prst="line">
-          <a:avLst/>
-        </a:prstGeom>
-        <a:solidFill>
-          <a:schemeClr val="accent2">
-            <a:hueOff val="0"/>
-            <a:satOff val="0"/>
-            <a:lumOff val="0"/>
-            <a:alphaOff val="0"/>
-          </a:schemeClr>
-        </a:solidFill>
-        <a:ln w="12700" cap="flat" cmpd="sng" algn="ctr">
-          <a:solidFill>
-            <a:schemeClr val="accent2">
-              <a:tint val="50000"/>
-              <a:hueOff val="0"/>
-              <a:satOff val="0"/>
-              <a:lumOff val="0"/>
-              <a:alphaOff val="0"/>
-            </a:schemeClr>
-          </a:solidFill>
-          <a:prstDash val="solid"/>
-        </a:ln>
-        <a:effectLst/>
-      </dsp:spPr>
-      <dsp:style>
-        <a:lnRef idx="2">
-          <a:scrgbClr r="0" g="0" b="0"/>
-        </a:lnRef>
-        <a:fillRef idx="1">
-          <a:scrgbClr r="0" g="0" b="0"/>
-        </a:fillRef>
-        <a:effectRef idx="1">
-          <a:scrgbClr r="0" g="0" b="0"/>
-        </a:effectRef>
-        <a:fontRef idx="minor"/>
-      </dsp:style>
-    </dsp:sp>
-    <dsp:sp modelId="{47E073D5-28F9-48F7-9EE3-CD1ABC58D94E}">
-      <dsp:nvSpPr>
-        <dsp:cNvPr id="0" name=""/>
-        <dsp:cNvSpPr/>
-      </dsp:nvSpPr>
-      <dsp:spPr>
-        <a:xfrm rot="5400000">
-          <a:off x="1217881" y="712299"/>
-          <a:ext cx="1960781" cy="1543806"/>
-        </a:xfrm>
-        <a:prstGeom prst="line">
-          <a:avLst/>
-        </a:prstGeom>
-        <a:solidFill>
-          <a:schemeClr val="accent2">
-            <a:hueOff val="0"/>
-            <a:satOff val="0"/>
-            <a:lumOff val="0"/>
-            <a:alphaOff val="0"/>
-          </a:schemeClr>
-        </a:solidFill>
-        <a:ln w="12700" cap="flat" cmpd="sng" algn="ctr">
-          <a:solidFill>
-            <a:schemeClr val="accent2">
-              <a:tint val="50000"/>
-              <a:hueOff val="0"/>
-              <a:satOff val="0"/>
-              <a:lumOff val="0"/>
-              <a:alphaOff val="0"/>
-            </a:schemeClr>
-          </a:solidFill>
-          <a:prstDash val="solid"/>
-        </a:ln>
-        <a:effectLst/>
-      </dsp:spPr>
-      <dsp:style>
-        <a:lnRef idx="2">
-          <a:scrgbClr r="0" g="0" b="0"/>
-        </a:lnRef>
-        <a:fillRef idx="1">
-          <a:scrgbClr r="0" g="0" b="0"/>
-        </a:fillRef>
-        <a:effectRef idx="1">
-          <a:scrgbClr r="0" g="0" b="0"/>
-        </a:effectRef>
-        <a:fontRef idx="minor"/>
-      </dsp:style>
-    </dsp:sp>
-    <dsp:sp modelId="{CEA4BEA9-01EB-4151-A2FD-98FDADE4D4C5}">
-      <dsp:nvSpPr>
-        <dsp:cNvPr id="0" name=""/>
-        <dsp:cNvSpPr/>
-      </dsp:nvSpPr>
-      <dsp:spPr>
-        <a:xfrm>
-          <a:off x="3328193" y="919361"/>
-          <a:ext cx="1426368" cy="832048"/>
-        </a:xfrm>
-        <a:prstGeom prst="rect">
-          <a:avLst/>
-        </a:prstGeom>
-        <a:noFill/>
-        <a:ln>
-          <a:noFill/>
-        </a:ln>
-        <a:effectLst/>
-      </dsp:spPr>
-      <dsp:style>
-        <a:lnRef idx="0">
-          <a:scrgbClr r="0" g="0" b="0"/>
-        </a:lnRef>
-        <a:fillRef idx="0">
-          <a:scrgbClr r="0" g="0" b="0"/>
-        </a:fillRef>
-        <a:effectRef idx="0">
-          <a:scrgbClr r="0" g="0" b="0"/>
-        </a:effectRef>
-        <a:fontRef idx="minor"/>
-      </dsp:style>
-      <dsp:txBody>
-        <a:bodyPr spcFirstLastPara="0" vert="horz" wrap="square" lIns="120904" tIns="21590" rIns="21590" bIns="21590" numCol="1" spcCol="1270" anchor="t" anchorCtr="0">
-          <a:noAutofit/>
-        </a:bodyPr>
-        <a:lstStyle/>
-        <a:p>
-          <a:pPr marL="0" lvl="0" indent="0" algn="l" defTabSz="755650">
-            <a:lnSpc>
-              <a:spcPct val="90000"/>
-            </a:lnSpc>
-            <a:spcBef>
-              <a:spcPct val="0"/>
-            </a:spcBef>
-            <a:spcAft>
-              <a:spcPct val="35000"/>
-            </a:spcAft>
-            <a:buNone/>
-          </a:pPr>
-          <a:r>
-            <a:rPr lang="en-US" sz="1700" kern="1200" dirty="0"/>
-            <a:t>Tenants</a:t>
-          </a:r>
-        </a:p>
-        <a:p>
-          <a:pPr marL="114300" lvl="1" indent="-114300" algn="l" defTabSz="577850">
-            <a:lnSpc>
-              <a:spcPct val="90000"/>
-            </a:lnSpc>
-            <a:spcBef>
-              <a:spcPct val="0"/>
-            </a:spcBef>
-            <a:spcAft>
-              <a:spcPct val="15000"/>
-            </a:spcAft>
-            <a:buChar char="•"/>
-          </a:pPr>
-          <a:r>
-            <a:rPr lang="en-US" sz="1300" kern="1200" dirty="0"/>
-            <a:t>customers</a:t>
-          </a:r>
-        </a:p>
-      </dsp:txBody>
-      <dsp:txXfrm>
-        <a:off x="3328193" y="919361"/>
-        <a:ext cx="1426368" cy="832048"/>
-      </dsp:txXfrm>
-    </dsp:sp>
-    <dsp:sp modelId="{ED3D34C2-9BDC-4865-B076-019F361ABD54}">
-      <dsp:nvSpPr>
-        <dsp:cNvPr id="0" name=""/>
-        <dsp:cNvSpPr/>
-      </dsp:nvSpPr>
-      <dsp:spPr>
-        <a:xfrm>
-          <a:off x="2971601" y="1335385"/>
-          <a:ext cx="356592" cy="0"/>
-        </a:xfrm>
-        <a:prstGeom prst="line">
-          <a:avLst/>
-        </a:prstGeom>
-        <a:solidFill>
-          <a:schemeClr val="accent2">
-            <a:hueOff val="0"/>
-            <a:satOff val="0"/>
-            <a:lumOff val="0"/>
-            <a:alphaOff val="0"/>
-          </a:schemeClr>
-        </a:solidFill>
-        <a:ln w="12700" cap="flat" cmpd="sng" algn="ctr">
-          <a:solidFill>
-            <a:schemeClr val="accent2">
-              <a:tint val="50000"/>
-              <a:hueOff val="0"/>
-              <a:satOff val="0"/>
-              <a:lumOff val="0"/>
-              <a:alphaOff val="0"/>
-            </a:schemeClr>
-          </a:solidFill>
-          <a:prstDash val="solid"/>
-        </a:ln>
-        <a:effectLst/>
-      </dsp:spPr>
-      <dsp:style>
-        <a:lnRef idx="2">
-          <a:scrgbClr r="0" g="0" b="0"/>
-        </a:lnRef>
-        <a:fillRef idx="1">
-          <a:scrgbClr r="0" g="0" b="0"/>
-        </a:fillRef>
-        <a:effectRef idx="1">
-          <a:scrgbClr r="0" g="0" b="0"/>
-        </a:effectRef>
-        <a:fontRef idx="minor"/>
-      </dsp:style>
-    </dsp:sp>
-    <dsp:sp modelId="{6EAB163B-9BDD-4B30-AF27-57BCEF47A7CE}">
-      <dsp:nvSpPr>
-        <dsp:cNvPr id="0" name=""/>
-        <dsp:cNvSpPr/>
-      </dsp:nvSpPr>
-      <dsp:spPr>
-        <a:xfrm rot="5400000">
-          <a:off x="1638754" y="1531368"/>
-          <a:ext cx="1527926" cy="1134913"/>
-        </a:xfrm>
-        <a:prstGeom prst="line">
-          <a:avLst/>
-        </a:prstGeom>
-        <a:solidFill>
-          <a:schemeClr val="accent2">
-            <a:hueOff val="0"/>
-            <a:satOff val="0"/>
-            <a:lumOff val="0"/>
-            <a:alphaOff val="0"/>
-          </a:schemeClr>
-        </a:solidFill>
-        <a:ln w="12700" cap="flat" cmpd="sng" algn="ctr">
-          <a:solidFill>
-            <a:schemeClr val="accent2">
-              <a:tint val="50000"/>
-              <a:hueOff val="0"/>
-              <a:satOff val="0"/>
-              <a:lumOff val="0"/>
-              <a:alphaOff val="0"/>
-            </a:schemeClr>
-          </a:solidFill>
-          <a:prstDash val="solid"/>
-        </a:ln>
-        <a:effectLst/>
-      </dsp:spPr>
-      <dsp:style>
-        <a:lnRef idx="2">
-          <a:scrgbClr r="0" g="0" b="0"/>
-        </a:lnRef>
-        <a:fillRef idx="1">
-          <a:scrgbClr r="0" g="0" b="0"/>
-        </a:fillRef>
-        <a:effectRef idx="1">
-          <a:scrgbClr r="0" g="0" b="0"/>
-        </a:effectRef>
-        <a:fontRef idx="minor"/>
-      </dsp:style>
-    </dsp:sp>
-    <dsp:sp modelId="{F4B3DB09-8D8A-4833-A3A0-C8C2FB6EE995}">
-      <dsp:nvSpPr>
-        <dsp:cNvPr id="0" name=""/>
-        <dsp:cNvSpPr/>
-      </dsp:nvSpPr>
-      <dsp:spPr>
-        <a:xfrm>
-          <a:off x="3328193" y="1751409"/>
-          <a:ext cx="1426368" cy="832048"/>
-        </a:xfrm>
-        <a:prstGeom prst="rect">
-          <a:avLst/>
-        </a:prstGeom>
-        <a:noFill/>
-        <a:ln>
-          <a:noFill/>
-        </a:ln>
-        <a:effectLst/>
-      </dsp:spPr>
-      <dsp:style>
-        <a:lnRef idx="0">
-          <a:scrgbClr r="0" g="0" b="0"/>
-        </a:lnRef>
-        <a:fillRef idx="0">
-          <a:scrgbClr r="0" g="0" b="0"/>
-        </a:fillRef>
-        <a:effectRef idx="0">
-          <a:scrgbClr r="0" g="0" b="0"/>
-        </a:effectRef>
-        <a:fontRef idx="minor"/>
-      </dsp:style>
-      <dsp:txBody>
-        <a:bodyPr spcFirstLastPara="0" vert="horz" wrap="square" lIns="120904" tIns="21590" rIns="21590" bIns="21590" numCol="1" spcCol="1270" anchor="t" anchorCtr="0">
-          <a:noAutofit/>
-        </a:bodyPr>
-        <a:lstStyle/>
-        <a:p>
-          <a:pPr marL="0" lvl="0" indent="0" algn="l" defTabSz="755650">
-            <a:lnSpc>
-              <a:spcPct val="90000"/>
-            </a:lnSpc>
-            <a:spcBef>
-              <a:spcPct val="0"/>
-            </a:spcBef>
-            <a:spcAft>
-              <a:spcPct val="35000"/>
-            </a:spcAft>
-            <a:buNone/>
-          </a:pPr>
-          <a:r>
-            <a:rPr lang="en-US" sz="1700" kern="1200" dirty="0"/>
-            <a:t>Suppliers</a:t>
-          </a:r>
-        </a:p>
-        <a:p>
-          <a:pPr marL="114300" lvl="1" indent="-114300" algn="l" defTabSz="577850">
-            <a:lnSpc>
-              <a:spcPct val="90000"/>
-            </a:lnSpc>
-            <a:spcBef>
-              <a:spcPct val="0"/>
-            </a:spcBef>
-            <a:spcAft>
-              <a:spcPct val="15000"/>
-            </a:spcAft>
-            <a:buChar char="•"/>
-          </a:pPr>
-          <a:r>
-            <a:rPr lang="en-US" sz="1300" kern="1200" dirty="0"/>
-            <a:t>Utility costs</a:t>
-          </a:r>
-        </a:p>
-      </dsp:txBody>
-      <dsp:txXfrm>
-        <a:off x="3328193" y="1751409"/>
-        <a:ext cx="1426368" cy="832048"/>
-      </dsp:txXfrm>
-    </dsp:sp>
-    <dsp:sp modelId="{A0324D28-E700-487E-A5A5-E2FB1D5914A7}">
-      <dsp:nvSpPr>
-        <dsp:cNvPr id="0" name=""/>
-        <dsp:cNvSpPr/>
-      </dsp:nvSpPr>
-      <dsp:spPr>
-        <a:xfrm>
-          <a:off x="2971601" y="2167433"/>
-          <a:ext cx="356592" cy="0"/>
-        </a:xfrm>
-        <a:prstGeom prst="line">
-          <a:avLst/>
-        </a:prstGeom>
-        <a:solidFill>
-          <a:schemeClr val="accent2">
-            <a:hueOff val="0"/>
-            <a:satOff val="0"/>
-            <a:lumOff val="0"/>
-            <a:alphaOff val="0"/>
-          </a:schemeClr>
-        </a:solidFill>
-        <a:ln w="12700" cap="flat" cmpd="sng" algn="ctr">
-          <a:solidFill>
-            <a:schemeClr val="accent2">
-              <a:tint val="50000"/>
-              <a:hueOff val="0"/>
-              <a:satOff val="0"/>
-              <a:lumOff val="0"/>
-              <a:alphaOff val="0"/>
-            </a:schemeClr>
-          </a:solidFill>
-          <a:prstDash val="solid"/>
-        </a:ln>
-        <a:effectLst/>
-      </dsp:spPr>
-      <dsp:style>
-        <a:lnRef idx="2">
-          <a:scrgbClr r="0" g="0" b="0"/>
-        </a:lnRef>
-        <a:fillRef idx="1">
-          <a:scrgbClr r="0" g="0" b="0"/>
-        </a:fillRef>
-        <a:effectRef idx="1">
-          <a:scrgbClr r="0" g="0" b="0"/>
-        </a:effectRef>
-        <a:fontRef idx="minor"/>
-      </dsp:style>
-    </dsp:sp>
-    <dsp:sp modelId="{822C1557-A7EF-4D85-AEDD-F484CC850E49}">
-      <dsp:nvSpPr>
-        <dsp:cNvPr id="0" name=""/>
-        <dsp:cNvSpPr/>
-      </dsp:nvSpPr>
-      <dsp:spPr>
-        <a:xfrm rot="5400000">
-          <a:off x="2060151" y="2349771"/>
-          <a:ext cx="1091647" cy="726021"/>
-        </a:xfrm>
-        <a:prstGeom prst="line">
-          <a:avLst/>
-        </a:prstGeom>
-        <a:solidFill>
-          <a:schemeClr val="accent2">
-            <a:hueOff val="0"/>
-            <a:satOff val="0"/>
-            <a:lumOff val="0"/>
-            <a:alphaOff val="0"/>
-          </a:schemeClr>
-        </a:solidFill>
-        <a:ln w="12700" cap="flat" cmpd="sng" algn="ctr">
-          <a:solidFill>
-            <a:schemeClr val="accent2">
-              <a:tint val="50000"/>
-              <a:hueOff val="0"/>
-              <a:satOff val="0"/>
-              <a:lumOff val="0"/>
-              <a:alphaOff val="0"/>
-            </a:schemeClr>
-          </a:solidFill>
-          <a:prstDash val="solid"/>
-        </a:ln>
-        <a:effectLst/>
-      </dsp:spPr>
-      <dsp:style>
-        <a:lnRef idx="2">
-          <a:scrgbClr r="0" g="0" b="0"/>
-        </a:lnRef>
-        <a:fillRef idx="1">
-          <a:scrgbClr r="0" g="0" b="0"/>
-        </a:fillRef>
-        <a:effectRef idx="1">
-          <a:scrgbClr r="0" g="0" b="0"/>
-        </a:effectRef>
-        <a:fontRef idx="minor"/>
-      </dsp:style>
-    </dsp:sp>
-  </dsp:spTree>
-</dsp:drawing>
-</file>
-
 <file path=ppt/diagrams/layout1.xml><?xml version="1.0" encoding="utf-8"?>
 <dgm:layoutDef xmlns:dgm="http://schemas.openxmlformats.org/drawingml/2006/diagram" xmlns:a="http://schemas.openxmlformats.org/drawingml/2006/main" uniqueId="urn:microsoft.com/office/officeart/2005/8/layout/hierarchy4">
   <dgm:title val=""/>
@@ -4945,1121 +3092,6 @@
 </dgm:layoutDef>
 </file>
 
-<file path=ppt/diagrams/layout2.xml><?xml version="1.0" encoding="utf-8"?>
-<dgm:layoutDef xmlns:dgm="http://schemas.openxmlformats.org/drawingml/2006/diagram" xmlns:a="http://schemas.openxmlformats.org/drawingml/2006/main" uniqueId="urn:microsoft.com/office/officeart/2005/8/layout/target1">
-  <dgm:title val=""/>
-  <dgm:desc val=""/>
-  <dgm:catLst>
-    <dgm:cat type="relationship" pri="25000"/>
-    <dgm:cat type="convert" pri="20000"/>
-  </dgm:catLst>
-  <dgm:sampData useDef="1">
-    <dgm:dataModel>
-      <dgm:ptLst/>
-      <dgm:bg/>
-      <dgm:whole/>
-    </dgm:dataModel>
-  </dgm:sampData>
-  <dgm:styleData>
-    <dgm:dataModel>
-      <dgm:ptLst>
-        <dgm:pt modelId="0" type="doc"/>
-        <dgm:pt modelId="1"/>
-        <dgm:pt modelId="2"/>
-      </dgm:ptLst>
-      <dgm:cxnLst>
-        <dgm:cxn modelId="3" srcId="0" destId="1" srcOrd="0" destOrd="0"/>
-        <dgm:cxn modelId="4" srcId="0" destId="2" srcOrd="1" destOrd="0"/>
-      </dgm:cxnLst>
-      <dgm:bg/>
-      <dgm:whole/>
-    </dgm:dataModel>
-  </dgm:styleData>
-  <dgm:clrData>
-    <dgm:dataModel>
-      <dgm:ptLst>
-        <dgm:pt modelId="0" type="doc"/>
-        <dgm:pt modelId="1"/>
-        <dgm:pt modelId="2"/>
-        <dgm:pt modelId="3"/>
-        <dgm:pt modelId="4"/>
-      </dgm:ptLst>
-      <dgm:cxnLst>
-        <dgm:cxn modelId="5" srcId="0" destId="1" srcOrd="0" destOrd="0"/>
-        <dgm:cxn modelId="6" srcId="0" destId="2" srcOrd="1" destOrd="0"/>
-        <dgm:cxn modelId="7" srcId="0" destId="3" srcOrd="2" destOrd="0"/>
-        <dgm:cxn modelId="8" srcId="0" destId="4" srcOrd="3" destOrd="0"/>
-      </dgm:cxnLst>
-      <dgm:bg/>
-      <dgm:whole/>
-    </dgm:dataModel>
-  </dgm:clrData>
-  <dgm:layoutNode name="composite">
-    <dgm:varLst>
-      <dgm:chMax val="5"/>
-      <dgm:dir/>
-      <dgm:resizeHandles val="exact"/>
-    </dgm:varLst>
-    <dgm:alg type="composite">
-      <dgm:param type="ar" val="1.25"/>
-    </dgm:alg>
-    <dgm:shape xmlns:r="http://schemas.openxmlformats.org/officeDocument/2006/relationships" r:blip="">
-      <dgm:adjLst/>
-    </dgm:shape>
-    <dgm:presOf/>
-    <dgm:choose name="Name0">
-      <dgm:if name="Name1" func="var" arg="dir" op="equ" val="norm">
-        <dgm:choose name="Name2">
-          <dgm:if name="Name3" axis="ch" ptType="node" func="cnt" op="equ" val="0">
-            <dgm:constrLst/>
-          </dgm:if>
-          <dgm:if name="Name4" axis="ch" ptType="node" func="cnt" op="equ" val="1">
-            <dgm:constrLst>
-              <dgm:constr type="primFontSz" for="des" ptType="node" op="equ" val="65"/>
-              <dgm:constr type="w" for="ch" forName="circle1" refType="w" fact="0.6"/>
-              <dgm:constr type="h" for="ch" forName="circle1" refType="w" refFor="ch" refForName="circle1"/>
-              <dgm:constr type="ctrX" for="ch" forName="circle1" refType="w" fact="0.3"/>
-              <dgm:constr type="ctrY" for="ch" forName="circle1" refType="h" fact="0.625"/>
-              <dgm:constr type="w" for="ch" forName="text1" refType="w" fact="0.3"/>
-              <dgm:constr type="h" for="ch" forName="text1" refType="h" fact="0.3125"/>
-              <dgm:constr type="r" for="ch" forName="text1" refType="w"/>
-              <dgm:constr type="t" for="ch" forName="text1"/>
-              <dgm:constr type="l" for="ch" forName="line1" refType="w" fact="0.625"/>
-              <dgm:constr type="ctrY" for="ch" forName="line1" refType="ctrY" refFor="ch" refForName="text1"/>
-              <dgm:constr type="r" for="ch" forName="line1" refType="l" refFor="ch" refForName="text1"/>
-              <dgm:constr type="h" for="ch" forName="line1"/>
-              <dgm:constr type="l" for="ch" forName="d1" refType="w" fact="0.3"/>
-              <dgm:constr type="b" for="ch" forName="d1" refType="h" fact="0.625"/>
-              <dgm:constr type="w" for="ch" forName="d1" refType="w" fact="0.32475"/>
-              <dgm:constr type="h" for="ch" forName="d1" refType="h" fact="0.469"/>
-            </dgm:constrLst>
-          </dgm:if>
-          <dgm:if name="Name5" axis="ch" ptType="node" func="cnt" op="equ" val="2">
-            <dgm:constrLst>
-              <dgm:constr type="primFontSz" for="des" ptType="node" op="equ" val="65"/>
-              <dgm:constr type="w" for="ch" forName="circle1" refType="w" fact="0.2"/>
-              <dgm:constr type="h" for="ch" forName="circle1" refType="w" refFor="ch" refForName="circle1"/>
-              <dgm:constr type="ctrX" for="ch" forName="circle1" refType="w" fact="0.3"/>
-              <dgm:constr type="ctrY" for="ch" forName="circle1" refType="h" fact="0.625"/>
-              <dgm:constr type="w" for="ch" forName="text1" refType="w" fact="0.3"/>
-              <dgm:constr type="h" for="ch" forName="text1" refType="h" fact="0.3125"/>
-              <dgm:constr type="r" for="ch" forName="text1" refType="w"/>
-              <dgm:constr type="t" for="ch" forName="text1"/>
-              <dgm:constr type="l" for="ch" forName="line1" refType="w" fact="0.625"/>
-              <dgm:constr type="ctrY" for="ch" forName="line1" refType="ctrY" refFor="ch" refForName="text1"/>
-              <dgm:constr type="w" for="ch" forName="line1" refType="w" fact="0.075"/>
-              <dgm:constr type="h" for="ch" forName="line1"/>
-              <dgm:constr type="l" for="ch" forName="d1" refType="w" fact="0.3"/>
-              <dgm:constr type="b" for="ch" forName="d1" refType="h" fact="0.625"/>
-              <dgm:constr type="w" for="ch" forName="d1" refType="w" fact="0.32475"/>
-              <dgm:constr type="h" for="ch" forName="d1" refType="h" fact="0.469"/>
-              <dgm:constr type="w" for="ch" forName="circle2" refType="w" fact="0.6"/>
-              <dgm:constr type="h" for="ch" forName="circle2" refType="w" refFor="ch" refForName="circle2"/>
-              <dgm:constr type="ctrX" for="ch" forName="circle2" refType="w" fact="0.3"/>
-              <dgm:constr type="ctrY" for="ch" forName="circle2" refType="h" fact="0.625"/>
-              <dgm:constr type="w" for="ch" forName="text2" refType="w" fact="0.3"/>
-              <dgm:constr type="h" for="ch" forName="text2" refType="h" fact="0.3125"/>
-              <dgm:constr type="r" for="ch" forName="text2" refType="w"/>
-              <dgm:constr type="t" for="ch" forName="text2" refType="b" refFor="ch" refForName="text1"/>
-              <dgm:constr type="l" for="ch" forName="line2" refType="w" fact="0.625"/>
-              <dgm:constr type="ctrY" for="ch" forName="line2" refType="ctrY" refFor="ch" refForName="text2"/>
-              <dgm:constr type="w" for="ch" forName="line2" refType="w" fact="0.075"/>
-              <dgm:constr type="h" for="ch" forName="line2"/>
-              <dgm:constr type="l" for="ch" forName="d2" refType="w" fact="0.44325"/>
-              <dgm:constr type="b" for="ch" forName="d2" refType="h" fact="0.7975"/>
-              <dgm:constr type="w" for="ch" forName="d2" refType="w" fact="0.1815"/>
-              <dgm:constr type="h" for="ch" forName="d2" refType="h" fact="0.3283"/>
-            </dgm:constrLst>
-          </dgm:if>
-          <dgm:if name="Name6" axis="ch" ptType="node" func="cnt" op="equ" val="3">
-            <dgm:constrLst>
-              <dgm:constr type="primFontSz" for="des" ptType="node" op="equ" val="65"/>
-              <dgm:constr type="w" for="ch" forName="circle1" refType="w" fact="0.12"/>
-              <dgm:constr type="h" for="ch" forName="circle1" refType="w" refFor="ch" refForName="circle1"/>
-              <dgm:constr type="ctrX" for="ch" forName="circle1" refType="w" fact="0.3"/>
-              <dgm:constr type="ctrY" for="ch" forName="circle1" refType="h" fact="0.625"/>
-              <dgm:constr type="w" for="ch" forName="text1" refType="w" fact="0.3"/>
-              <dgm:constr type="h" for="ch" forName="text1" refType="h" fact="0.21875"/>
-              <dgm:constr type="r" for="ch" forName="text1" refType="w"/>
-              <dgm:constr type="t" for="ch" forName="text1"/>
-              <dgm:constr type="l" for="ch" forName="line1" refType="w" fact="0.625"/>
-              <dgm:constr type="ctrY" for="ch" forName="line1" refType="ctrY" refFor="ch" refForName="text1"/>
-              <dgm:constr type="w" for="ch" forName="line1" refType="w" fact="0.075"/>
-              <dgm:constr type="h" for="ch" forName="line1"/>
-              <dgm:constr type="l" for="ch" forName="d1" refType="w" fact="0.3"/>
-              <dgm:constr type="b" for="ch" forName="d1" refType="h" fact="0.625"/>
-              <dgm:constr type="w" for="ch" forName="d1" refType="w" fact="0.3247"/>
-              <dgm:constr type="h" for="ch" forName="d1" refType="h" fact="0.5155"/>
-              <dgm:constr type="w" for="ch" forName="circle2" refType="w" fact="0.36"/>
-              <dgm:constr type="h" for="ch" forName="circle2" refType="w" refFor="ch" refForName="circle2"/>
-              <dgm:constr type="ctrX" for="ch" forName="circle2" refType="w" fact="0.3"/>
-              <dgm:constr type="ctrY" for="ch" forName="circle2" refType="h" fact="0.625"/>
-              <dgm:constr type="w" for="ch" forName="text2" refType="w" fact="0.3"/>
-              <dgm:constr type="h" for="ch" forName="text2" refType="h" fact="0.21875"/>
-              <dgm:constr type="r" for="ch" forName="text2" refType="w"/>
-              <dgm:constr type="t" for="ch" forName="text2" refType="b" refFor="ch" refForName="text1"/>
-              <dgm:constr type="l" for="ch" forName="line2" refType="w" fact="0.625"/>
-              <dgm:constr type="ctrY" for="ch" forName="line2" refType="ctrY" refFor="ch" refForName="text2"/>
-              <dgm:constr type="w" for="ch" forName="line2" refType="w" fact="0.075"/>
-              <dgm:constr type="h" for="ch" forName="line2"/>
-              <dgm:constr type="l" for="ch" forName="d2" refType="w" fact="0.386"/>
-              <dgm:constr type="b" for="ch" forName="d2" refType="h" fact="0.72969"/>
-              <dgm:constr type="w" for="ch" forName="d2" refType="w" fact="0.2387"/>
-              <dgm:constr type="h" for="ch" forName="d2" refType="h" fact="0.4017"/>
-              <dgm:constr type="w" for="ch" forName="circle3" refType="w" fact="0.6"/>
-              <dgm:constr type="h" for="ch" forName="circle3" refType="w" refFor="ch" refForName="circle3"/>
-              <dgm:constr type="ctrX" for="ch" forName="circle3" refType="ctrX" refFor="ch" refForName="circle1"/>
-              <dgm:constr type="ctrY" for="ch" forName="circle3" refType="ctrY" refFor="ch" refForName="circle1"/>
-              <dgm:constr type="w" for="ch" forName="text3" refType="w" fact="0.3"/>
-              <dgm:constr type="h" for="ch" forName="text3" refType="h" fact="0.21875"/>
-              <dgm:constr type="r" for="ch" forName="text3" refType="w"/>
-              <dgm:constr type="t" for="ch" forName="text3" refType="b" refFor="ch" refForName="text2"/>
-              <dgm:constr type="l" for="ch" forName="line3" refType="w" fact="0.625"/>
-              <dgm:constr type="ctrY" for="ch" forName="line3" refType="ctrY" refFor="ch" refForName="text3"/>
-              <dgm:constr type="w" for="ch" forName="line3" refType="w" fact="0.075"/>
-              <dgm:constr type="h" for="ch" forName="line3"/>
-              <dgm:constr type="l" for="ch" forName="d3" refType="w" fact="0.47175"/>
-              <dgm:constr type="b" for="ch" forName="d3" refType="h" fact="0.83375"/>
-              <dgm:constr type="w" for="ch" forName="d3" refType="w" fact="0.1527"/>
-              <dgm:constr type="h" for="ch" forName="d3" refType="h" fact="0.287"/>
-            </dgm:constrLst>
-          </dgm:if>
-          <dgm:if name="Name7" axis="ch" ptType="node" func="cnt" op="equ" val="4">
-            <dgm:constrLst>
-              <dgm:constr type="primFontSz" for="des" ptType="node" op="equ" val="65"/>
-              <dgm:constr type="w" for="ch" forName="circle1" refType="w" fact="0.0857"/>
-              <dgm:constr type="h" for="ch" forName="circle1" refType="w" refFor="ch" refForName="circle1"/>
-              <dgm:constr type="ctrX" for="ch" forName="circle1" refType="w" fact="0.3"/>
-              <dgm:constr type="ctrY" for="ch" forName="circle1" refType="h" fact="0.625"/>
-              <dgm:constr type="w" for="ch" forName="text1" refType="w" fact="0.3"/>
-              <dgm:constr type="h" for="ch" forName="text1" refType="h" fact="0.17938"/>
-              <dgm:constr type="r" for="ch" forName="text1" refType="w"/>
-              <dgm:constr type="t" for="ch" forName="text1"/>
-              <dgm:constr type="l" for="ch" forName="line1" refType="w" fact="0.625"/>
-              <dgm:constr type="ctrY" for="ch" forName="line1" refType="ctrY" refFor="ch" refForName="text1"/>
-              <dgm:constr type="w" for="ch" forName="line1" refType="w" fact="0.075"/>
-              <dgm:constr type="h" for="ch" forName="line1"/>
-              <dgm:constr type="l" for="ch" forName="d1" refType="w" fact="0.295"/>
-              <dgm:constr type="b" for="ch" forName="d1" refType="h" fact="0.62"/>
-              <dgm:constr type="w" for="ch" forName="d1" refType="w" fact="0.33"/>
-              <dgm:constr type="h" for="ch" forName="d1" refType="h" fact="0.53"/>
-              <dgm:constr type="w" for="ch" forName="circle2" refType="w" fact="0.2571"/>
-              <dgm:constr type="h" for="ch" forName="circle2" refType="w" refFor="ch" refForName="circle2"/>
-              <dgm:constr type="ctrX" for="ch" forName="circle2" refType="w" fact="0.3"/>
-              <dgm:constr type="ctrY" for="ch" forName="circle2" refType="h" fact="0.625"/>
-              <dgm:constr type="w" for="ch" forName="text2" refType="w" fact="0.3"/>
-              <dgm:constr type="h" for="ch" forName="text2" refType="h" fact="0.17938"/>
-              <dgm:constr type="r" for="ch" forName="text2" refType="w"/>
-              <dgm:constr type="t" for="ch" forName="text2" refType="b" refFor="ch" refForName="text1"/>
-              <dgm:constr type="l" for="ch" forName="line2" refType="w" fact="0.625"/>
-              <dgm:constr type="ctrY" for="ch" forName="line2" refType="ctrY" refFor="ch" refForName="text2"/>
-              <dgm:constr type="w" for="ch" forName="line2" refType="w" fact="0.075"/>
-              <dgm:constr type="h" for="ch" forName="line2"/>
-              <dgm:constr type="l" for="ch" forName="d2" refType="w" fact="0.36625"/>
-              <dgm:constr type="b" for="ch" forName="d2" refType="h" fact="0.70438"/>
-              <dgm:constr type="w" for="ch" forName="d2" refType="w" fact="0.2585"/>
-              <dgm:constr type="h" for="ch" forName="d2" refType="h" fact="0.43525"/>
-              <dgm:constr type="w" for="ch" forName="circle3" refType="w" fact="0.4285"/>
-              <dgm:constr type="h" for="ch" forName="circle3" refType="w" refFor="ch" refForName="circle3"/>
-              <dgm:constr type="ctrX" for="ch" forName="circle3" refType="ctrX" refFor="ch" refForName="circle1"/>
-              <dgm:constr type="ctrY" for="ch" forName="circle3" refType="ctrY" refFor="ch" refForName="circle1"/>
-              <dgm:constr type="w" for="ch" forName="text3" refType="w" fact="0.3"/>
-              <dgm:constr type="h" for="ch" forName="text3" refType="h" fact="0.17938"/>
-              <dgm:constr type="r" for="ch" forName="text3" refType="w"/>
-              <dgm:constr type="t" for="ch" forName="text3" refType="b" refFor="ch" refForName="text2"/>
-              <dgm:constr type="l" for="ch" forName="line3" refType="w" fact="0.625"/>
-              <dgm:constr type="ctrY" for="ch" forName="line3" refType="ctrY" refFor="ch" refForName="text3"/>
-              <dgm:constr type="w" for="ch" forName="line3" refType="w" fact="0.075"/>
-              <dgm:constr type="h" for="ch" forName="line3"/>
-              <dgm:constr type="l" for="ch" forName="d3" refType="w" fact="0.4255"/>
-              <dgm:constr type="b" for="ch" forName="d3" refType="h" fact="0.78031"/>
-              <dgm:constr type="w" for="ch" forName="d3" refType="w" fact="0.1995"/>
-              <dgm:constr type="h" for="ch" forName="d3" refType="h" fact="0.332"/>
-              <dgm:constr type="w" for="ch" forName="circle4" refType="w" fact="0.6"/>
-              <dgm:constr type="h" for="ch" forName="circle4" refType="w" refFor="ch" refForName="circle4"/>
-              <dgm:constr type="ctrX" for="ch" forName="circle4" refType="ctrX" refFor="ch" refForName="circle1"/>
-              <dgm:constr type="ctrY" for="ch" forName="circle4" refType="ctrY" refFor="ch" refForName="circle1"/>
-              <dgm:constr type="w" for="ch" forName="text4" refType="w" fact="0.3"/>
-              <dgm:constr type="h" for="ch" forName="text4" refType="h" fact="0.17938"/>
-              <dgm:constr type="r" for="ch" forName="text4" refType="w"/>
-              <dgm:constr type="t" for="ch" forName="text4" refType="b" refFor="ch" refForName="text3"/>
-              <dgm:constr type="l" for="ch" forName="line4" refType="w" fact="0.625"/>
-              <dgm:constr type="ctrY" for="ch" forName="line4" refType="ctrY" refFor="ch" refForName="text4"/>
-              <dgm:constr type="w" for="ch" forName="line4" refType="w" fact="0.075"/>
-              <dgm:constr type="h" for="ch" forName="line4"/>
-              <dgm:constr type="l" for="ch" forName="d4" refType="w" fact="0.48525"/>
-              <dgm:constr type="b" for="ch" forName="d4" refType="h" fact="0.85594"/>
-              <dgm:constr type="w" for="ch" forName="d4" refType="w" fact="0.1394"/>
-              <dgm:constr type="h" for="ch" forName="d4" refType="h" fact="0.2282"/>
-            </dgm:constrLst>
-          </dgm:if>
-          <dgm:if name="Name8" axis="ch" ptType="node" func="cnt" op="gte" val="5">
-            <dgm:constrLst>
-              <dgm:constr type="primFontSz" for="des" ptType="node" op="equ" val="65"/>
-              <dgm:constr type="w" for="ch" forName="circle1" refType="w" fact="0.0667"/>
-              <dgm:constr type="h" for="ch" forName="circle1" refType="w" refFor="ch" refForName="circle1"/>
-              <dgm:constr type="ctrX" for="ch" forName="circle1" refType="w" fact="0.3"/>
-              <dgm:constr type="ctrY" for="ch" forName="circle1" refType="h" fact="0.625"/>
-              <dgm:constr type="w" for="ch" forName="text1" refType="w" fact="0.3"/>
-              <dgm:constr type="h" for="ch" forName="text1" refType="h" fact="0.1324"/>
-              <dgm:constr type="r" for="ch" forName="text1" refType="w"/>
-              <dgm:constr type="ctrY" for="ch" forName="text1" refType="h" fact="0.13"/>
-              <dgm:constr type="l" for="ch" forName="line1" refType="w" fact="0.625"/>
-              <dgm:constr type="ctrY" for="ch" forName="line1" refType="ctrY" refFor="ch" refForName="text1"/>
-              <dgm:constr type="w" for="ch" forName="line1" refType="w" fact="0.075"/>
-              <dgm:constr type="h" for="ch" forName="line1"/>
-              <dgm:constr type="l" for="ch" forName="d1" refType="w" fact="0.3"/>
-              <dgm:constr type="b" for="ch" forName="d1" refType="h" fact="0.625"/>
-              <dgm:constr type="w" for="ch" forName="d1" refType="w" fact="0.3245"/>
-              <dgm:constr type="h" for="ch" forName="d1" refType="h" fact="0.495"/>
-              <dgm:constr type="w" for="ch" forName="circle2" refType="w" fact="0.2"/>
-              <dgm:constr type="h" for="ch" forName="circle2" refType="w" refFor="ch" refForName="circle2"/>
-              <dgm:constr type="ctrX" for="ch" forName="circle2" refType="w" fact="0.3"/>
-              <dgm:constr type="ctrY" for="ch" forName="circle2" refType="h" fact="0.625"/>
-              <dgm:constr type="w" for="ch" forName="text2" refType="w" fact="0.3"/>
-              <dgm:constr type="h" for="ch" forName="text2" refType="h" fact="0.1324"/>
-              <dgm:constr type="r" for="ch" forName="text2" refType="w"/>
-              <dgm:constr type="ctrY" for="ch" forName="text2" refType="h" fact="0.27"/>
-              <dgm:constr type="l" for="ch" forName="line2" refType="w" fact="0.625"/>
-              <dgm:constr type="ctrY" for="ch" forName="line2" refType="ctrY" refFor="ch" refForName="text2"/>
-              <dgm:constr type="w" for="ch" forName="line2" refType="w" fact="0.075"/>
-              <dgm:constr type="h" for="ch" forName="line2"/>
-              <dgm:constr type="l" for="ch" forName="d2" refType="w" fact="0.3498"/>
-              <dgm:constr type="b" for="ch" forName="d2" refType="h" fact="0.682"/>
-              <dgm:constr type="w" for="ch" forName="d2" refType="w" fact="0.275"/>
-              <dgm:constr type="h" for="ch" forName="d2" refType="h" fact="0.41215"/>
-              <dgm:constr type="w" for="ch" forName="circle3" refType="w" fact="0.3334"/>
-              <dgm:constr type="h" for="ch" forName="circle3" refType="w" refFor="ch" refForName="circle3"/>
-              <dgm:constr type="ctrX" for="ch" forName="circle3" refType="ctrX" refFor="ch" refForName="circle1"/>
-              <dgm:constr type="ctrY" for="ch" forName="circle3" refType="ctrY" refFor="ch" refForName="circle1"/>
-              <dgm:constr type="w" for="ch" forName="text3" refType="w" fact="0.3"/>
-              <dgm:constr type="h" for="ch" forName="text3" refType="h" fact="0.1324"/>
-              <dgm:constr type="r" for="ch" forName="text3" refType="w"/>
-              <dgm:constr type="ctrY" for="ch" forName="text3" refType="h" fact="0.41"/>
-              <dgm:constr type="l" for="ch" forName="line3" refType="w" fact="0.625"/>
-              <dgm:constr type="ctrY" for="ch" forName="line3" refType="ctrY" refFor="ch" refForName="text3"/>
-              <dgm:constr type="w" for="ch" forName="line3" refType="w" fact="0.075"/>
-              <dgm:constr type="h" for="ch" forName="line3"/>
-              <dgm:constr type="l" for="ch" forName="d3" refType="w" fact="0.394"/>
-              <dgm:constr type="b" for="ch" forName="d3" refType="h" fact="0.735"/>
-              <dgm:constr type="w" for="ch" forName="d3" refType="w" fact="0.231"/>
-              <dgm:constr type="h" for="ch" forName="d3" refType="h" fact="0.325"/>
-              <dgm:constr type="w" for="ch" forName="circle4" refType="w" fact="0.4667"/>
-              <dgm:constr type="h" for="ch" forName="circle4" refType="w" refFor="ch" refForName="circle4"/>
-              <dgm:constr type="ctrX" for="ch" forName="circle4" refType="ctrX" refFor="ch" refForName="circle1"/>
-              <dgm:constr type="ctrY" for="ch" forName="circle4" refType="ctrY" refFor="ch" refForName="circle1"/>
-              <dgm:constr type="w" for="ch" forName="text4" refType="w" fact="0.3"/>
-              <dgm:constr type="h" for="ch" forName="text4" refType="h" fact="0.1324"/>
-              <dgm:constr type="r" for="ch" forName="text4" refType="w"/>
-              <dgm:constr type="ctrY" for="ch" forName="text4" refType="h" fact="0.547"/>
-              <dgm:constr type="l" for="ch" forName="line4" refType="w" fact="0.625"/>
-              <dgm:constr type="ctrY" for="ch" forName="line4" refType="ctrY" refFor="ch" refForName="text4"/>
-              <dgm:constr type="w" for="ch" forName="line4" refType="w" fact="0.075"/>
-              <dgm:constr type="h" for="ch" forName="line4"/>
-              <dgm:constr type="l" for="ch" forName="d4" refType="w" fact="0.446"/>
-              <dgm:constr type="b" for="ch" forName="d4" refType="h" fact="0.795"/>
-              <dgm:constr type="w" for="ch" forName="d4" refType="w" fact="0.179"/>
-              <dgm:constr type="h" for="ch" forName="d4" refType="h" fact="0.248"/>
-              <dgm:constr type="w" for="ch" forName="circle5" refType="w" fact="0.6"/>
-              <dgm:constr type="h" for="ch" forName="circle5" refType="w" refFor="ch" refForName="circle5"/>
-              <dgm:constr type="ctrX" for="ch" forName="circle5" refType="ctrX" refFor="ch" refForName="circle1"/>
-              <dgm:constr type="ctrY" for="ch" forName="circle5" refType="ctrY" refFor="ch" refForName="circle1"/>
-              <dgm:constr type="w" for="ch" forName="text5" refType="w" fact="0.3"/>
-              <dgm:constr type="h" for="ch" forName="text5" refType="h" fact="0.1324"/>
-              <dgm:constr type="r" for="ch" forName="text5" refType="w"/>
-              <dgm:constr type="ctrY" for="ch" forName="text5" refType="h" fact="0.68"/>
-              <dgm:constr type="l" for="ch" forName="line5" refType="w" fact="0.625"/>
-              <dgm:constr type="ctrY" for="ch" forName="line5" refType="ctrY" refFor="ch" refForName="text5"/>
-              <dgm:constr type="w" for="ch" forName="line5" refType="w" fact="0.075"/>
-              <dgm:constr type="h" for="ch" forName="line5"/>
-              <dgm:constr type="l" for="ch" forName="d5" refType="w" fact="0.495"/>
-              <dgm:constr type="b" for="ch" forName="d5" refType="h" fact="0.855"/>
-              <dgm:constr type="w" for="ch" forName="d5" refType="w" fact="0.13"/>
-              <dgm:constr type="h" for="ch" forName="d5" refType="h" fact="0.175"/>
-            </dgm:constrLst>
-          </dgm:if>
-          <dgm:else name="Name9"/>
-        </dgm:choose>
-      </dgm:if>
-      <dgm:else name="Name10">
-        <dgm:choose name="Name11">
-          <dgm:if name="Name12" axis="ch" ptType="node" func="cnt" op="equ" val="0">
-            <dgm:constrLst/>
-          </dgm:if>
-          <dgm:if name="Name13" axis="ch" ptType="node" func="cnt" op="equ" val="1">
-            <dgm:constrLst>
-              <dgm:constr type="primFontSz" for="des" ptType="node" op="equ" val="65"/>
-              <dgm:constr type="w" for="ch" forName="circle1" refType="w" fact="0.6"/>
-              <dgm:constr type="h" for="ch" forName="circle1" refType="w" refFor="ch" refForName="circle1"/>
-              <dgm:constr type="ctrX" for="ch" forName="circle1" refType="w" fact="0.7"/>
-              <dgm:constr type="ctrY" for="ch" forName="circle1" refType="h" fact="0.625"/>
-              <dgm:constr type="w" for="ch" forName="text1" refType="w" fact="0.3"/>
-              <dgm:constr type="h" for="ch" forName="text1" refType="h" fact="0.3125"/>
-              <dgm:constr type="l" for="ch" forName="text1"/>
-              <dgm:constr type="t" for="ch" forName="text1"/>
-              <dgm:constr type="l" for="ch" forName="line1" refType="r" refFor="ch" refForName="text1"/>
-              <dgm:constr type="ctrY" for="ch" forName="line1" refType="ctrY" refFor="ch" refForName="text1"/>
-              <dgm:constr type="r" for="ch" forName="line1" refType="w" fact="0.375"/>
-              <dgm:constr type="h" for="ch" forName="line1"/>
-              <dgm:constr type="r" for="ch" forName="d1" refType="w" fact="0.7"/>
-              <dgm:constr type="b" for="ch" forName="d1" refType="h" fact="0.625"/>
-              <dgm:constr type="w" for="ch" forName="d1" refType="w" fact="0.32475"/>
-              <dgm:constr type="h" for="ch" forName="d1" refType="h" fact="0.469"/>
-            </dgm:constrLst>
-          </dgm:if>
-          <dgm:if name="Name14" axis="ch" ptType="node" func="cnt" op="equ" val="2">
-            <dgm:constrLst>
-              <dgm:constr type="primFontSz" for="des" ptType="node" op="equ" val="65"/>
-              <dgm:constr type="w" for="ch" forName="circle1" refType="w" fact="0.2"/>
-              <dgm:constr type="h" for="ch" forName="circle1" refType="w" refFor="ch" refForName="circle1"/>
-              <dgm:constr type="ctrX" for="ch" forName="circle1" refType="w" fact="0.7"/>
-              <dgm:constr type="ctrY" for="ch" forName="circle1" refType="h" fact="0.625"/>
-              <dgm:constr type="w" for="ch" forName="text1" refType="w" fact="0.3"/>
-              <dgm:constr type="h" for="ch" forName="text1" refType="h" fact="0.3125"/>
-              <dgm:constr type="l" for="ch" forName="text1"/>
-              <dgm:constr type="t" for="ch" forName="text1"/>
-              <dgm:constr type="l" for="ch" forName="line1" refType="r" refFor="ch" refForName="text1"/>
-              <dgm:constr type="ctrY" for="ch" forName="line1" refType="ctrY" refFor="ch" refForName="text1"/>
-              <dgm:constr type="r" for="ch" forName="line1" refType="w" fact="0.375"/>
-              <dgm:constr type="h" for="ch" forName="line1"/>
-              <dgm:constr type="r" for="ch" forName="d1" refType="w" fact="0.7"/>
-              <dgm:constr type="b" for="ch" forName="d1" refType="h" fact="0.625"/>
-              <dgm:constr type="w" for="ch" forName="d1" refType="w" fact="0.32475"/>
-              <dgm:constr type="h" for="ch" forName="d1" refType="h" fact="0.469"/>
-              <dgm:constr type="w" for="ch" forName="circle2" refType="w" fact="0.6"/>
-              <dgm:constr type="h" for="ch" forName="circle2" refType="w" refFor="ch" refForName="circle2"/>
-              <dgm:constr type="ctrX" for="ch" forName="circle2" refType="w" fact="0.7"/>
-              <dgm:constr type="ctrY" for="ch" forName="circle2" refType="h" fact="0.625"/>
-              <dgm:constr type="w" for="ch" forName="text2" refType="w" fact="0.3"/>
-              <dgm:constr type="h" for="ch" forName="text2" refType="h" fact="0.3125"/>
-              <dgm:constr type="l" for="ch" forName="text2"/>
-              <dgm:constr type="t" for="ch" forName="text2" refType="b" refFor="ch" refForName="text1"/>
-              <dgm:constr type="l" for="ch" forName="line2" refType="r" refFor="ch" refForName="text2"/>
-              <dgm:constr type="ctrY" for="ch" forName="line2" refType="ctrY" refFor="ch" refForName="text2"/>
-              <dgm:constr type="r" for="ch" forName="line2" refType="w" fact="0.375"/>
-              <dgm:constr type="h" for="ch" forName="line2"/>
-              <dgm:constr type="r" for="ch" forName="d2" refType="w" fact="0.55675"/>
-              <dgm:constr type="b" for="ch" forName="d2" refType="h" fact="0.7975"/>
-              <dgm:constr type="w" for="ch" forName="d2" refType="w" fact="0.1815"/>
-              <dgm:constr type="h" for="ch" forName="d2" refType="h" fact="0.3283"/>
-            </dgm:constrLst>
-          </dgm:if>
-          <dgm:if name="Name15" axis="ch" ptType="node" func="cnt" op="equ" val="3">
-            <dgm:constrLst>
-              <dgm:constr type="primFontSz" for="des" ptType="node" op="equ" val="65"/>
-              <dgm:constr type="w" for="ch" forName="circle1" refType="w" fact="0.12"/>
-              <dgm:constr type="h" for="ch" forName="circle1" refType="w" refFor="ch" refForName="circle1"/>
-              <dgm:constr type="ctrX" for="ch" forName="circle1" refType="w" fact="0.7"/>
-              <dgm:constr type="ctrY" for="ch" forName="circle1" refType="h" fact="0.625"/>
-              <dgm:constr type="w" for="ch" forName="text1" refType="w" fact="0.3"/>
-              <dgm:constr type="h" for="ch" forName="text1" refType="h" fact="0.21875"/>
-              <dgm:constr type="l" for="ch" forName="text1"/>
-              <dgm:constr type="t" for="ch" forName="text1"/>
-              <dgm:constr type="l" for="ch" forName="line1" refType="r" refFor="ch" refForName="text1"/>
-              <dgm:constr type="ctrY" for="ch" forName="line1" refType="ctrY" refFor="ch" refForName="text1"/>
-              <dgm:constr type="r" for="ch" forName="line1" refType="w" fact="0.375"/>
-              <dgm:constr type="h" for="ch" forName="line1"/>
-              <dgm:constr type="r" for="ch" forName="d1" refType="w" fact="0.7"/>
-              <dgm:constr type="b" for="ch" forName="d1" refType="h" fact="0.625"/>
-              <dgm:constr type="w" for="ch" forName="d1" refType="w" fact="0.3247"/>
-              <dgm:constr type="h" for="ch" forName="d1" refType="h" fact="0.5155"/>
-              <dgm:constr type="w" for="ch" forName="circle2" refType="w" fact="0.36"/>
-              <dgm:constr type="h" for="ch" forName="circle2" refType="w" refFor="ch" refForName="circle2"/>
-              <dgm:constr type="ctrX" for="ch" forName="circle2" refType="w" fact="0.7"/>
-              <dgm:constr type="ctrY" for="ch" forName="circle2" refType="h" fact="0.625"/>
-              <dgm:constr type="w" for="ch" forName="text2" refType="w" fact="0.3"/>
-              <dgm:constr type="h" for="ch" forName="text2" refType="h" fact="0.21875"/>
-              <dgm:constr type="l" for="ch" forName="text2"/>
-              <dgm:constr type="t" for="ch" forName="text2" refType="b" refFor="ch" refForName="text1"/>
-              <dgm:constr type="l" for="ch" forName="line2" refType="r" refFor="ch" refForName="text2"/>
-              <dgm:constr type="ctrY" for="ch" forName="line2" refType="ctrY" refFor="ch" refForName="text2"/>
-              <dgm:constr type="r" for="ch" forName="line2" refType="w" fact="0.375"/>
-              <dgm:constr type="h" for="ch" forName="line2"/>
-              <dgm:constr type="r" for="ch" forName="d2" refType="w" fact="0.614"/>
-              <dgm:constr type="b" for="ch" forName="d2" refType="h" fact="0.72969"/>
-              <dgm:constr type="w" for="ch" forName="d2" refType="w" fact="0.2387"/>
-              <dgm:constr type="h" for="ch" forName="d2" refType="h" fact="0.4017"/>
-              <dgm:constr type="w" for="ch" forName="circle3" refType="w" fact="0.6"/>
-              <dgm:constr type="h" for="ch" forName="circle3" refType="w" refFor="ch" refForName="circle3"/>
-              <dgm:constr type="ctrX" for="ch" forName="circle3" refType="ctrX" refFor="ch" refForName="circle1"/>
-              <dgm:constr type="ctrY" for="ch" forName="circle3" refType="ctrY" refFor="ch" refForName="circle1"/>
-              <dgm:constr type="w" for="ch" forName="text3" refType="w" fact="0.3"/>
-              <dgm:constr type="h" for="ch" forName="text3" refType="h" fact="0.21875"/>
-              <dgm:constr type="l" for="ch" forName="text3"/>
-              <dgm:constr type="t" for="ch" forName="text3" refType="b" refFor="ch" refForName="text2"/>
-              <dgm:constr type="l" for="ch" forName="line3" refType="r" refFor="ch" refForName="text3"/>
-              <dgm:constr type="ctrY" for="ch" forName="line3" refType="ctrY" refFor="ch" refForName="text3"/>
-              <dgm:constr type="r" for="ch" forName="line3" refType="w" fact="0.375"/>
-              <dgm:constr type="h" for="ch" forName="line3"/>
-              <dgm:constr type="r" for="ch" forName="d3" refType="w" fact="0.52825"/>
-              <dgm:constr type="b" for="ch" forName="d3" refType="h" fact="0.83375"/>
-              <dgm:constr type="w" for="ch" forName="d3" refType="w" fact="0.1527"/>
-              <dgm:constr type="h" for="ch" forName="d3" refType="h" fact="0.287"/>
-            </dgm:constrLst>
-          </dgm:if>
-          <dgm:if name="Name16" axis="ch" ptType="node" func="cnt" op="equ" val="4">
-            <dgm:constrLst>
-              <dgm:constr type="primFontSz" for="des" ptType="node" op="equ" val="65"/>
-              <dgm:constr type="w" for="ch" forName="circle1" refType="w" fact="0.0857"/>
-              <dgm:constr type="h" for="ch" forName="circle1" refType="w" refFor="ch" refForName="circle1"/>
-              <dgm:constr type="ctrX" for="ch" forName="circle1" refType="w" fact="0.7"/>
-              <dgm:constr type="ctrY" for="ch" forName="circle1" refType="h" fact="0.625"/>
-              <dgm:constr type="w" for="ch" forName="text1" refType="w" fact="0.3"/>
-              <dgm:constr type="h" for="ch" forName="text1" refType="h" fact="0.17938"/>
-              <dgm:constr type="l" for="ch" forName="text1"/>
-              <dgm:constr type="t" for="ch" forName="text1"/>
-              <dgm:constr type="l" for="ch" forName="line1" refType="r" refFor="ch" refForName="text1"/>
-              <dgm:constr type="ctrY" for="ch" forName="line1" refType="ctrY" refFor="ch" refForName="text1"/>
-              <dgm:constr type="r" for="ch" forName="line1" refType="w" fact="0.375"/>
-              <dgm:constr type="h" for="ch" forName="line1"/>
-              <dgm:constr type="r" for="ch" forName="d1" refType="w" fact="0.705"/>
-              <dgm:constr type="b" for="ch" forName="d1" refType="h" fact="0.62"/>
-              <dgm:constr type="w" for="ch" forName="d1" refType="w" fact="0.33"/>
-              <dgm:constr type="h" for="ch" forName="d1" refType="h" fact="0.53"/>
-              <dgm:constr type="w" for="ch" forName="circle2" refType="w" fact="0.2571"/>
-              <dgm:constr type="h" for="ch" forName="circle2" refType="w" refFor="ch" refForName="circle2"/>
-              <dgm:constr type="ctrX" for="ch" forName="circle2" refType="w" fact="0.7"/>
-              <dgm:constr type="ctrY" for="ch" forName="circle2" refType="h" fact="0.625"/>
-              <dgm:constr type="w" for="ch" forName="text2" refType="w" fact="0.3"/>
-              <dgm:constr type="h" for="ch" forName="text2" refType="h" fact="0.17938"/>
-              <dgm:constr type="l" for="ch" forName="text2"/>
-              <dgm:constr type="t" for="ch" forName="text2" refType="b" refFor="ch" refForName="text1"/>
-              <dgm:constr type="l" for="ch" forName="line2" refType="r" refFor="ch" refForName="text2"/>
-              <dgm:constr type="ctrY" for="ch" forName="line2" refType="ctrY" refFor="ch" refForName="text2"/>
-              <dgm:constr type="r" for="ch" forName="line2" refType="w" fact="0.375"/>
-              <dgm:constr type="h" for="ch" forName="line2"/>
-              <dgm:constr type="r" for="ch" forName="d2" refType="w" fact="0.63375"/>
-              <dgm:constr type="b" for="ch" forName="d2" refType="h" fact="0.70438"/>
-              <dgm:constr type="w" for="ch" forName="d2" refType="w" fact="0.2585"/>
-              <dgm:constr type="h" for="ch" forName="d2" refType="h" fact="0.43525"/>
-              <dgm:constr type="w" for="ch" forName="circle3" refType="w" fact="0.4285"/>
-              <dgm:constr type="h" for="ch" forName="circle3" refType="w" refFor="ch" refForName="circle3"/>
-              <dgm:constr type="ctrX" for="ch" forName="circle3" refType="ctrX" refFor="ch" refForName="circle1"/>
-              <dgm:constr type="ctrY" for="ch" forName="circle3" refType="ctrY" refFor="ch" refForName="circle1"/>
-              <dgm:constr type="w" for="ch" forName="text3" refType="w" fact="0.3"/>
-              <dgm:constr type="h" for="ch" forName="text3" refType="h" fact="0.17938"/>
-              <dgm:constr type="l" for="ch" forName="text3"/>
-              <dgm:constr type="t" for="ch" forName="text3" refType="b" refFor="ch" refForName="text2"/>
-              <dgm:constr type="l" for="ch" forName="line3" refType="r" refFor="ch" refForName="text3"/>
-              <dgm:constr type="ctrY" for="ch" forName="line3" refType="ctrY" refFor="ch" refForName="text3"/>
-              <dgm:constr type="r" for="ch" forName="line3" refType="w" fact="0.375"/>
-              <dgm:constr type="h" for="ch" forName="line3"/>
-              <dgm:constr type="r" for="ch" forName="d3" refType="w" fact="0.5745"/>
-              <dgm:constr type="b" for="ch" forName="d3" refType="h" fact="0.78031"/>
-              <dgm:constr type="w" for="ch" forName="d3" refType="w" fact="0.1995"/>
-              <dgm:constr type="h" for="ch" forName="d3" refType="h" fact="0.332"/>
-              <dgm:constr type="w" for="ch" forName="circle4" refType="w" fact="0.6"/>
-              <dgm:constr type="h" for="ch" forName="circle4" refType="w" refFor="ch" refForName="circle4"/>
-              <dgm:constr type="ctrX" for="ch" forName="circle4" refType="ctrX" refFor="ch" refForName="circle1"/>
-              <dgm:constr type="ctrY" for="ch" forName="circle4" refType="ctrY" refFor="ch" refForName="circle1"/>
-              <dgm:constr type="w" for="ch" forName="text4" refType="w" fact="0.3"/>
-              <dgm:constr type="h" for="ch" forName="text4" refType="h" fact="0.17938"/>
-              <dgm:constr type="l" for="ch" forName="text4"/>
-              <dgm:constr type="t" for="ch" forName="text4" refType="b" refFor="ch" refForName="text3"/>
-              <dgm:constr type="l" for="ch" forName="line4" refType="r" refFor="ch" refForName="text4"/>
-              <dgm:constr type="ctrY" for="ch" forName="line4" refType="ctrY" refFor="ch" refForName="text4"/>
-              <dgm:constr type="r" for="ch" forName="line4" refType="w" fact="0.375"/>
-              <dgm:constr type="h" for="ch" forName="line4"/>
-              <dgm:constr type="r" for="ch" forName="d4" refType="w" fact="0.51475"/>
-              <dgm:constr type="b" for="ch" forName="d4" refType="h" fact="0.85594"/>
-              <dgm:constr type="w" for="ch" forName="d4" refType="w" fact="0.1394"/>
-              <dgm:constr type="h" for="ch" forName="d4" refType="h" fact="0.2282"/>
-            </dgm:constrLst>
-          </dgm:if>
-          <dgm:if name="Name17" axis="ch" ptType="node" func="cnt" op="gte" val="5">
-            <dgm:constrLst>
-              <dgm:constr type="primFontSz" for="des" ptType="node" op="equ" val="65"/>
-              <dgm:constr type="w" for="ch" forName="circle1" refType="w" fact="0.0667"/>
-              <dgm:constr type="h" for="ch" forName="circle1" refType="w" refFor="ch" refForName="circle1"/>
-              <dgm:constr type="ctrX" for="ch" forName="circle1" refType="w" fact="0.7"/>
-              <dgm:constr type="ctrY" for="ch" forName="circle1" refType="h" fact="0.625"/>
-              <dgm:constr type="w" for="ch" forName="text1" refType="w" fact="0.3"/>
-              <dgm:constr type="h" for="ch" forName="text1" refType="h" fact="0.1324"/>
-              <dgm:constr type="l" for="ch" forName="text1"/>
-              <dgm:constr type="ctrY" for="ch" forName="text1" refType="h" fact="0.13"/>
-              <dgm:constr type="l" for="ch" forName="line1" refType="r" refFor="ch" refForName="text1"/>
-              <dgm:constr type="ctrY" for="ch" forName="line1" refType="ctrY" refFor="ch" refForName="text1"/>
-              <dgm:constr type="r" for="ch" forName="line1" refType="w" fact="0.375"/>
-              <dgm:constr type="h" for="ch" forName="line1"/>
-              <dgm:constr type="r" for="ch" forName="d1" refType="w" fact="0.7"/>
-              <dgm:constr type="b" for="ch" forName="d1" refType="h" fact="0.625"/>
-              <dgm:constr type="w" for="ch" forName="d1" refType="w" fact="0.3245"/>
-              <dgm:constr type="h" for="ch" forName="d1" refType="h" fact="0.495"/>
-              <dgm:constr type="w" for="ch" forName="circle2" refType="w" fact="0.2"/>
-              <dgm:constr type="h" for="ch" forName="circle2" refType="w" refFor="ch" refForName="circle2"/>
-              <dgm:constr type="ctrX" for="ch" forName="circle2" refType="w" fact="0.7"/>
-              <dgm:constr type="ctrY" for="ch" forName="circle2" refType="h" fact="0.625"/>
-              <dgm:constr type="w" for="ch" forName="text2" refType="w" fact="0.3"/>
-              <dgm:constr type="h" for="ch" forName="text2" refType="h" fact="0.1324"/>
-              <dgm:constr type="l" for="ch" forName="text2"/>
-              <dgm:constr type="ctrY" for="ch" forName="text2" refType="h" fact="0.27"/>
-              <dgm:constr type="l" for="ch" forName="line2" refType="r" refFor="ch" refForName="text2"/>
-              <dgm:constr type="ctrY" for="ch" forName="line2" refType="ctrY" refFor="ch" refForName="text2"/>
-              <dgm:constr type="r" for="ch" forName="line2" refType="w" fact="0.375"/>
-              <dgm:constr type="h" for="ch" forName="line2"/>
-              <dgm:constr type="r" for="ch" forName="d2" refType="w" fact="0.6502"/>
-              <dgm:constr type="b" for="ch" forName="d2" refType="h" fact="0.682"/>
-              <dgm:constr type="w" for="ch" forName="d2" refType="w" fact="0.275"/>
-              <dgm:constr type="h" for="ch" forName="d2" refType="h" fact="0.41215"/>
-              <dgm:constr type="w" for="ch" forName="circle3" refType="w" fact="0.3334"/>
-              <dgm:constr type="h" for="ch" forName="circle3" refType="w" refFor="ch" refForName="circle3"/>
-              <dgm:constr type="ctrX" for="ch" forName="circle3" refType="ctrX" refFor="ch" refForName="circle1"/>
-              <dgm:constr type="ctrY" for="ch" forName="circle3" refType="ctrY" refFor="ch" refForName="circle1"/>
-              <dgm:constr type="w" for="ch" forName="text3" refType="w" fact="0.3"/>
-              <dgm:constr type="h" for="ch" forName="text3" refType="h" fact="0.1324"/>
-              <dgm:constr type="l" for="ch" forName="text3"/>
-              <dgm:constr type="ctrY" for="ch" forName="text3" refType="h" fact="0.41"/>
-              <dgm:constr type="l" for="ch" forName="line3" refType="r" refFor="ch" refForName="text3"/>
-              <dgm:constr type="ctrY" for="ch" forName="line3" refType="ctrY" refFor="ch" refForName="text3"/>
-              <dgm:constr type="r" for="ch" forName="line3" refType="w" fact="0.375"/>
-              <dgm:constr type="h" for="ch" forName="line3"/>
-              <dgm:constr type="r" for="ch" forName="d3" refType="w" fact="0.606"/>
-              <dgm:constr type="b" for="ch" forName="d3" refType="h" fact="0.735"/>
-              <dgm:constr type="w" for="ch" forName="d3" refType="w" fact="0.231"/>
-              <dgm:constr type="h" for="ch" forName="d3" refType="h" fact="0.325"/>
-              <dgm:constr type="w" for="ch" forName="circle4" refType="w" fact="0.4667"/>
-              <dgm:constr type="h" for="ch" forName="circle4" refType="w" refFor="ch" refForName="circle4"/>
-              <dgm:constr type="ctrX" for="ch" forName="circle4" refType="ctrX" refFor="ch" refForName="circle1"/>
-              <dgm:constr type="ctrY" for="ch" forName="circle4" refType="ctrY" refFor="ch" refForName="circle1"/>
-              <dgm:constr type="w" for="ch" forName="text4" refType="w" fact="0.3"/>
-              <dgm:constr type="h" for="ch" forName="text4" refType="h" fact="0.1324"/>
-              <dgm:constr type="l" for="ch" forName="text4"/>
-              <dgm:constr type="ctrY" for="ch" forName="text4" refType="h" fact="0.547"/>
-              <dgm:constr type="l" for="ch" forName="line4" refType="r" refFor="ch" refForName="text4"/>
-              <dgm:constr type="ctrY" for="ch" forName="line4" refType="ctrY" refFor="ch" refForName="text4"/>
-              <dgm:constr type="r" for="ch" forName="line4" refType="w" fact="0.375"/>
-              <dgm:constr type="h" for="ch" forName="line4"/>
-              <dgm:constr type="r" for="ch" forName="d4" refType="w" fact="0.554"/>
-              <dgm:constr type="b" for="ch" forName="d4" refType="h" fact="0.795"/>
-              <dgm:constr type="w" for="ch" forName="d4" refType="w" fact="0.179"/>
-              <dgm:constr type="h" for="ch" forName="d4" refType="h" fact="0.248"/>
-              <dgm:constr type="w" for="ch" forName="circle5" refType="w" fact="0.6"/>
-              <dgm:constr type="h" for="ch" forName="circle5" refType="w" refFor="ch" refForName="circle5"/>
-              <dgm:constr type="ctrX" for="ch" forName="circle5" refType="ctrX" refFor="ch" refForName="circle1"/>
-              <dgm:constr type="ctrY" for="ch" forName="circle5" refType="ctrY" refFor="ch" refForName="circle1"/>
-              <dgm:constr type="w" for="ch" forName="text5" refType="w" fact="0.3"/>
-              <dgm:constr type="h" for="ch" forName="text5" refType="h" fact="0.1324"/>
-              <dgm:constr type="l" for="ch" forName="text5"/>
-              <dgm:constr type="ctrY" for="ch" forName="text5" refType="h" fact="0.68"/>
-              <dgm:constr type="l" for="ch" forName="line5" refType="r" refFor="ch" refForName="text5"/>
-              <dgm:constr type="ctrY" for="ch" forName="line5" refType="ctrY" refFor="ch" refForName="text5"/>
-              <dgm:constr type="r" for="ch" forName="line5" refType="w" fact="0.375"/>
-              <dgm:constr type="h" for="ch" forName="line5"/>
-              <dgm:constr type="r" for="ch" forName="d5" refType="w" fact="0.505"/>
-              <dgm:constr type="b" for="ch" forName="d5" refType="h" fact="0.855"/>
-              <dgm:constr type="w" for="ch" forName="d5" refType="w" fact="0.13"/>
-              <dgm:constr type="h" for="ch" forName="d5" refType="h" fact="0.175"/>
-            </dgm:constrLst>
-          </dgm:if>
-          <dgm:else name="Name18"/>
-        </dgm:choose>
-      </dgm:else>
-    </dgm:choose>
-    <dgm:ruleLst/>
-    <dgm:forEach name="Name19" axis="ch" ptType="node" cnt="1">
-      <dgm:layoutNode name="circle1" styleLbl="lnNode1">
-        <dgm:alg type="sp"/>
-        <dgm:shape xmlns:r="http://schemas.openxmlformats.org/officeDocument/2006/relationships" type="ellipse" r:blip="">
-          <dgm:adjLst/>
-        </dgm:shape>
-        <dgm:presOf/>
-        <dgm:constrLst/>
-        <dgm:ruleLst/>
-      </dgm:layoutNode>
-      <dgm:layoutNode name="text1" styleLbl="revTx">
-        <dgm:varLst>
-          <dgm:bulletEnabled val="1"/>
-        </dgm:varLst>
-        <dgm:choose name="Name20">
-          <dgm:if name="Name21" func="var" arg="dir" op="equ" val="norm">
-            <dgm:choose name="Name22">
-              <dgm:if name="Name23" axis="root des" ptType="all node" func="maxDepth" op="gt" val="1">
-                <dgm:alg type="tx">
-                  <dgm:param type="parTxLTRAlign" val="l"/>
-                  <dgm:param type="parTxRTLAlign" val="r"/>
-                </dgm:alg>
-              </dgm:if>
-              <dgm:else name="Name24">
-                <dgm:alg type="tx">
-                  <dgm:param type="parTxLTRAlign" val="l"/>
-                  <dgm:param type="parTxRTLAlign" val="l"/>
-                </dgm:alg>
-              </dgm:else>
-            </dgm:choose>
-          </dgm:if>
-          <dgm:else name="Name25">
-            <dgm:choose name="Name26">
-              <dgm:if name="Name27" axis="root des" ptType="all node" func="maxDepth" op="gt" val="1">
-                <dgm:alg type="tx">
-                  <dgm:param type="parTxLTRAlign" val="l"/>
-                  <dgm:param type="parTxRTLAlign" val="r"/>
-                </dgm:alg>
-              </dgm:if>
-              <dgm:else name="Name28">
-                <dgm:alg type="tx">
-                  <dgm:param type="parTxLTRAlign" val="r"/>
-                  <dgm:param type="parTxRTLAlign" val="r"/>
-                </dgm:alg>
-              </dgm:else>
-            </dgm:choose>
-          </dgm:else>
-        </dgm:choose>
-        <dgm:shape xmlns:r="http://schemas.openxmlformats.org/officeDocument/2006/relationships" type="rect" r:blip="">
-          <dgm:adjLst/>
-        </dgm:shape>
-        <dgm:presOf axis="desOrSelf" ptType="node"/>
-        <dgm:choose name="Name29">
-          <dgm:if name="Name30" func="var" arg="dir" op="equ" val="norm">
-            <dgm:constrLst>
-              <dgm:constr type="tMarg" refType="primFontSz" fact="0.1"/>
-              <dgm:constr type="bMarg" refType="primFontSz" fact="0.1"/>
-              <dgm:constr type="rMarg" refType="primFontSz" fact="0.1"/>
-            </dgm:constrLst>
-          </dgm:if>
-          <dgm:else name="Name31">
-            <dgm:constrLst>
-              <dgm:constr type="tMarg" refType="primFontSz" fact="0.1"/>
-              <dgm:constr type="bMarg" refType="primFontSz" fact="0.1"/>
-              <dgm:constr type="lMarg" refType="primFontSz" fact="0.1"/>
-            </dgm:constrLst>
-          </dgm:else>
-        </dgm:choose>
-        <dgm:ruleLst>
-          <dgm:rule type="primFontSz" val="5" fact="NaN" max="NaN"/>
-        </dgm:ruleLst>
-      </dgm:layoutNode>
-      <dgm:layoutNode name="line1" styleLbl="callout">
-        <dgm:alg type="sp"/>
-        <dgm:shape xmlns:r="http://schemas.openxmlformats.org/officeDocument/2006/relationships" type="line" r:blip="">
-          <dgm:adjLst/>
-        </dgm:shape>
-        <dgm:presOf/>
-        <dgm:constrLst/>
-        <dgm:ruleLst/>
-      </dgm:layoutNode>
-      <dgm:layoutNode name="d1" styleLbl="callout">
-        <dgm:alg type="sp"/>
-        <dgm:choose name="Name32">
-          <dgm:if name="Name33" func="var" arg="dir" op="equ" val="norm">
-            <dgm:shape xmlns:r="http://schemas.openxmlformats.org/officeDocument/2006/relationships" rot="90" type="line" r:blip="">
-              <dgm:adjLst/>
-            </dgm:shape>
-          </dgm:if>
-          <dgm:else name="Name34">
-            <dgm:shape xmlns:r="http://schemas.openxmlformats.org/officeDocument/2006/relationships" rot="180" type="line" r:blip="">
-              <dgm:adjLst/>
-            </dgm:shape>
-          </dgm:else>
-        </dgm:choose>
-        <dgm:presOf/>
-        <dgm:constrLst/>
-        <dgm:ruleLst/>
-      </dgm:layoutNode>
-    </dgm:forEach>
-    <dgm:forEach name="Name35" axis="ch" ptType="node" st="2" cnt="1">
-      <dgm:layoutNode name="circle2" styleLbl="lnNode1">
-        <dgm:alg type="sp"/>
-        <dgm:shape xmlns:r="http://schemas.openxmlformats.org/officeDocument/2006/relationships" type="ellipse" r:blip="" zOrderOff="-5">
-          <dgm:adjLst/>
-        </dgm:shape>
-        <dgm:presOf/>
-        <dgm:constrLst/>
-        <dgm:ruleLst/>
-      </dgm:layoutNode>
-      <dgm:layoutNode name="text2" styleLbl="revTx">
-        <dgm:varLst>
-          <dgm:bulletEnabled val="1"/>
-        </dgm:varLst>
-        <dgm:choose name="Name36">
-          <dgm:if name="Name37" func="var" arg="dir" op="equ" val="norm">
-            <dgm:choose name="Name38">
-              <dgm:if name="Name39" axis="root des" ptType="all node" func="maxDepth" op="gt" val="1">
-                <dgm:alg type="tx">
-                  <dgm:param type="parTxLTRAlign" val="l"/>
-                  <dgm:param type="parTxRTLAlign" val="r"/>
-                </dgm:alg>
-              </dgm:if>
-              <dgm:else name="Name40">
-                <dgm:alg type="tx">
-                  <dgm:param type="parTxLTRAlign" val="l"/>
-                  <dgm:param type="parTxRTLAlign" val="l"/>
-                </dgm:alg>
-              </dgm:else>
-            </dgm:choose>
-          </dgm:if>
-          <dgm:else name="Name41">
-            <dgm:choose name="Name42">
-              <dgm:if name="Name43" axis="root des" ptType="all node" func="maxDepth" op="gt" val="1">
-                <dgm:alg type="tx">
-                  <dgm:param type="parTxLTRAlign" val="l"/>
-                  <dgm:param type="parTxRTLAlign" val="r"/>
-                </dgm:alg>
-              </dgm:if>
-              <dgm:else name="Name44">
-                <dgm:alg type="tx">
-                  <dgm:param type="parTxLTRAlign" val="r"/>
-                  <dgm:param type="parTxRTLAlign" val="r"/>
-                </dgm:alg>
-              </dgm:else>
-            </dgm:choose>
-          </dgm:else>
-        </dgm:choose>
-        <dgm:shape xmlns:r="http://schemas.openxmlformats.org/officeDocument/2006/relationships" type="rect" r:blip="">
-          <dgm:adjLst/>
-        </dgm:shape>
-        <dgm:presOf axis="desOrSelf" ptType="node"/>
-        <dgm:choose name="Name45">
-          <dgm:if name="Name46" func="var" arg="dir" op="equ" val="norm">
-            <dgm:constrLst>
-              <dgm:constr type="tMarg" refType="primFontSz" fact="0.1"/>
-              <dgm:constr type="bMarg" refType="primFontSz" fact="0.1"/>
-              <dgm:constr type="rMarg" refType="primFontSz" fact="0.1"/>
-            </dgm:constrLst>
-          </dgm:if>
-          <dgm:else name="Name47">
-            <dgm:constrLst>
-              <dgm:constr type="tMarg" refType="primFontSz" fact="0.1"/>
-              <dgm:constr type="bMarg" refType="primFontSz" fact="0.1"/>
-              <dgm:constr type="lMarg" refType="primFontSz" fact="0.1"/>
-            </dgm:constrLst>
-          </dgm:else>
-        </dgm:choose>
-        <dgm:ruleLst>
-          <dgm:rule type="primFontSz" val="5" fact="NaN" max="NaN"/>
-        </dgm:ruleLst>
-      </dgm:layoutNode>
-      <dgm:layoutNode name="line2" styleLbl="callout">
-        <dgm:alg type="sp"/>
-        <dgm:shape xmlns:r="http://schemas.openxmlformats.org/officeDocument/2006/relationships" type="line" r:blip="">
-          <dgm:adjLst/>
-        </dgm:shape>
-        <dgm:presOf/>
-        <dgm:constrLst/>
-        <dgm:ruleLst/>
-      </dgm:layoutNode>
-      <dgm:layoutNode name="d2" styleLbl="callout">
-        <dgm:alg type="sp"/>
-        <dgm:choose name="Name48">
-          <dgm:if name="Name49" func="var" arg="dir" op="equ" val="norm">
-            <dgm:shape xmlns:r="http://schemas.openxmlformats.org/officeDocument/2006/relationships" rot="90" type="line" r:blip="">
-              <dgm:adjLst/>
-            </dgm:shape>
-          </dgm:if>
-          <dgm:else name="Name50">
-            <dgm:shape xmlns:r="http://schemas.openxmlformats.org/officeDocument/2006/relationships" rot="180" type="line" r:blip="">
-              <dgm:adjLst/>
-            </dgm:shape>
-          </dgm:else>
-        </dgm:choose>
-        <dgm:presOf/>
-        <dgm:constrLst/>
-        <dgm:ruleLst/>
-      </dgm:layoutNode>
-    </dgm:forEach>
-    <dgm:forEach name="Name51" axis="ch" ptType="node" st="3" cnt="1">
-      <dgm:layoutNode name="circle3" styleLbl="lnNode1">
-        <dgm:alg type="sp"/>
-        <dgm:shape xmlns:r="http://schemas.openxmlformats.org/officeDocument/2006/relationships" type="ellipse" r:blip="" zOrderOff="-10">
-          <dgm:adjLst/>
-        </dgm:shape>
-        <dgm:presOf/>
-        <dgm:constrLst/>
-        <dgm:ruleLst/>
-      </dgm:layoutNode>
-      <dgm:layoutNode name="text3" styleLbl="revTx">
-        <dgm:varLst>
-          <dgm:bulletEnabled val="1"/>
-        </dgm:varLst>
-        <dgm:choose name="Name52">
-          <dgm:if name="Name53" func="var" arg="dir" op="equ" val="norm">
-            <dgm:choose name="Name54">
-              <dgm:if name="Name55" axis="root des" ptType="all node" func="maxDepth" op="gt" val="1">
-                <dgm:alg type="tx">
-                  <dgm:param type="parTxLTRAlign" val="l"/>
-                  <dgm:param type="parTxRTLAlign" val="r"/>
-                </dgm:alg>
-              </dgm:if>
-              <dgm:else name="Name56">
-                <dgm:alg type="tx">
-                  <dgm:param type="parTxLTRAlign" val="l"/>
-                  <dgm:param type="parTxRTLAlign" val="l"/>
-                </dgm:alg>
-              </dgm:else>
-            </dgm:choose>
-          </dgm:if>
-          <dgm:else name="Name57">
-            <dgm:choose name="Name58">
-              <dgm:if name="Name59" axis="root des" ptType="all node" func="maxDepth" op="gt" val="1">
-                <dgm:alg type="tx">
-                  <dgm:param type="parTxLTRAlign" val="l"/>
-                  <dgm:param type="parTxRTLAlign" val="r"/>
-                </dgm:alg>
-              </dgm:if>
-              <dgm:else name="Name60">
-                <dgm:alg type="tx">
-                  <dgm:param type="parTxLTRAlign" val="r"/>
-                  <dgm:param type="parTxRTLAlign" val="r"/>
-                </dgm:alg>
-              </dgm:else>
-            </dgm:choose>
-          </dgm:else>
-        </dgm:choose>
-        <dgm:shape xmlns:r="http://schemas.openxmlformats.org/officeDocument/2006/relationships" type="rect" r:blip="">
-          <dgm:adjLst/>
-        </dgm:shape>
-        <dgm:presOf axis="desOrSelf" ptType="node"/>
-        <dgm:choose name="Name61">
-          <dgm:if name="Name62" func="var" arg="dir" op="equ" val="norm">
-            <dgm:constrLst>
-              <dgm:constr type="tMarg" refType="primFontSz" fact="0.1"/>
-              <dgm:constr type="bMarg" refType="primFontSz" fact="0.1"/>
-              <dgm:constr type="rMarg" refType="primFontSz" fact="0.1"/>
-            </dgm:constrLst>
-          </dgm:if>
-          <dgm:else name="Name63">
-            <dgm:constrLst>
-              <dgm:constr type="tMarg" refType="primFontSz" fact="0.1"/>
-              <dgm:constr type="bMarg" refType="primFontSz" fact="0.1"/>
-              <dgm:constr type="lMarg" refType="primFontSz" fact="0.1"/>
-            </dgm:constrLst>
-          </dgm:else>
-        </dgm:choose>
-        <dgm:ruleLst>
-          <dgm:rule type="primFontSz" val="5" fact="NaN" max="NaN"/>
-        </dgm:ruleLst>
-      </dgm:layoutNode>
-      <dgm:layoutNode name="line3" styleLbl="callout">
-        <dgm:alg type="sp"/>
-        <dgm:shape xmlns:r="http://schemas.openxmlformats.org/officeDocument/2006/relationships" type="line" r:blip="">
-          <dgm:adjLst/>
-        </dgm:shape>
-        <dgm:presOf/>
-        <dgm:constrLst/>
-        <dgm:ruleLst/>
-      </dgm:layoutNode>
-      <dgm:layoutNode name="d3" styleLbl="callout">
-        <dgm:alg type="sp"/>
-        <dgm:choose name="Name64">
-          <dgm:if name="Name65" func="var" arg="dir" op="equ" val="norm">
-            <dgm:shape xmlns:r="http://schemas.openxmlformats.org/officeDocument/2006/relationships" rot="90" type="line" r:blip="">
-              <dgm:adjLst/>
-            </dgm:shape>
-          </dgm:if>
-          <dgm:else name="Name66">
-            <dgm:shape xmlns:r="http://schemas.openxmlformats.org/officeDocument/2006/relationships" rot="180" type="line" r:blip="">
-              <dgm:adjLst/>
-            </dgm:shape>
-          </dgm:else>
-        </dgm:choose>
-        <dgm:presOf/>
-        <dgm:constrLst/>
-        <dgm:ruleLst/>
-      </dgm:layoutNode>
-    </dgm:forEach>
-    <dgm:forEach name="Name67" axis="ch" ptType="node" st="4" cnt="1">
-      <dgm:layoutNode name="circle4" styleLbl="lnNode1">
-        <dgm:alg type="sp"/>
-        <dgm:shape xmlns:r="http://schemas.openxmlformats.org/officeDocument/2006/relationships" type="ellipse" r:blip="" zOrderOff="-15">
-          <dgm:adjLst/>
-        </dgm:shape>
-        <dgm:presOf/>
-        <dgm:constrLst/>
-        <dgm:ruleLst/>
-      </dgm:layoutNode>
-      <dgm:layoutNode name="text4" styleLbl="revTx">
-        <dgm:varLst>
-          <dgm:bulletEnabled val="1"/>
-        </dgm:varLst>
-        <dgm:choose name="Name68">
-          <dgm:if name="Name69" func="var" arg="dir" op="equ" val="norm">
-            <dgm:choose name="Name70">
-              <dgm:if name="Name71" axis="root des" ptType="all node" func="maxDepth" op="gt" val="1">
-                <dgm:alg type="tx">
-                  <dgm:param type="parTxLTRAlign" val="l"/>
-                  <dgm:param type="parTxRTLAlign" val="r"/>
-                </dgm:alg>
-              </dgm:if>
-              <dgm:else name="Name72">
-                <dgm:alg type="tx">
-                  <dgm:param type="parTxLTRAlign" val="l"/>
-                  <dgm:param type="parTxRTLAlign" val="l"/>
-                </dgm:alg>
-              </dgm:else>
-            </dgm:choose>
-          </dgm:if>
-          <dgm:else name="Name73">
-            <dgm:choose name="Name74">
-              <dgm:if name="Name75" axis="root des" ptType="all node" func="maxDepth" op="gt" val="1">
-                <dgm:alg type="tx">
-                  <dgm:param type="parTxLTRAlign" val="l"/>
-                  <dgm:param type="parTxRTLAlign" val="r"/>
-                </dgm:alg>
-              </dgm:if>
-              <dgm:else name="Name76">
-                <dgm:alg type="tx">
-                  <dgm:param type="parTxLTRAlign" val="r"/>
-                  <dgm:param type="parTxRTLAlign" val="r"/>
-                </dgm:alg>
-              </dgm:else>
-            </dgm:choose>
-          </dgm:else>
-        </dgm:choose>
-        <dgm:shape xmlns:r="http://schemas.openxmlformats.org/officeDocument/2006/relationships" type="rect" r:blip="">
-          <dgm:adjLst/>
-        </dgm:shape>
-        <dgm:presOf axis="desOrSelf" ptType="node"/>
-        <dgm:choose name="Name77">
-          <dgm:if name="Name78" func="var" arg="dir" op="equ" val="norm">
-            <dgm:constrLst>
-              <dgm:constr type="tMarg" refType="primFontSz" fact="0.1"/>
-              <dgm:constr type="bMarg" refType="primFontSz" fact="0.1"/>
-              <dgm:constr type="rMarg" refType="primFontSz" fact="0.1"/>
-            </dgm:constrLst>
-          </dgm:if>
-          <dgm:else name="Name79">
-            <dgm:constrLst>
-              <dgm:constr type="tMarg" refType="primFontSz" fact="0.1"/>
-              <dgm:constr type="bMarg" refType="primFontSz" fact="0.1"/>
-              <dgm:constr type="lMarg" refType="primFontSz" fact="0.1"/>
-            </dgm:constrLst>
-          </dgm:else>
-        </dgm:choose>
-        <dgm:ruleLst>
-          <dgm:rule type="primFontSz" val="5" fact="NaN" max="NaN"/>
-        </dgm:ruleLst>
-      </dgm:layoutNode>
-      <dgm:layoutNode name="line4" styleLbl="callout">
-        <dgm:alg type="sp"/>
-        <dgm:shape xmlns:r="http://schemas.openxmlformats.org/officeDocument/2006/relationships" type="line" r:blip="">
-          <dgm:adjLst/>
-        </dgm:shape>
-        <dgm:presOf/>
-        <dgm:constrLst/>
-        <dgm:ruleLst/>
-      </dgm:layoutNode>
-      <dgm:layoutNode name="d4" styleLbl="callout">
-        <dgm:alg type="sp"/>
-        <dgm:choose name="Name80">
-          <dgm:if name="Name81" func="var" arg="dir" op="equ" val="norm">
-            <dgm:shape xmlns:r="http://schemas.openxmlformats.org/officeDocument/2006/relationships" rot="90" type="line" r:blip="">
-              <dgm:adjLst/>
-            </dgm:shape>
-          </dgm:if>
-          <dgm:else name="Name82">
-            <dgm:shape xmlns:r="http://schemas.openxmlformats.org/officeDocument/2006/relationships" rot="180" type="line" r:blip="">
-              <dgm:adjLst/>
-            </dgm:shape>
-          </dgm:else>
-        </dgm:choose>
-        <dgm:presOf/>
-        <dgm:constrLst/>
-        <dgm:ruleLst/>
-      </dgm:layoutNode>
-    </dgm:forEach>
-    <dgm:forEach name="Name83" axis="ch" ptType="node" st="5" cnt="1">
-      <dgm:layoutNode name="circle5" styleLbl="lnNode1">
-        <dgm:alg type="sp"/>
-        <dgm:shape xmlns:r="http://schemas.openxmlformats.org/officeDocument/2006/relationships" type="ellipse" r:blip="" zOrderOff="-20">
-          <dgm:adjLst/>
-        </dgm:shape>
-        <dgm:presOf/>
-        <dgm:constrLst/>
-        <dgm:ruleLst/>
-      </dgm:layoutNode>
-      <dgm:layoutNode name="text5" styleLbl="revTx">
-        <dgm:varLst>
-          <dgm:bulletEnabled val="1"/>
-        </dgm:varLst>
-        <dgm:choose name="Name84">
-          <dgm:if name="Name85" func="var" arg="dir" op="equ" val="norm">
-            <dgm:choose name="Name86">
-              <dgm:if name="Name87" axis="root des" ptType="all node" func="maxDepth" op="gt" val="1">
-                <dgm:alg type="tx">
-                  <dgm:param type="parTxLTRAlign" val="l"/>
-                  <dgm:param type="parTxRTLAlign" val="r"/>
-                </dgm:alg>
-              </dgm:if>
-              <dgm:else name="Name88">
-                <dgm:alg type="tx">
-                  <dgm:param type="parTxLTRAlign" val="l"/>
-                  <dgm:param type="parTxRTLAlign" val="l"/>
-                </dgm:alg>
-              </dgm:else>
-            </dgm:choose>
-          </dgm:if>
-          <dgm:else name="Name89">
-            <dgm:choose name="Name90">
-              <dgm:if name="Name91" axis="root des" ptType="all node" func="maxDepth" op="gt" val="1">
-                <dgm:alg type="tx">
-                  <dgm:param type="parTxLTRAlign" val="l"/>
-                  <dgm:param type="parTxRTLAlign" val="r"/>
-                </dgm:alg>
-              </dgm:if>
-              <dgm:else name="Name92">
-                <dgm:alg type="tx">
-                  <dgm:param type="parTxLTRAlign" val="r"/>
-                  <dgm:param type="parTxRTLAlign" val="r"/>
-                </dgm:alg>
-              </dgm:else>
-            </dgm:choose>
-          </dgm:else>
-        </dgm:choose>
-        <dgm:shape xmlns:r="http://schemas.openxmlformats.org/officeDocument/2006/relationships" type="rect" r:blip="">
-          <dgm:adjLst/>
-        </dgm:shape>
-        <dgm:presOf axis="desOrSelf" ptType="node"/>
-        <dgm:choose name="Name93">
-          <dgm:if name="Name94" func="var" arg="dir" op="equ" val="norm">
-            <dgm:constrLst>
-              <dgm:constr type="tMarg" refType="primFontSz" fact="0.1"/>
-              <dgm:constr type="bMarg" refType="primFontSz" fact="0.1"/>
-              <dgm:constr type="rMarg" refType="primFontSz" fact="0.1"/>
-            </dgm:constrLst>
-          </dgm:if>
-          <dgm:else name="Name95">
-            <dgm:constrLst>
-              <dgm:constr type="tMarg" refType="primFontSz" fact="0.1"/>
-              <dgm:constr type="bMarg" refType="primFontSz" fact="0.1"/>
-              <dgm:constr type="lMarg" refType="primFontSz" fact="0.1"/>
-            </dgm:constrLst>
-          </dgm:else>
-        </dgm:choose>
-        <dgm:ruleLst>
-          <dgm:rule type="primFontSz" val="5" fact="NaN" max="NaN"/>
-        </dgm:ruleLst>
-      </dgm:layoutNode>
-      <dgm:layoutNode name="line5" styleLbl="callout">
-        <dgm:alg type="sp"/>
-        <dgm:shape xmlns:r="http://schemas.openxmlformats.org/officeDocument/2006/relationships" type="line" r:blip="">
-          <dgm:adjLst/>
-        </dgm:shape>
-        <dgm:presOf/>
-        <dgm:constrLst/>
-        <dgm:ruleLst/>
-      </dgm:layoutNode>
-      <dgm:layoutNode name="d5" styleLbl="callout">
-        <dgm:alg type="sp"/>
-        <dgm:choose name="Name96">
-          <dgm:if name="Name97" func="var" arg="dir" op="equ" val="norm">
-            <dgm:shape xmlns:r="http://schemas.openxmlformats.org/officeDocument/2006/relationships" rot="90" type="line" r:blip="">
-              <dgm:adjLst/>
-            </dgm:shape>
-          </dgm:if>
-          <dgm:else name="Name98">
-            <dgm:shape xmlns:r="http://schemas.openxmlformats.org/officeDocument/2006/relationships" rot="180" type="line" r:blip="">
-              <dgm:adjLst/>
-            </dgm:shape>
-          </dgm:else>
-        </dgm:choose>
-        <dgm:presOf/>
-        <dgm:constrLst/>
-        <dgm:ruleLst/>
-      </dgm:layoutNode>
-    </dgm:forEach>
-  </dgm:layoutNode>
-</dgm:layoutDef>
-</file>
-
 <file path=ppt/diagrams/quickStyle1.xml><?xml version="1.0" encoding="utf-8"?>
 <dgm:styleDef xmlns:dgm="http://schemas.openxmlformats.org/drawingml/2006/diagram" xmlns:a="http://schemas.openxmlformats.org/drawingml/2006/main" uniqueId="urn:microsoft.com/office/officeart/2005/8/quickstyle/simple1">
   <dgm:title val=""/>
@@ -7066,1040 +4098,6 @@
         <a:scrgbClr r="0" g="0" b="0"/>
       </a:fillRef>
       <a:effectRef idx="0">
-        <a:scrgbClr r="0" g="0" b="0"/>
-      </a:effectRef>
-      <a:fontRef idx="minor"/>
-    </dgm:style>
-  </dgm:styleLbl>
-  <dgm:styleLbl name="revTx">
-    <dgm:scene3d>
-      <a:camera prst="orthographicFront"/>
-      <a:lightRig rig="threePt" dir="t"/>
-    </dgm:scene3d>
-    <dgm:sp3d/>
-    <dgm:txPr/>
-    <dgm:style>
-      <a:lnRef idx="0">
-        <a:scrgbClr r="0" g="0" b="0"/>
-      </a:lnRef>
-      <a:fillRef idx="0">
-        <a:scrgbClr r="0" g="0" b="0"/>
-      </a:fillRef>
-      <a:effectRef idx="0">
-        <a:scrgbClr r="0" g="0" b="0"/>
-      </a:effectRef>
-      <a:fontRef idx="minor"/>
-    </dgm:style>
-  </dgm:styleLbl>
-</dgm:styleDef>
-</file>
-
-<file path=ppt/diagrams/quickStyle2.xml><?xml version="1.0" encoding="utf-8"?>
-<dgm:styleDef xmlns:dgm="http://schemas.openxmlformats.org/drawingml/2006/diagram" xmlns:a="http://schemas.openxmlformats.org/drawingml/2006/main" uniqueId="urn:microsoft.com/office/officeart/2005/8/quickstyle/simple4">
-  <dgm:title val=""/>
-  <dgm:desc val=""/>
-  <dgm:catLst>
-    <dgm:cat type="simple" pri="10400"/>
-  </dgm:catLst>
-  <dgm:scene3d>
-    <a:camera prst="orthographicFront"/>
-    <a:lightRig rig="threePt" dir="t"/>
-  </dgm:scene3d>
-  <dgm:styleLbl name="node0">
-    <dgm:scene3d>
-      <a:camera prst="orthographicFront"/>
-      <a:lightRig rig="threePt" dir="t"/>
-    </dgm:scene3d>
-    <dgm:sp3d/>
-    <dgm:txPr/>
-    <dgm:style>
-      <a:lnRef idx="0">
-        <a:scrgbClr r="0" g="0" b="0"/>
-      </a:lnRef>
-      <a:fillRef idx="3">
-        <a:scrgbClr r="0" g="0" b="0"/>
-      </a:fillRef>
-      <a:effectRef idx="2">
-        <a:scrgbClr r="0" g="0" b="0"/>
-      </a:effectRef>
-      <a:fontRef idx="minor">
-        <a:schemeClr val="lt1"/>
-      </a:fontRef>
-    </dgm:style>
-  </dgm:styleLbl>
-  <dgm:styleLbl name="lnNode1">
-    <dgm:scene3d>
-      <a:camera prst="orthographicFront"/>
-      <a:lightRig rig="threePt" dir="t"/>
-    </dgm:scene3d>
-    <dgm:sp3d/>
-    <dgm:txPr/>
-    <dgm:style>
-      <a:lnRef idx="1">
-        <a:scrgbClr r="0" g="0" b="0"/>
-      </a:lnRef>
-      <a:fillRef idx="3">
-        <a:scrgbClr r="0" g="0" b="0"/>
-      </a:fillRef>
-      <a:effectRef idx="2">
-        <a:scrgbClr r="0" g="0" b="0"/>
-      </a:effectRef>
-      <a:fontRef idx="minor">
-        <a:schemeClr val="lt1"/>
-      </a:fontRef>
-    </dgm:style>
-  </dgm:styleLbl>
-  <dgm:styleLbl name="vennNode1">
-    <dgm:scene3d>
-      <a:camera prst="orthographicFront"/>
-      <a:lightRig rig="threePt" dir="t"/>
-    </dgm:scene3d>
-    <dgm:sp3d/>
-    <dgm:txPr/>
-    <dgm:style>
-      <a:lnRef idx="0">
-        <a:scrgbClr r="0" g="0" b="0"/>
-      </a:lnRef>
-      <a:fillRef idx="3">
-        <a:scrgbClr r="0" g="0" b="0"/>
-      </a:fillRef>
-      <a:effectRef idx="0">
-        <a:scrgbClr r="0" g="0" b="0"/>
-      </a:effectRef>
-      <a:fontRef idx="minor">
-        <a:schemeClr val="tx1"/>
-      </a:fontRef>
-    </dgm:style>
-  </dgm:styleLbl>
-  <dgm:styleLbl name="alignNode1">
-    <dgm:scene3d>
-      <a:camera prst="orthographicFront"/>
-      <a:lightRig rig="threePt" dir="t"/>
-    </dgm:scene3d>
-    <dgm:sp3d/>
-    <dgm:txPr/>
-    <dgm:style>
-      <a:lnRef idx="1">
-        <a:scrgbClr r="0" g="0" b="0"/>
-      </a:lnRef>
-      <a:fillRef idx="3">
-        <a:scrgbClr r="0" g="0" b="0"/>
-      </a:fillRef>
-      <a:effectRef idx="2">
-        <a:scrgbClr r="0" g="0" b="0"/>
-      </a:effectRef>
-      <a:fontRef idx="minor">
-        <a:schemeClr val="lt1"/>
-      </a:fontRef>
-    </dgm:style>
-  </dgm:styleLbl>
-  <dgm:styleLbl name="node1">
-    <dgm:scene3d>
-      <a:camera prst="orthographicFront"/>
-      <a:lightRig rig="threePt" dir="t"/>
-    </dgm:scene3d>
-    <dgm:sp3d/>
-    <dgm:txPr/>
-    <dgm:style>
-      <a:lnRef idx="0">
-        <a:scrgbClr r="0" g="0" b="0"/>
-      </a:lnRef>
-      <a:fillRef idx="3">
-        <a:scrgbClr r="0" g="0" b="0"/>
-      </a:fillRef>
-      <a:effectRef idx="2">
-        <a:scrgbClr r="0" g="0" b="0"/>
-      </a:effectRef>
-      <a:fontRef idx="minor">
-        <a:schemeClr val="lt1"/>
-      </a:fontRef>
-    </dgm:style>
-  </dgm:styleLbl>
-  <dgm:styleLbl name="node2">
-    <dgm:scene3d>
-      <a:camera prst="orthographicFront"/>
-      <a:lightRig rig="threePt" dir="t"/>
-    </dgm:scene3d>
-    <dgm:sp3d/>
-    <dgm:txPr/>
-    <dgm:style>
-      <a:lnRef idx="0">
-        <a:scrgbClr r="0" g="0" b="0"/>
-      </a:lnRef>
-      <a:fillRef idx="3">
-        <a:scrgbClr r="0" g="0" b="0"/>
-      </a:fillRef>
-      <a:effectRef idx="2">
-        <a:scrgbClr r="0" g="0" b="0"/>
-      </a:effectRef>
-      <a:fontRef idx="minor">
-        <a:schemeClr val="lt1"/>
-      </a:fontRef>
-    </dgm:style>
-  </dgm:styleLbl>
-  <dgm:styleLbl name="node3">
-    <dgm:scene3d>
-      <a:camera prst="orthographicFront"/>
-      <a:lightRig rig="threePt" dir="t"/>
-    </dgm:scene3d>
-    <dgm:sp3d/>
-    <dgm:txPr/>
-    <dgm:style>
-      <a:lnRef idx="0">
-        <a:scrgbClr r="0" g="0" b="0"/>
-      </a:lnRef>
-      <a:fillRef idx="3">
-        <a:scrgbClr r="0" g="0" b="0"/>
-      </a:fillRef>
-      <a:effectRef idx="2">
-        <a:scrgbClr r="0" g="0" b="0"/>
-      </a:effectRef>
-      <a:fontRef idx="minor">
-        <a:schemeClr val="lt1"/>
-      </a:fontRef>
-    </dgm:style>
-  </dgm:styleLbl>
-  <dgm:styleLbl name="node4">
-    <dgm:scene3d>
-      <a:camera prst="orthographicFront"/>
-      <a:lightRig rig="threePt" dir="t"/>
-    </dgm:scene3d>
-    <dgm:sp3d/>
-    <dgm:txPr/>
-    <dgm:style>
-      <a:lnRef idx="0">
-        <a:scrgbClr r="0" g="0" b="0"/>
-      </a:lnRef>
-      <a:fillRef idx="3">
-        <a:scrgbClr r="0" g="0" b="0"/>
-      </a:fillRef>
-      <a:effectRef idx="2">
-        <a:scrgbClr r="0" g="0" b="0"/>
-      </a:effectRef>
-      <a:fontRef idx="minor">
-        <a:schemeClr val="lt1"/>
-      </a:fontRef>
-    </dgm:style>
-  </dgm:styleLbl>
-  <dgm:styleLbl name="fgImgPlace1">
-    <dgm:scene3d>
-      <a:camera prst="orthographicFront"/>
-      <a:lightRig rig="threePt" dir="t"/>
-    </dgm:scene3d>
-    <dgm:sp3d/>
-    <dgm:txPr/>
-    <dgm:style>
-      <a:lnRef idx="0">
-        <a:scrgbClr r="0" g="0" b="0"/>
-      </a:lnRef>
-      <a:fillRef idx="1">
-        <a:scrgbClr r="0" g="0" b="0"/>
-      </a:fillRef>
-      <a:effectRef idx="2">
-        <a:scrgbClr r="0" g="0" b="0"/>
-      </a:effectRef>
-      <a:fontRef idx="minor"/>
-    </dgm:style>
-  </dgm:styleLbl>
-  <dgm:styleLbl name="alignImgPlace1">
-    <dgm:scene3d>
-      <a:camera prst="orthographicFront"/>
-      <a:lightRig rig="threePt" dir="t"/>
-    </dgm:scene3d>
-    <dgm:sp3d/>
-    <dgm:txPr/>
-    <dgm:style>
-      <a:lnRef idx="0">
-        <a:scrgbClr r="0" g="0" b="0"/>
-      </a:lnRef>
-      <a:fillRef idx="1">
-        <a:scrgbClr r="0" g="0" b="0"/>
-      </a:fillRef>
-      <a:effectRef idx="2">
-        <a:scrgbClr r="0" g="0" b="0"/>
-      </a:effectRef>
-      <a:fontRef idx="minor"/>
-    </dgm:style>
-  </dgm:styleLbl>
-  <dgm:styleLbl name="bgImgPlace1">
-    <dgm:scene3d>
-      <a:camera prst="orthographicFront"/>
-      <a:lightRig rig="threePt" dir="t"/>
-    </dgm:scene3d>
-    <dgm:sp3d/>
-    <dgm:txPr/>
-    <dgm:style>
-      <a:lnRef idx="0">
-        <a:scrgbClr r="0" g="0" b="0"/>
-      </a:lnRef>
-      <a:fillRef idx="1">
-        <a:scrgbClr r="0" g="0" b="0"/>
-      </a:fillRef>
-      <a:effectRef idx="2">
-        <a:scrgbClr r="0" g="0" b="0"/>
-      </a:effectRef>
-      <a:fontRef idx="minor"/>
-    </dgm:style>
-  </dgm:styleLbl>
-  <dgm:styleLbl name="sibTrans2D1">
-    <dgm:scene3d>
-      <a:camera prst="orthographicFront"/>
-      <a:lightRig rig="threePt" dir="t"/>
-    </dgm:scene3d>
-    <dgm:sp3d/>
-    <dgm:txPr/>
-    <dgm:style>
-      <a:lnRef idx="0">
-        <a:scrgbClr r="0" g="0" b="0"/>
-      </a:lnRef>
-      <a:fillRef idx="3">
-        <a:scrgbClr r="0" g="0" b="0"/>
-      </a:fillRef>
-      <a:effectRef idx="2">
-        <a:scrgbClr r="0" g="0" b="0"/>
-      </a:effectRef>
-      <a:fontRef idx="minor">
-        <a:schemeClr val="lt1"/>
-      </a:fontRef>
-    </dgm:style>
-  </dgm:styleLbl>
-  <dgm:styleLbl name="fgSibTrans2D1">
-    <dgm:scene3d>
-      <a:camera prst="orthographicFront"/>
-      <a:lightRig rig="threePt" dir="t"/>
-    </dgm:scene3d>
-    <dgm:sp3d/>
-    <dgm:txPr/>
-    <dgm:style>
-      <a:lnRef idx="0">
-        <a:scrgbClr r="0" g="0" b="0"/>
-      </a:lnRef>
-      <a:fillRef idx="3">
-        <a:scrgbClr r="0" g="0" b="0"/>
-      </a:fillRef>
-      <a:effectRef idx="2">
-        <a:scrgbClr r="0" g="0" b="0"/>
-      </a:effectRef>
-      <a:fontRef idx="minor">
-        <a:schemeClr val="lt1"/>
-      </a:fontRef>
-    </dgm:style>
-  </dgm:styleLbl>
-  <dgm:styleLbl name="bgSibTrans2D1">
-    <dgm:scene3d>
-      <a:camera prst="orthographicFront"/>
-      <a:lightRig rig="threePt" dir="t"/>
-    </dgm:scene3d>
-    <dgm:sp3d/>
-    <dgm:txPr/>
-    <dgm:style>
-      <a:lnRef idx="0">
-        <a:scrgbClr r="0" g="0" b="0"/>
-      </a:lnRef>
-      <a:fillRef idx="3">
-        <a:scrgbClr r="0" g="0" b="0"/>
-      </a:fillRef>
-      <a:effectRef idx="2">
-        <a:scrgbClr r="0" g="0" b="0"/>
-      </a:effectRef>
-      <a:fontRef idx="minor">
-        <a:schemeClr val="lt1"/>
-      </a:fontRef>
-    </dgm:style>
-  </dgm:styleLbl>
-  <dgm:styleLbl name="sibTrans1D1">
-    <dgm:scene3d>
-      <a:camera prst="orthographicFront"/>
-      <a:lightRig rig="threePt" dir="t"/>
-    </dgm:scene3d>
-    <dgm:sp3d/>
-    <dgm:txPr/>
-    <dgm:style>
-      <a:lnRef idx="1">
-        <a:scrgbClr r="0" g="0" b="0"/>
-      </a:lnRef>
-      <a:fillRef idx="0">
-        <a:scrgbClr r="0" g="0" b="0"/>
-      </a:fillRef>
-      <a:effectRef idx="0">
-        <a:scrgbClr r="0" g="0" b="0"/>
-      </a:effectRef>
-      <a:fontRef idx="minor"/>
-    </dgm:style>
-  </dgm:styleLbl>
-  <dgm:styleLbl name="callout">
-    <dgm:scene3d>
-      <a:camera prst="orthographicFront"/>
-      <a:lightRig rig="threePt" dir="t"/>
-    </dgm:scene3d>
-    <dgm:sp3d/>
-    <dgm:txPr/>
-    <dgm:style>
-      <a:lnRef idx="2">
-        <a:scrgbClr r="0" g="0" b="0"/>
-      </a:lnRef>
-      <a:fillRef idx="1">
-        <a:scrgbClr r="0" g="0" b="0"/>
-      </a:fillRef>
-      <a:effectRef idx="1">
-        <a:scrgbClr r="0" g="0" b="0"/>
-      </a:effectRef>
-      <a:fontRef idx="minor"/>
-    </dgm:style>
-  </dgm:styleLbl>
-  <dgm:styleLbl name="asst0">
-    <dgm:scene3d>
-      <a:camera prst="orthographicFront"/>
-      <a:lightRig rig="threePt" dir="t"/>
-    </dgm:scene3d>
-    <dgm:sp3d/>
-    <dgm:txPr/>
-    <dgm:style>
-      <a:lnRef idx="0">
-        <a:scrgbClr r="0" g="0" b="0"/>
-      </a:lnRef>
-      <a:fillRef idx="3">
-        <a:scrgbClr r="0" g="0" b="0"/>
-      </a:fillRef>
-      <a:effectRef idx="2">
-        <a:scrgbClr r="0" g="0" b="0"/>
-      </a:effectRef>
-      <a:fontRef idx="minor">
-        <a:schemeClr val="lt1"/>
-      </a:fontRef>
-    </dgm:style>
-  </dgm:styleLbl>
-  <dgm:styleLbl name="asst1">
-    <dgm:scene3d>
-      <a:camera prst="orthographicFront"/>
-      <a:lightRig rig="threePt" dir="t"/>
-    </dgm:scene3d>
-    <dgm:sp3d/>
-    <dgm:txPr/>
-    <dgm:style>
-      <a:lnRef idx="0">
-        <a:scrgbClr r="0" g="0" b="0"/>
-      </a:lnRef>
-      <a:fillRef idx="3">
-        <a:scrgbClr r="0" g="0" b="0"/>
-      </a:fillRef>
-      <a:effectRef idx="2">
-        <a:scrgbClr r="0" g="0" b="0"/>
-      </a:effectRef>
-      <a:fontRef idx="minor">
-        <a:schemeClr val="lt1"/>
-      </a:fontRef>
-    </dgm:style>
-  </dgm:styleLbl>
-  <dgm:styleLbl name="asst2">
-    <dgm:scene3d>
-      <a:camera prst="orthographicFront"/>
-      <a:lightRig rig="threePt" dir="t"/>
-    </dgm:scene3d>
-    <dgm:sp3d/>
-    <dgm:txPr/>
-    <dgm:style>
-      <a:lnRef idx="0">
-        <a:scrgbClr r="0" g="0" b="0"/>
-      </a:lnRef>
-      <a:fillRef idx="3">
-        <a:scrgbClr r="0" g="0" b="0"/>
-      </a:fillRef>
-      <a:effectRef idx="2">
-        <a:scrgbClr r="0" g="0" b="0"/>
-      </a:effectRef>
-      <a:fontRef idx="minor">
-        <a:schemeClr val="lt1"/>
-      </a:fontRef>
-    </dgm:style>
-  </dgm:styleLbl>
-  <dgm:styleLbl name="asst3">
-    <dgm:scene3d>
-      <a:camera prst="orthographicFront"/>
-      <a:lightRig rig="threePt" dir="t"/>
-    </dgm:scene3d>
-    <dgm:sp3d/>
-    <dgm:txPr/>
-    <dgm:style>
-      <a:lnRef idx="0">
-        <a:scrgbClr r="0" g="0" b="0"/>
-      </a:lnRef>
-      <a:fillRef idx="3">
-        <a:scrgbClr r="0" g="0" b="0"/>
-      </a:fillRef>
-      <a:effectRef idx="2">
-        <a:scrgbClr r="0" g="0" b="0"/>
-      </a:effectRef>
-      <a:fontRef idx="minor">
-        <a:schemeClr val="lt1"/>
-      </a:fontRef>
-    </dgm:style>
-  </dgm:styleLbl>
-  <dgm:styleLbl name="asst4">
-    <dgm:scene3d>
-      <a:camera prst="orthographicFront"/>
-      <a:lightRig rig="threePt" dir="t"/>
-    </dgm:scene3d>
-    <dgm:sp3d/>
-    <dgm:txPr/>
-    <dgm:style>
-      <a:lnRef idx="0">
-        <a:scrgbClr r="0" g="0" b="0"/>
-      </a:lnRef>
-      <a:fillRef idx="3">
-        <a:scrgbClr r="0" g="0" b="0"/>
-      </a:fillRef>
-      <a:effectRef idx="2">
-        <a:scrgbClr r="0" g="0" b="0"/>
-      </a:effectRef>
-      <a:fontRef idx="minor">
-        <a:schemeClr val="lt1"/>
-      </a:fontRef>
-    </dgm:style>
-  </dgm:styleLbl>
-  <dgm:styleLbl name="parChTrans2D1">
-    <dgm:scene3d>
-      <a:camera prst="orthographicFront"/>
-      <a:lightRig rig="threePt" dir="t"/>
-    </dgm:scene3d>
-    <dgm:sp3d/>
-    <dgm:txPr/>
-    <dgm:style>
-      <a:lnRef idx="0">
-        <a:scrgbClr r="0" g="0" b="0"/>
-      </a:lnRef>
-      <a:fillRef idx="3">
-        <a:scrgbClr r="0" g="0" b="0"/>
-      </a:fillRef>
-      <a:effectRef idx="2">
-        <a:scrgbClr r="0" g="0" b="0"/>
-      </a:effectRef>
-      <a:fontRef idx="minor">
-        <a:schemeClr val="lt1"/>
-      </a:fontRef>
-    </dgm:style>
-  </dgm:styleLbl>
-  <dgm:styleLbl name="parChTrans2D2">
-    <dgm:scene3d>
-      <a:camera prst="orthographicFront"/>
-      <a:lightRig rig="threePt" dir="t"/>
-    </dgm:scene3d>
-    <dgm:sp3d/>
-    <dgm:txPr/>
-    <dgm:style>
-      <a:lnRef idx="0">
-        <a:scrgbClr r="0" g="0" b="0"/>
-      </a:lnRef>
-      <a:fillRef idx="3">
-        <a:scrgbClr r="0" g="0" b="0"/>
-      </a:fillRef>
-      <a:effectRef idx="2">
-        <a:scrgbClr r="0" g="0" b="0"/>
-      </a:effectRef>
-      <a:fontRef idx="minor">
-        <a:schemeClr val="lt1"/>
-      </a:fontRef>
-    </dgm:style>
-  </dgm:styleLbl>
-  <dgm:styleLbl name="parChTrans2D3">
-    <dgm:scene3d>
-      <a:camera prst="orthographicFront"/>
-      <a:lightRig rig="threePt" dir="t"/>
-    </dgm:scene3d>
-    <dgm:sp3d/>
-    <dgm:txPr/>
-    <dgm:style>
-      <a:lnRef idx="1">
-        <a:scrgbClr r="0" g="0" b="0"/>
-      </a:lnRef>
-      <a:fillRef idx="3">
-        <a:scrgbClr r="0" g="0" b="0"/>
-      </a:fillRef>
-      <a:effectRef idx="2">
-        <a:scrgbClr r="0" g="0" b="0"/>
-      </a:effectRef>
-      <a:fontRef idx="minor">
-        <a:schemeClr val="lt1"/>
-      </a:fontRef>
-    </dgm:style>
-  </dgm:styleLbl>
-  <dgm:styleLbl name="parChTrans2D4">
-    <dgm:scene3d>
-      <a:camera prst="orthographicFront"/>
-      <a:lightRig rig="threePt" dir="t"/>
-    </dgm:scene3d>
-    <dgm:sp3d/>
-    <dgm:txPr/>
-    <dgm:style>
-      <a:lnRef idx="1">
-        <a:scrgbClr r="0" g="0" b="0"/>
-      </a:lnRef>
-      <a:fillRef idx="3">
-        <a:scrgbClr r="0" g="0" b="0"/>
-      </a:fillRef>
-      <a:effectRef idx="2">
-        <a:scrgbClr r="0" g="0" b="0"/>
-      </a:effectRef>
-      <a:fontRef idx="minor">
-        <a:schemeClr val="lt1"/>
-      </a:fontRef>
-    </dgm:style>
-  </dgm:styleLbl>
-  <dgm:styleLbl name="parChTrans1D1">
-    <dgm:scene3d>
-      <a:camera prst="orthographicFront"/>
-      <a:lightRig rig="threePt" dir="t"/>
-    </dgm:scene3d>
-    <dgm:sp3d/>
-    <dgm:txPr/>
-    <dgm:style>
-      <a:lnRef idx="1">
-        <a:scrgbClr r="0" g="0" b="0"/>
-      </a:lnRef>
-      <a:fillRef idx="0">
-        <a:scrgbClr r="0" g="0" b="0"/>
-      </a:fillRef>
-      <a:effectRef idx="0">
-        <a:scrgbClr r="0" g="0" b="0"/>
-      </a:effectRef>
-      <a:fontRef idx="minor"/>
-    </dgm:style>
-  </dgm:styleLbl>
-  <dgm:styleLbl name="parChTrans1D2">
-    <dgm:scene3d>
-      <a:camera prst="orthographicFront"/>
-      <a:lightRig rig="threePt" dir="t"/>
-    </dgm:scene3d>
-    <dgm:sp3d/>
-    <dgm:txPr/>
-    <dgm:style>
-      <a:lnRef idx="1">
-        <a:scrgbClr r="0" g="0" b="0"/>
-      </a:lnRef>
-      <a:fillRef idx="0">
-        <a:scrgbClr r="0" g="0" b="0"/>
-      </a:fillRef>
-      <a:effectRef idx="0">
-        <a:scrgbClr r="0" g="0" b="0"/>
-      </a:effectRef>
-      <a:fontRef idx="minor"/>
-    </dgm:style>
-  </dgm:styleLbl>
-  <dgm:styleLbl name="parChTrans1D3">
-    <dgm:scene3d>
-      <a:camera prst="orthographicFront"/>
-      <a:lightRig rig="threePt" dir="t"/>
-    </dgm:scene3d>
-    <dgm:sp3d/>
-    <dgm:txPr/>
-    <dgm:style>
-      <a:lnRef idx="1">
-        <a:scrgbClr r="0" g="0" b="0"/>
-      </a:lnRef>
-      <a:fillRef idx="0">
-        <a:scrgbClr r="0" g="0" b="0"/>
-      </a:fillRef>
-      <a:effectRef idx="0">
-        <a:scrgbClr r="0" g="0" b="0"/>
-      </a:effectRef>
-      <a:fontRef idx="minor"/>
-    </dgm:style>
-  </dgm:styleLbl>
-  <dgm:styleLbl name="parChTrans1D4">
-    <dgm:scene3d>
-      <a:camera prst="orthographicFront"/>
-      <a:lightRig rig="threePt" dir="t"/>
-    </dgm:scene3d>
-    <dgm:sp3d/>
-    <dgm:txPr/>
-    <dgm:style>
-      <a:lnRef idx="1">
-        <a:scrgbClr r="0" g="0" b="0"/>
-      </a:lnRef>
-      <a:fillRef idx="0">
-        <a:scrgbClr r="0" g="0" b="0"/>
-      </a:fillRef>
-      <a:effectRef idx="0">
-        <a:scrgbClr r="0" g="0" b="0"/>
-      </a:effectRef>
-      <a:fontRef idx="minor"/>
-    </dgm:style>
-  </dgm:styleLbl>
-  <dgm:styleLbl name="fgAcc1">
-    <dgm:scene3d>
-      <a:camera prst="orthographicFront"/>
-      <a:lightRig rig="threePt" dir="t"/>
-    </dgm:scene3d>
-    <dgm:sp3d/>
-    <dgm:txPr/>
-    <dgm:style>
-      <a:lnRef idx="1">
-        <a:scrgbClr r="0" g="0" b="0"/>
-      </a:lnRef>
-      <a:fillRef idx="1">
-        <a:scrgbClr r="0" g="0" b="0"/>
-      </a:fillRef>
-      <a:effectRef idx="0">
-        <a:scrgbClr r="0" g="0" b="0"/>
-      </a:effectRef>
-      <a:fontRef idx="minor"/>
-    </dgm:style>
-  </dgm:styleLbl>
-  <dgm:styleLbl name="conFgAcc1">
-    <dgm:scene3d>
-      <a:camera prst="orthographicFront"/>
-      <a:lightRig rig="threePt" dir="t"/>
-    </dgm:scene3d>
-    <dgm:sp3d/>
-    <dgm:txPr/>
-    <dgm:style>
-      <a:lnRef idx="1">
-        <a:scrgbClr r="0" g="0" b="0"/>
-      </a:lnRef>
-      <a:fillRef idx="1">
-        <a:scrgbClr r="0" g="0" b="0"/>
-      </a:fillRef>
-      <a:effectRef idx="0">
-        <a:scrgbClr r="0" g="0" b="0"/>
-      </a:effectRef>
-      <a:fontRef idx="minor"/>
-    </dgm:style>
-  </dgm:styleLbl>
-  <dgm:styleLbl name="alignAcc1">
-    <dgm:scene3d>
-      <a:camera prst="orthographicFront"/>
-      <a:lightRig rig="threePt" dir="t"/>
-    </dgm:scene3d>
-    <dgm:sp3d/>
-    <dgm:txPr/>
-    <dgm:style>
-      <a:lnRef idx="1">
-        <a:scrgbClr r="0" g="0" b="0"/>
-      </a:lnRef>
-      <a:fillRef idx="1">
-        <a:scrgbClr r="0" g="0" b="0"/>
-      </a:fillRef>
-      <a:effectRef idx="0">
-        <a:scrgbClr r="0" g="0" b="0"/>
-      </a:effectRef>
-      <a:fontRef idx="minor"/>
-    </dgm:style>
-  </dgm:styleLbl>
-  <dgm:styleLbl name="trAlignAcc1">
-    <dgm:scene3d>
-      <a:camera prst="orthographicFront"/>
-      <a:lightRig rig="threePt" dir="t"/>
-    </dgm:scene3d>
-    <dgm:sp3d/>
-    <dgm:txPr/>
-    <dgm:style>
-      <a:lnRef idx="1">
-        <a:scrgbClr r="0" g="0" b="0"/>
-      </a:lnRef>
-      <a:fillRef idx="1">
-        <a:scrgbClr r="0" g="0" b="0"/>
-      </a:fillRef>
-      <a:effectRef idx="0">
-        <a:scrgbClr r="0" g="0" b="0"/>
-      </a:effectRef>
-      <a:fontRef idx="minor"/>
-    </dgm:style>
-  </dgm:styleLbl>
-  <dgm:styleLbl name="bgAcc1">
-    <dgm:scene3d>
-      <a:camera prst="orthographicFront"/>
-      <a:lightRig rig="threePt" dir="t"/>
-    </dgm:scene3d>
-    <dgm:sp3d/>
-    <dgm:txPr/>
-    <dgm:style>
-      <a:lnRef idx="1">
-        <a:scrgbClr r="0" g="0" b="0"/>
-      </a:lnRef>
-      <a:fillRef idx="1">
-        <a:scrgbClr r="0" g="0" b="0"/>
-      </a:fillRef>
-      <a:effectRef idx="0">
-        <a:scrgbClr r="0" g="0" b="0"/>
-      </a:effectRef>
-      <a:fontRef idx="minor"/>
-    </dgm:style>
-  </dgm:styleLbl>
-  <dgm:styleLbl name="solidFgAcc1">
-    <dgm:scene3d>
-      <a:camera prst="orthographicFront"/>
-      <a:lightRig rig="threePt" dir="t"/>
-    </dgm:scene3d>
-    <dgm:sp3d/>
-    <dgm:txPr/>
-    <dgm:style>
-      <a:lnRef idx="1">
-        <a:scrgbClr r="0" g="0" b="0"/>
-      </a:lnRef>
-      <a:fillRef idx="1">
-        <a:scrgbClr r="0" g="0" b="0"/>
-      </a:fillRef>
-      <a:effectRef idx="0">
-        <a:scrgbClr r="0" g="0" b="0"/>
-      </a:effectRef>
-      <a:fontRef idx="minor"/>
-    </dgm:style>
-  </dgm:styleLbl>
-  <dgm:styleLbl name="solidAlignAcc1">
-    <dgm:scene3d>
-      <a:camera prst="orthographicFront"/>
-      <a:lightRig rig="threePt" dir="t"/>
-    </dgm:scene3d>
-    <dgm:sp3d/>
-    <dgm:txPr/>
-    <dgm:style>
-      <a:lnRef idx="1">
-        <a:scrgbClr r="0" g="0" b="0"/>
-      </a:lnRef>
-      <a:fillRef idx="1">
-        <a:scrgbClr r="0" g="0" b="0"/>
-      </a:fillRef>
-      <a:effectRef idx="0">
-        <a:scrgbClr r="0" g="0" b="0"/>
-      </a:effectRef>
-      <a:fontRef idx="minor"/>
-    </dgm:style>
-  </dgm:styleLbl>
-  <dgm:styleLbl name="solidBgAcc1">
-    <dgm:scene3d>
-      <a:camera prst="orthographicFront"/>
-      <a:lightRig rig="threePt" dir="t"/>
-    </dgm:scene3d>
-    <dgm:sp3d/>
-    <dgm:txPr/>
-    <dgm:style>
-      <a:lnRef idx="1">
-        <a:scrgbClr r="0" g="0" b="0"/>
-      </a:lnRef>
-      <a:fillRef idx="1">
-        <a:scrgbClr r="0" g="0" b="0"/>
-      </a:fillRef>
-      <a:effectRef idx="0">
-        <a:scrgbClr r="0" g="0" b="0"/>
-      </a:effectRef>
-      <a:fontRef idx="minor"/>
-    </dgm:style>
-  </dgm:styleLbl>
-  <dgm:styleLbl name="fgAccFollowNode1">
-    <dgm:scene3d>
-      <a:camera prst="orthographicFront"/>
-      <a:lightRig rig="threePt" dir="t"/>
-    </dgm:scene3d>
-    <dgm:sp3d/>
-    <dgm:txPr/>
-    <dgm:style>
-      <a:lnRef idx="1">
-        <a:scrgbClr r="0" g="0" b="0"/>
-      </a:lnRef>
-      <a:fillRef idx="1">
-        <a:scrgbClr r="0" g="0" b="0"/>
-      </a:fillRef>
-      <a:effectRef idx="0">
-        <a:scrgbClr r="0" g="0" b="0"/>
-      </a:effectRef>
-      <a:fontRef idx="minor"/>
-    </dgm:style>
-  </dgm:styleLbl>
-  <dgm:styleLbl name="alignAccFollowNode1">
-    <dgm:scene3d>
-      <a:camera prst="orthographicFront"/>
-      <a:lightRig rig="threePt" dir="t"/>
-    </dgm:scene3d>
-    <dgm:sp3d/>
-    <dgm:txPr/>
-    <dgm:style>
-      <a:lnRef idx="1">
-        <a:scrgbClr r="0" g="0" b="0"/>
-      </a:lnRef>
-      <a:fillRef idx="1">
-        <a:scrgbClr r="0" g="0" b="0"/>
-      </a:fillRef>
-      <a:effectRef idx="0">
-        <a:scrgbClr r="0" g="0" b="0"/>
-      </a:effectRef>
-      <a:fontRef idx="minor"/>
-    </dgm:style>
-  </dgm:styleLbl>
-  <dgm:styleLbl name="bgAccFollowNode1">
-    <dgm:scene3d>
-      <a:camera prst="orthographicFront"/>
-      <a:lightRig rig="threePt" dir="t"/>
-    </dgm:scene3d>
-    <dgm:sp3d/>
-    <dgm:txPr/>
-    <dgm:style>
-      <a:lnRef idx="1">
-        <a:scrgbClr r="0" g="0" b="0"/>
-      </a:lnRef>
-      <a:fillRef idx="1">
-        <a:scrgbClr r="0" g="0" b="0"/>
-      </a:fillRef>
-      <a:effectRef idx="0">
-        <a:scrgbClr r="0" g="0" b="0"/>
-      </a:effectRef>
-      <a:fontRef idx="minor"/>
-    </dgm:style>
-  </dgm:styleLbl>
-  <dgm:styleLbl name="fgAcc0">
-    <dgm:scene3d>
-      <a:camera prst="orthographicFront"/>
-      <a:lightRig rig="threePt" dir="t"/>
-    </dgm:scene3d>
-    <dgm:sp3d/>
-    <dgm:txPr/>
-    <dgm:style>
-      <a:lnRef idx="1">
-        <a:scrgbClr r="0" g="0" b="0"/>
-      </a:lnRef>
-      <a:fillRef idx="1">
-        <a:scrgbClr r="0" g="0" b="0"/>
-      </a:fillRef>
-      <a:effectRef idx="0">
-        <a:scrgbClr r="0" g="0" b="0"/>
-      </a:effectRef>
-      <a:fontRef idx="minor"/>
-    </dgm:style>
-  </dgm:styleLbl>
-  <dgm:styleLbl name="fgAcc2">
-    <dgm:scene3d>
-      <a:camera prst="orthographicFront"/>
-      <a:lightRig rig="threePt" dir="t"/>
-    </dgm:scene3d>
-    <dgm:sp3d/>
-    <dgm:txPr/>
-    <dgm:style>
-      <a:lnRef idx="1">
-        <a:scrgbClr r="0" g="0" b="0"/>
-      </a:lnRef>
-      <a:fillRef idx="1">
-        <a:scrgbClr r="0" g="0" b="0"/>
-      </a:fillRef>
-      <a:effectRef idx="0">
-        <a:scrgbClr r="0" g="0" b="0"/>
-      </a:effectRef>
-      <a:fontRef idx="minor"/>
-    </dgm:style>
-  </dgm:styleLbl>
-  <dgm:styleLbl name="fgAcc3">
-    <dgm:scene3d>
-      <a:camera prst="orthographicFront"/>
-      <a:lightRig rig="threePt" dir="t"/>
-    </dgm:scene3d>
-    <dgm:sp3d/>
-    <dgm:txPr/>
-    <dgm:style>
-      <a:lnRef idx="1">
-        <a:scrgbClr r="0" g="0" b="0"/>
-      </a:lnRef>
-      <a:fillRef idx="1">
-        <a:scrgbClr r="0" g="0" b="0"/>
-      </a:fillRef>
-      <a:effectRef idx="0">
-        <a:scrgbClr r="0" g="0" b="0"/>
-      </a:effectRef>
-      <a:fontRef idx="minor"/>
-    </dgm:style>
-  </dgm:styleLbl>
-  <dgm:styleLbl name="fgAcc4">
-    <dgm:scene3d>
-      <a:camera prst="orthographicFront"/>
-      <a:lightRig rig="threePt" dir="t"/>
-    </dgm:scene3d>
-    <dgm:sp3d/>
-    <dgm:txPr/>
-    <dgm:style>
-      <a:lnRef idx="1">
-        <a:scrgbClr r="0" g="0" b="0"/>
-      </a:lnRef>
-      <a:fillRef idx="1">
-        <a:scrgbClr r="0" g="0" b="0"/>
-      </a:fillRef>
-      <a:effectRef idx="0">
-        <a:scrgbClr r="0" g="0" b="0"/>
-      </a:effectRef>
-      <a:fontRef idx="minor"/>
-    </dgm:style>
-  </dgm:styleLbl>
-  <dgm:styleLbl name="bgShp">
-    <dgm:scene3d>
-      <a:camera prst="orthographicFront"/>
-      <a:lightRig rig="threePt" dir="t"/>
-    </dgm:scene3d>
-    <dgm:sp3d/>
-    <dgm:txPr/>
-    <dgm:style>
-      <a:lnRef idx="0">
-        <a:scrgbClr r="0" g="0" b="0"/>
-      </a:lnRef>
-      <a:fillRef idx="1">
-        <a:scrgbClr r="0" g="0" b="0"/>
-      </a:fillRef>
-      <a:effectRef idx="2">
-        <a:scrgbClr r="0" g="0" b="0"/>
-      </a:effectRef>
-      <a:fontRef idx="minor"/>
-    </dgm:style>
-  </dgm:styleLbl>
-  <dgm:styleLbl name="dkBgShp">
-    <dgm:scene3d>
-      <a:camera prst="orthographicFront"/>
-      <a:lightRig rig="threePt" dir="t"/>
-    </dgm:scene3d>
-    <dgm:sp3d/>
-    <dgm:txPr/>
-    <dgm:style>
-      <a:lnRef idx="0">
-        <a:scrgbClr r="0" g="0" b="0"/>
-      </a:lnRef>
-      <a:fillRef idx="1">
-        <a:scrgbClr r="0" g="0" b="0"/>
-      </a:fillRef>
-      <a:effectRef idx="2">
-        <a:scrgbClr r="0" g="0" b="0"/>
-      </a:effectRef>
-      <a:fontRef idx="minor"/>
-    </dgm:style>
-  </dgm:styleLbl>
-  <dgm:styleLbl name="trBgShp">
-    <dgm:scene3d>
-      <a:camera prst="orthographicFront"/>
-      <a:lightRig rig="threePt" dir="t"/>
-    </dgm:scene3d>
-    <dgm:sp3d/>
-    <dgm:txPr/>
-    <dgm:style>
-      <a:lnRef idx="0">
-        <a:scrgbClr r="0" g="0" b="0"/>
-      </a:lnRef>
-      <a:fillRef idx="1">
-        <a:scrgbClr r="0" g="0" b="0"/>
-      </a:fillRef>
-      <a:effectRef idx="0">
-        <a:scrgbClr r="0" g="0" b="0"/>
-      </a:effectRef>
-      <a:fontRef idx="minor"/>
-    </dgm:style>
-  </dgm:styleLbl>
-  <dgm:styleLbl name="fgShp">
-    <dgm:scene3d>
-      <a:camera prst="orthographicFront"/>
-      <a:lightRig rig="threePt" dir="t"/>
-    </dgm:scene3d>
-    <dgm:sp3d/>
-    <dgm:txPr/>
-    <dgm:style>
-      <a:lnRef idx="0">
-        <a:scrgbClr r="0" g="0" b="0"/>
-      </a:lnRef>
-      <a:fillRef idx="3">
-        <a:scrgbClr r="0" g="0" b="0"/>
-      </a:fillRef>
-      <a:effectRef idx="2">
         <a:scrgbClr r="0" g="0" b="0"/>
       </a:effectRef>
       <a:fontRef idx="minor"/>
@@ -8712,7 +4710,7 @@
             <a:fld id="{810E1E9A-E921-4174-A0FC-51868D7AC568}" type="slidenum">
               <a:rPr lang="en-US" smtClean="0"/>
               <a:pPr/>
-              <a:t>7</a:t>
+              <a:t>6</a:t>
             </a:fld>
             <a:endParaRPr lang="en-US"/>
           </a:p>
@@ -8797,7 +4795,7 @@
             <a:fld id="{810E1E9A-E921-4174-A0FC-51868D7AC568}" type="slidenum">
               <a:rPr lang="en-US" smtClean="0"/>
               <a:pPr/>
-              <a:t>9</a:t>
+              <a:t>8</a:t>
             </a:fld>
             <a:endParaRPr lang="en-US"/>
           </a:p>
@@ -13185,236 +9183,6 @@
 </p:sld>
 </file>
 
-<file path=ppt/slides/slide10.xml><?xml version="1.0" encoding="utf-8"?>
-<p:sld xmlns:a="http://schemas.openxmlformats.org/drawingml/2006/main" xmlns:r="http://schemas.openxmlformats.org/officeDocument/2006/relationships" xmlns:p="http://schemas.openxmlformats.org/presentationml/2006/main">
-  <p:cSld>
-    <p:spTree>
-      <p:nvGrpSpPr>
-        <p:cNvPr id="1" name=""/>
-        <p:cNvGrpSpPr/>
-        <p:nvPr/>
-      </p:nvGrpSpPr>
-      <p:grpSpPr>
-        <a:xfrm>
-          <a:off x="0" y="0"/>
-          <a:ext cx="0" cy="0"/>
-          <a:chOff x="0" y="0"/>
-          <a:chExt cx="0" cy="0"/>
-        </a:xfrm>
-      </p:grpSpPr>
-      <p:sp>
-        <p:nvSpPr>
-          <p:cNvPr id="13" name="Title 12"/>
-          <p:cNvSpPr>
-            <a:spLocks noGrp="1"/>
-          </p:cNvSpPr>
-          <p:nvPr>
-            <p:ph type="title"/>
-          </p:nvPr>
-        </p:nvSpPr>
-        <p:spPr/>
-        <p:txBody>
-          <a:bodyPr/>
-          <a:lstStyle/>
-          <a:p>
-            <a:r>
-              <a:rPr lang="en-US" dirty="0"/>
-              <a:t>Non Functional Requirements	</a:t>
-            </a:r>
-          </a:p>
-        </p:txBody>
-      </p:sp>
-      <p:sp>
-        <p:nvSpPr>
-          <p:cNvPr id="14" name="Content Placeholder 13"/>
-          <p:cNvSpPr>
-            <a:spLocks noGrp="1"/>
-          </p:cNvSpPr>
-          <p:nvPr>
-            <p:ph idx="1"/>
-          </p:nvPr>
-        </p:nvSpPr>
-        <p:spPr/>
-        <p:txBody>
-          <a:bodyPr>
-            <a:normAutofit/>
-          </a:bodyPr>
-          <a:lstStyle/>
-          <a:p>
-            <a:pPr marL="457200" lvl="0" indent="-457200">
-              <a:buFont typeface="+mj-lt"/>
-              <a:buAutoNum type="arabicPeriod"/>
-            </a:pPr>
-            <a:r>
-              <a:rPr lang="en-US" dirty="0"/>
-              <a:t>Reachable through the internet</a:t>
-            </a:r>
-          </a:p>
-          <a:p>
-            <a:pPr marL="457200" lvl="0" indent="-457200">
-              <a:buFont typeface="+mj-lt"/>
-              <a:buAutoNum type="arabicPeriod"/>
-            </a:pPr>
-            <a:r>
-              <a:rPr lang="en-US" dirty="0"/>
-              <a:t>Easy to install</a:t>
-            </a:r>
-          </a:p>
-          <a:p>
-            <a:pPr marL="457200" lvl="0" indent="-457200">
-              <a:buFont typeface="+mj-lt"/>
-              <a:buAutoNum type="arabicPeriod"/>
-            </a:pPr>
-            <a:r>
-              <a:rPr lang="en-US" dirty="0"/>
-              <a:t>Responsive web design</a:t>
-            </a:r>
-          </a:p>
-          <a:p>
-            <a:pPr marL="457200" lvl="0" indent="-457200">
-              <a:buFont typeface="+mj-lt"/>
-              <a:buAutoNum type="arabicPeriod"/>
-            </a:pPr>
-            <a:r>
-              <a:rPr lang="en-US" dirty="0"/>
-              <a:t>High availability</a:t>
-            </a:r>
-          </a:p>
-          <a:p>
-            <a:pPr marL="457200" lvl="0" indent="-457200">
-              <a:buFont typeface="+mj-lt"/>
-              <a:buAutoNum type="arabicPeriod"/>
-            </a:pPr>
-            <a:r>
-              <a:rPr lang="en-US" dirty="0"/>
-              <a:t>Encrypted passwords</a:t>
-            </a:r>
-          </a:p>
-          <a:p>
-            <a:pPr marL="457200" lvl="0" indent="-457200">
-              <a:buFont typeface="+mj-lt"/>
-              <a:buAutoNum type="arabicPeriod"/>
-            </a:pPr>
-            <a:r>
-              <a:rPr lang="en-US" dirty="0"/>
-              <a:t>HTTPS protocol</a:t>
-            </a:r>
-          </a:p>
-          <a:p>
-            <a:pPr marL="457200" lvl="0" indent="-457200">
-              <a:buFont typeface="+mj-lt"/>
-              <a:buAutoNum type="arabicPeriod"/>
-            </a:pPr>
-            <a:r>
-              <a:rPr lang="en-US" dirty="0"/>
-              <a:t>High performance</a:t>
-            </a:r>
-          </a:p>
-        </p:txBody>
-      </p:sp>
-    </p:spTree>
-    <p:extLst>
-      <p:ext uri="{BB962C8B-B14F-4D97-AF65-F5344CB8AC3E}">
-        <p14:creationId xmlns:p14="http://schemas.microsoft.com/office/powerpoint/2010/main" val="2957792309"/>
-      </p:ext>
-    </p:extLst>
-  </p:cSld>
-  <p:clrMapOvr>
-    <a:masterClrMapping/>
-  </p:clrMapOvr>
-  <mc:AlternateContent xmlns:mc="http://schemas.openxmlformats.org/markup-compatibility/2006">
-    <mc:Choice xmlns:p14="http://schemas.microsoft.com/office/powerpoint/2010/main" Requires="p14">
-      <p:transition spd="med" p14:dur="700">
-        <p:fade/>
-      </p:transition>
-    </mc:Choice>
-    <mc:Fallback>
-      <p:transition spd="med">
-        <p:fade/>
-      </p:transition>
-    </mc:Fallback>
-  </mc:AlternateContent>
-</p:sld>
-</file>
-
-<file path=ppt/slides/slide11.xml><?xml version="1.0" encoding="utf-8"?>
-<p:sld xmlns:a="http://schemas.openxmlformats.org/drawingml/2006/main" xmlns:r="http://schemas.openxmlformats.org/officeDocument/2006/relationships" xmlns:p="http://schemas.openxmlformats.org/presentationml/2006/main">
-  <p:cSld>
-    <p:spTree>
-      <p:nvGrpSpPr>
-        <p:cNvPr id="1" name=""/>
-        <p:cNvGrpSpPr/>
-        <p:nvPr/>
-      </p:nvGrpSpPr>
-      <p:grpSpPr>
-        <a:xfrm>
-          <a:off x="0" y="0"/>
-          <a:ext cx="0" cy="0"/>
-          <a:chOff x="0" y="0"/>
-          <a:chExt cx="0" cy="0"/>
-        </a:xfrm>
-      </p:grpSpPr>
-      <p:sp>
-        <p:nvSpPr>
-          <p:cNvPr id="3" name="Title 2"/>
-          <p:cNvSpPr>
-            <a:spLocks noGrp="1"/>
-          </p:cNvSpPr>
-          <p:nvPr>
-            <p:ph type="title"/>
-          </p:nvPr>
-        </p:nvSpPr>
-        <p:spPr/>
-        <p:txBody>
-          <a:bodyPr/>
-          <a:lstStyle/>
-          <a:p>
-            <a:r>
-              <a:rPr lang="en-US" dirty="0"/>
-              <a:t>Questions &amp; Discussion</a:t>
-            </a:r>
-          </a:p>
-        </p:txBody>
-      </p:sp>
-      <p:sp>
-        <p:nvSpPr>
-          <p:cNvPr id="2" name="Text Placeholder 1"/>
-          <p:cNvSpPr>
-            <a:spLocks noGrp="1"/>
-          </p:cNvSpPr>
-          <p:nvPr>
-            <p:ph type="body" idx="1"/>
-          </p:nvPr>
-        </p:nvSpPr>
-        <p:spPr/>
-        <p:txBody>
-          <a:bodyPr/>
-          <a:lstStyle/>
-          <a:p>
-            <a:endParaRPr lang="en-US"/>
-          </a:p>
-        </p:txBody>
-      </p:sp>
-    </p:spTree>
-  </p:cSld>
-  <p:clrMapOvr>
-    <a:masterClrMapping/>
-  </p:clrMapOvr>
-  <mc:AlternateContent xmlns:mc="http://schemas.openxmlformats.org/markup-compatibility/2006" xmlns:p14="http://schemas.microsoft.com/office/powerpoint/2010/main">
-    <mc:Choice Requires="p14">
-      <p:transition spd="med" p14:dur="700">
-        <p:fade/>
-      </p:transition>
-    </mc:Choice>
-    <mc:Fallback xmlns="">
-      <p:transition spd="med">
-        <p:fade/>
-      </p:transition>
-    </mc:Fallback>
-  </mc:AlternateContent>
-</p:sld>
-</file>
-
 <file path=ppt/slides/slide2.xml><?xml version="1.0" encoding="utf-8"?>
 <p:sld xmlns:a="http://schemas.openxmlformats.org/drawingml/2006/main" xmlns:r="http://schemas.openxmlformats.org/officeDocument/2006/relationships" xmlns:p="http://schemas.openxmlformats.org/presentationml/2006/main">
   <p:cSld>
@@ -13449,112 +9217,36 @@
           <a:p>
             <a:r>
               <a:rPr lang="en-US" dirty="0"/>
-              <a:t>Agenda</a:t>
+              <a:t>Project Team</a:t>
             </a:r>
           </a:p>
         </p:txBody>
       </p:sp>
-      <p:sp>
-        <p:nvSpPr>
-          <p:cNvPr id="14" name="Content Placeholder 13"/>
-          <p:cNvSpPr>
-            <a:spLocks noGrp="1"/>
-          </p:cNvSpPr>
+      <p:graphicFrame>
+        <p:nvGraphicFramePr>
+          <p:cNvPr id="7" name="Content Placeholder 6"/>
+          <p:cNvGraphicFramePr>
+            <a:graphicFrameLocks noGrp="1"/>
+          </p:cNvGraphicFramePr>
           <p:nvPr>
             <p:ph idx="1"/>
+            <p:extLst>
+              <p:ext uri="{D42A27DB-BD31-4B8C-83A1-F6EECF244321}">
+                <p14:modId xmlns:p14="http://schemas.microsoft.com/office/powerpoint/2010/main" val="3073542260"/>
+              </p:ext>
+            </p:extLst>
           </p:nvPr>
-        </p:nvSpPr>
-        <p:spPr/>
-        <p:txBody>
-          <a:bodyPr>
-            <a:normAutofit fontScale="85000" lnSpcReduction="20000"/>
-          </a:bodyPr>
-          <a:lstStyle/>
-          <a:p>
-            <a:pPr lvl="0"/>
-            <a:r>
-              <a:rPr lang="en-US" dirty="0"/>
-              <a:t>Goals</a:t>
-            </a:r>
-          </a:p>
-          <a:p>
-            <a:pPr lvl="0"/>
-            <a:r>
-              <a:rPr lang="en-US" dirty="0"/>
-              <a:t>Mission Statement / Mission Objectives</a:t>
-            </a:r>
-          </a:p>
-          <a:p>
-            <a:pPr lvl="0"/>
-            <a:r>
-              <a:rPr lang="en-US" dirty="0"/>
-              <a:t>Benefits</a:t>
-            </a:r>
-          </a:p>
-          <a:p>
-            <a:pPr lvl="0"/>
-            <a:r>
-              <a:rPr lang="en-US" dirty="0"/>
-              <a:t>Assumptions</a:t>
-            </a:r>
-          </a:p>
-          <a:p>
-            <a:pPr lvl="0"/>
-            <a:r>
-              <a:rPr lang="en-US" dirty="0"/>
-              <a:t>Scope</a:t>
-            </a:r>
-          </a:p>
-          <a:p>
-            <a:pPr lvl="0"/>
-            <a:r>
-              <a:rPr lang="en-US" dirty="0"/>
-              <a:t>Project Team</a:t>
-            </a:r>
-          </a:p>
-          <a:p>
-            <a:pPr lvl="0"/>
-            <a:r>
-              <a:rPr lang="en-US" dirty="0"/>
-              <a:t>Groups Impacted</a:t>
-            </a:r>
-          </a:p>
-          <a:p>
-            <a:pPr lvl="0"/>
-            <a:r>
-              <a:rPr lang="en-US" dirty="0"/>
-              <a:t>Key Dates and Milestones </a:t>
-            </a:r>
-          </a:p>
-          <a:p>
-            <a:pPr lvl="0"/>
-            <a:r>
-              <a:rPr lang="en-US" dirty="0"/>
-              <a:t>Implementation Plan</a:t>
-            </a:r>
-          </a:p>
-          <a:p>
-            <a:r>
-              <a:rPr lang="en-US" dirty="0"/>
-              <a:t>Risks and Mitigation</a:t>
-            </a:r>
-          </a:p>
-          <a:p>
-            <a:pPr lvl="0"/>
-            <a:r>
-              <a:rPr lang="en-US" dirty="0"/>
-              <a:t>Communication Plan</a:t>
-            </a:r>
-          </a:p>
-          <a:p>
-            <a:pPr lvl="0"/>
-            <a:r>
-              <a:rPr lang="en-US" dirty="0"/>
-              <a:t>Next Steps</a:t>
-            </a:r>
-          </a:p>
-        </p:txBody>
-      </p:sp>
+        </p:nvGraphicFramePr>
+        <p:xfrm>
+          <a:off x="602673" y="1825625"/>
+          <a:ext cx="10983191" cy="4351338"/>
+        </p:xfrm>
+        <a:graphic>
+          <a:graphicData uri="http://schemas.openxmlformats.org/drawingml/2006/diagram">
+            <dgm:relIds xmlns:dgm="http://schemas.openxmlformats.org/drawingml/2006/diagram" xmlns:r="http://schemas.openxmlformats.org/officeDocument/2006/relationships" r:dm="rId2" r:lo="rId3" r:qs="rId4" r:cs="rId5"/>
+          </a:graphicData>
+        </a:graphic>
+      </p:graphicFrame>
     </p:spTree>
     <p:extLst>
       <p:ext uri="{BB962C8B-B14F-4D97-AF65-F5344CB8AC3E}">
@@ -13614,36 +9306,36 @@
           <a:p>
             <a:r>
               <a:rPr lang="en-US" dirty="0"/>
-              <a:t>Project Team</a:t>
+              <a:t>Mission Statement </a:t>
             </a:r>
           </a:p>
         </p:txBody>
       </p:sp>
-      <p:graphicFrame>
-        <p:nvGraphicFramePr>
-          <p:cNvPr id="7" name="Content Placeholder 6"/>
-          <p:cNvGraphicFramePr>
-            <a:graphicFrameLocks noGrp="1"/>
-          </p:cNvGraphicFramePr>
+      <p:sp>
+        <p:nvSpPr>
+          <p:cNvPr id="14" name="Content Placeholder 13"/>
+          <p:cNvSpPr>
+            <a:spLocks noGrp="1"/>
+          </p:cNvSpPr>
           <p:nvPr>
             <p:ph idx="1"/>
-            <p:extLst>
-              <p:ext uri="{D42A27DB-BD31-4B8C-83A1-F6EECF244321}">
-                <p14:modId xmlns:p14="http://schemas.microsoft.com/office/powerpoint/2010/main" val="3073542260"/>
-              </p:ext>
-            </p:extLst>
           </p:nvPr>
-        </p:nvGraphicFramePr>
-        <p:xfrm>
-          <a:off x="602673" y="1825625"/>
-          <a:ext cx="10983191" cy="4351338"/>
-        </p:xfrm>
-        <a:graphic>
-          <a:graphicData uri="http://schemas.openxmlformats.org/drawingml/2006/diagram">
-            <dgm:relIds xmlns:dgm="http://schemas.openxmlformats.org/drawingml/2006/diagram" xmlns:r="http://schemas.openxmlformats.org/officeDocument/2006/relationships" r:dm="rId2" r:lo="rId3" r:qs="rId4" r:cs="rId5"/>
-          </a:graphicData>
-        </a:graphic>
-      </p:graphicFrame>
+        </p:nvSpPr>
+        <p:spPr/>
+        <p:txBody>
+          <a:bodyPr>
+            <a:normAutofit/>
+          </a:bodyPr>
+          <a:lstStyle/>
+          <a:p>
+            <a:pPr lvl="0"/>
+            <a:r>
+              <a:rPr lang="en-US" dirty="0"/>
+              <a:t>Dream Home stores and maintains a comprehensive spectrum of data relating to properties, tenancies and their management.</a:t>
+            </a:r>
+          </a:p>
+        </p:txBody>
+      </p:sp>
     </p:spTree>
     <p:extLst>
       <p:ext uri="{BB962C8B-B14F-4D97-AF65-F5344CB8AC3E}">
@@ -13703,7 +9395,7 @@
           <a:p>
             <a:r>
               <a:rPr lang="en-US" dirty="0"/>
-              <a:t>Mission Statement </a:t>
+              <a:t>Mission Objectives </a:t>
             </a:r>
           </a:p>
         </p:txBody>
@@ -13728,15 +9420,45 @@
             <a:pPr lvl="0"/>
             <a:r>
               <a:rPr lang="en-US" dirty="0"/>
-              <a:t>Dream Home stores and maintains a comprehensive spectrum of data relating to properties, tenancies and their management.</a:t>
-            </a:r>
+              <a:t>To maintain data on properties for rent, on clients and on utility billings</a:t>
+            </a:r>
+          </a:p>
+          <a:p>
+            <a:pPr lvl="0"/>
+            <a:r>
+              <a:rPr lang="en-US" dirty="0"/>
+              <a:t>To perform searches on properties for rent, on clients and on utility billings</a:t>
+            </a:r>
+          </a:p>
+          <a:p>
+            <a:pPr lvl="0"/>
+            <a:r>
+              <a:rPr lang="en-US" dirty="0"/>
+              <a:t>To track the status of properties for rent, of clients and of utility billings</a:t>
+            </a:r>
+          </a:p>
+          <a:p>
+            <a:r>
+              <a:rPr lang="en-US" dirty="0"/>
+              <a:t>To export reports on properties for rent, on clients and on utility billings</a:t>
+            </a:r>
+          </a:p>
+          <a:p>
+            <a:pPr lvl="0"/>
+            <a:endParaRPr lang="en-US" dirty="0"/>
+          </a:p>
+          <a:p>
+            <a:pPr marL="0" lvl="0" indent="0">
+              <a:buNone/>
+            </a:pPr>
+            <a:endParaRPr lang="en-US" dirty="0"/>
           </a:p>
         </p:txBody>
       </p:sp>
     </p:spTree>
     <p:extLst>
       <p:ext uri="{BB962C8B-B14F-4D97-AF65-F5344CB8AC3E}">
-        <p14:creationId xmlns:p14="http://schemas.microsoft.com/office/powerpoint/2010/main" val="2364934239"/>
+        <p14:creationId xmlns:p14="http://schemas.microsoft.com/office/powerpoint/2010/main" val="2652809966"/>
       </p:ext>
     </p:extLst>
   </p:cSld>
@@ -13777,132 +9499,6 @@
       </p:grpSpPr>
       <p:sp>
         <p:nvSpPr>
-          <p:cNvPr id="13" name="Title 12"/>
-          <p:cNvSpPr>
-            <a:spLocks noGrp="1"/>
-          </p:cNvSpPr>
-          <p:nvPr>
-            <p:ph type="title"/>
-          </p:nvPr>
-        </p:nvSpPr>
-        <p:spPr/>
-        <p:txBody>
-          <a:bodyPr/>
-          <a:lstStyle/>
-          <a:p>
-            <a:r>
-              <a:rPr lang="en-US" dirty="0"/>
-              <a:t>Mission Objectives </a:t>
-            </a:r>
-          </a:p>
-        </p:txBody>
-      </p:sp>
-      <p:sp>
-        <p:nvSpPr>
-          <p:cNvPr id="14" name="Content Placeholder 13"/>
-          <p:cNvSpPr>
-            <a:spLocks noGrp="1"/>
-          </p:cNvSpPr>
-          <p:nvPr>
-            <p:ph idx="1"/>
-          </p:nvPr>
-        </p:nvSpPr>
-        <p:spPr/>
-        <p:txBody>
-          <a:bodyPr>
-            <a:normAutofit/>
-          </a:bodyPr>
-          <a:lstStyle/>
-          <a:p>
-            <a:pPr lvl="0"/>
-            <a:r>
-              <a:rPr lang="en-US" dirty="0"/>
-              <a:t>To maintain data on properties for rent, on clients and on utility billings</a:t>
-            </a:r>
-          </a:p>
-          <a:p>
-            <a:pPr lvl="0"/>
-            <a:r>
-              <a:rPr lang="en-US" dirty="0"/>
-              <a:t>To perform searches on properties for rent, on clients and on utility billings</a:t>
-            </a:r>
-          </a:p>
-          <a:p>
-            <a:pPr lvl="0"/>
-            <a:r>
-              <a:rPr lang="en-US" dirty="0"/>
-              <a:t>To track the status of properties for rent, of clients and of utility billings</a:t>
-            </a:r>
-          </a:p>
-          <a:p>
-            <a:pPr lvl="0"/>
-            <a:r>
-              <a:rPr lang="en-US" dirty="0"/>
-              <a:t>To send utility billings to clients</a:t>
-            </a:r>
-          </a:p>
-          <a:p>
-            <a:r>
-              <a:rPr lang="en-US" dirty="0"/>
-              <a:t>To create reports on properties for rent, on clients and on utility billings</a:t>
-            </a:r>
-          </a:p>
-          <a:p>
-            <a:pPr lvl="0"/>
-            <a:endParaRPr lang="en-US" dirty="0"/>
-          </a:p>
-          <a:p>
-            <a:pPr marL="0" lvl="0" indent="0">
-              <a:buNone/>
-            </a:pPr>
-            <a:endParaRPr lang="en-US" dirty="0"/>
-          </a:p>
-        </p:txBody>
-      </p:sp>
-    </p:spTree>
-    <p:extLst>
-      <p:ext uri="{BB962C8B-B14F-4D97-AF65-F5344CB8AC3E}">
-        <p14:creationId xmlns:p14="http://schemas.microsoft.com/office/powerpoint/2010/main" val="2652809966"/>
-      </p:ext>
-    </p:extLst>
-  </p:cSld>
-  <p:clrMapOvr>
-    <a:masterClrMapping/>
-  </p:clrMapOvr>
-  <mc:AlternateContent xmlns:mc="http://schemas.openxmlformats.org/markup-compatibility/2006" xmlns:p14="http://schemas.microsoft.com/office/powerpoint/2010/main">
-    <mc:Choice Requires="p14">
-      <p:transition spd="med" p14:dur="700">
-        <p:fade/>
-      </p:transition>
-    </mc:Choice>
-    <mc:Fallback xmlns="">
-      <p:transition spd="med">
-        <p:fade/>
-      </p:transition>
-    </mc:Fallback>
-  </mc:AlternateContent>
-</p:sld>
-</file>
-
-<file path=ppt/slides/slide6.xml><?xml version="1.0" encoding="utf-8"?>
-<p:sld xmlns:a="http://schemas.openxmlformats.org/drawingml/2006/main" xmlns:r="http://schemas.openxmlformats.org/officeDocument/2006/relationships" xmlns:p="http://schemas.openxmlformats.org/presentationml/2006/main">
-  <p:cSld>
-    <p:spTree>
-      <p:nvGrpSpPr>
-        <p:cNvPr id="1" name=""/>
-        <p:cNvGrpSpPr/>
-        <p:nvPr/>
-      </p:nvGrpSpPr>
-      <p:grpSpPr>
-        <a:xfrm>
-          <a:off x="0" y="0"/>
-          <a:ext cx="0" cy="0"/>
-          <a:chOff x="0" y="0"/>
-          <a:chExt cx="0" cy="0"/>
-        </a:xfrm>
-      </p:grpSpPr>
-      <p:sp>
-        <p:nvSpPr>
           <p:cNvPr id="2" name="Title 1"/>
           <p:cNvSpPr>
             <a:spLocks noGrp="1"/>
@@ -13944,23 +9540,15 @@
             </a:r>
           </a:p>
           <a:p>
-            <a:pPr lvl="1"/>
-            <a:r>
-              <a:rPr lang="en-US" dirty="0"/>
-              <a:t>utility costs (water, waste etc.)</a:t>
-            </a:r>
-          </a:p>
-          <a:p>
             <a:r>
               <a:rPr lang="en-US" dirty="0"/>
               <a:t>Tenants</a:t>
             </a:r>
           </a:p>
           <a:p>
-            <a:pPr lvl="1"/>
             <a:r>
               <a:rPr lang="en-US" dirty="0"/>
-              <a:t>customers</a:t>
+              <a:t>Owners</a:t>
             </a:r>
           </a:p>
           <a:p>
@@ -13970,40 +9558,8 @@
             </a:r>
             <a:endParaRPr lang="en-US" dirty="0"/>
           </a:p>
-          <a:p>
-            <a:pPr lvl="1"/>
-            <a:r>
-              <a:rPr lang="en-US" dirty="0"/>
-              <a:t>Cash flow</a:t>
-            </a:r>
-          </a:p>
         </p:txBody>
       </p:sp>
-      <p:graphicFrame>
-        <p:nvGraphicFramePr>
-          <p:cNvPr id="9" name="Content Placeholder 8"/>
-          <p:cNvGraphicFramePr>
-            <a:graphicFrameLocks noGrp="1"/>
-          </p:cNvGraphicFramePr>
-          <p:nvPr>
-            <p:ph sz="half" idx="2"/>
-            <p:extLst>
-              <p:ext uri="{D42A27DB-BD31-4B8C-83A1-F6EECF244321}">
-                <p14:modId xmlns:p14="http://schemas.microsoft.com/office/powerpoint/2010/main" val="715053708"/>
-              </p:ext>
-            </p:extLst>
-          </p:nvPr>
-        </p:nvGraphicFramePr>
-        <p:xfrm>
-          <a:off x="6364288" y="2193925"/>
-          <a:ext cx="4754562" cy="3978275"/>
-        </p:xfrm>
-        <a:graphic>
-          <a:graphicData uri="http://schemas.openxmlformats.org/drawingml/2006/diagram">
-            <dgm:relIds xmlns:dgm="http://schemas.openxmlformats.org/drawingml/2006/diagram" xmlns:r="http://schemas.openxmlformats.org/officeDocument/2006/relationships" r:dm="rId2" r:lo="rId3" r:qs="rId4" r:cs="rId5"/>
-          </a:graphicData>
-        </a:graphic>
-      </p:graphicFrame>
     </p:spTree>
     <p:extLst>
       <p:ext uri="{BB962C8B-B14F-4D97-AF65-F5344CB8AC3E}">
@@ -14029,7 +9585,7 @@
 </p:sld>
 </file>
 
-<file path=ppt/slides/slide7.xml><?xml version="1.0" encoding="utf-8"?>
+<file path=ppt/slides/slide6.xml><?xml version="1.0" encoding="utf-8"?>
 <p:sld xmlns:a="http://schemas.openxmlformats.org/drawingml/2006/main" xmlns:r="http://schemas.openxmlformats.org/officeDocument/2006/relationships" xmlns:p="http://schemas.openxmlformats.org/presentationml/2006/main">
   <p:cSld>
     <p:spTree>
@@ -14802,6 +10358,212 @@
 </p:sld>
 </file>
 
+<file path=ppt/slides/slide7.xml><?xml version="1.0" encoding="utf-8"?>
+<p:sld xmlns:a="http://schemas.openxmlformats.org/drawingml/2006/main" xmlns:r="http://schemas.openxmlformats.org/officeDocument/2006/relationships" xmlns:p="http://schemas.openxmlformats.org/presentationml/2006/main">
+  <p:cSld>
+    <p:spTree>
+      <p:nvGrpSpPr>
+        <p:cNvPr id="1" name=""/>
+        <p:cNvGrpSpPr/>
+        <p:nvPr/>
+      </p:nvGrpSpPr>
+      <p:grpSpPr>
+        <a:xfrm>
+          <a:off x="0" y="0"/>
+          <a:ext cx="0" cy="0"/>
+          <a:chOff x="0" y="0"/>
+          <a:chExt cx="0" cy="0"/>
+        </a:xfrm>
+      </p:grpSpPr>
+      <p:sp>
+        <p:nvSpPr>
+          <p:cNvPr id="13" name="Title 12"/>
+          <p:cNvSpPr>
+            <a:spLocks noGrp="1"/>
+          </p:cNvSpPr>
+          <p:nvPr>
+            <p:ph type="title"/>
+          </p:nvPr>
+        </p:nvSpPr>
+        <p:spPr/>
+        <p:txBody>
+          <a:bodyPr/>
+          <a:lstStyle/>
+          <a:p>
+            <a:r>
+              <a:rPr lang="en-US" dirty="0"/>
+              <a:t>User views</a:t>
+            </a:r>
+          </a:p>
+        </p:txBody>
+      </p:sp>
+      <p:sp>
+        <p:nvSpPr>
+          <p:cNvPr id="14" name="Content Placeholder 13"/>
+          <p:cNvSpPr>
+            <a:spLocks noGrp="1"/>
+          </p:cNvSpPr>
+          <p:nvPr>
+            <p:ph idx="1"/>
+          </p:nvPr>
+        </p:nvSpPr>
+        <p:spPr/>
+        <p:txBody>
+          <a:bodyPr>
+            <a:normAutofit lnSpcReduction="10000"/>
+          </a:bodyPr>
+          <a:lstStyle/>
+          <a:p>
+            <a:pPr lvl="0"/>
+            <a:r>
+              <a:rPr lang="en-US" dirty="0"/>
+              <a:t>As an manager of </a:t>
+            </a:r>
+            <a:r>
+              <a:rPr lang="en-US" dirty="0" err="1"/>
+              <a:t>DreamHome</a:t>
+            </a:r>
+            <a:r>
+              <a:rPr lang="en-US" dirty="0"/>
+              <a:t> I want to see which tenant has paid his lease completely and which did not</a:t>
+            </a:r>
+          </a:p>
+          <a:p>
+            <a:pPr lvl="0"/>
+            <a:r>
+              <a:rPr lang="en-US" dirty="0"/>
+              <a:t>As an manager of </a:t>
+            </a:r>
+            <a:r>
+              <a:rPr lang="en-US" dirty="0" err="1"/>
+              <a:t>DreamHome</a:t>
+            </a:r>
+            <a:r>
+              <a:rPr lang="en-US" dirty="0"/>
+              <a:t> I want to export the utility bill for each tenant</a:t>
+            </a:r>
+          </a:p>
+          <a:p>
+            <a:pPr lvl="0"/>
+            <a:r>
+              <a:rPr lang="en-US" dirty="0"/>
+              <a:t>As an manager of </a:t>
+            </a:r>
+            <a:r>
+              <a:rPr lang="en-US" dirty="0" err="1"/>
+              <a:t>DreamHome</a:t>
+            </a:r>
+            <a:r>
+              <a:rPr lang="en-US" dirty="0"/>
+              <a:t> I want to import bank statements which get automatically converted into the proper data for the system  </a:t>
+            </a:r>
+          </a:p>
+          <a:p>
+            <a:pPr lvl="0"/>
+            <a:r>
+              <a:rPr lang="en-US" dirty="0"/>
+              <a:t>As an manager of </a:t>
+            </a:r>
+            <a:r>
+              <a:rPr lang="en-US" dirty="0" err="1"/>
+              <a:t>DreamHome</a:t>
+            </a:r>
+            <a:r>
+              <a:rPr lang="en-US" dirty="0"/>
+              <a:t> I want to send reminders to the tenants if they missed their payments</a:t>
+            </a:r>
+          </a:p>
+          <a:p>
+            <a:pPr lvl="0"/>
+            <a:r>
+              <a:rPr lang="en-US" dirty="0"/>
+              <a:t>As an manager of </a:t>
+            </a:r>
+            <a:r>
+              <a:rPr lang="en-US" dirty="0" err="1"/>
+              <a:t>DreamHome</a:t>
+            </a:r>
+            <a:r>
+              <a:rPr lang="en-US" dirty="0"/>
+              <a:t>  I want to add/remove/edit properties</a:t>
+            </a:r>
+          </a:p>
+          <a:p>
+            <a:pPr lvl="0"/>
+            <a:r>
+              <a:rPr lang="en-US" dirty="0"/>
+              <a:t>As an manager of </a:t>
+            </a:r>
+            <a:r>
+              <a:rPr lang="en-US" dirty="0" err="1"/>
+              <a:t>DreamHome</a:t>
+            </a:r>
+            <a:r>
+              <a:rPr lang="en-US" dirty="0"/>
+              <a:t>  I want to add/remove/edit tenants</a:t>
+            </a:r>
+          </a:p>
+          <a:p>
+            <a:pPr lvl="0"/>
+            <a:r>
+              <a:rPr lang="en-US" dirty="0"/>
+              <a:t>As an manager of </a:t>
+            </a:r>
+            <a:r>
+              <a:rPr lang="en-US" dirty="0" err="1"/>
+              <a:t>DreamHome</a:t>
+            </a:r>
+            <a:r>
+              <a:rPr lang="en-US" dirty="0"/>
+              <a:t> I want to add/remove/edit contracts</a:t>
+            </a:r>
+          </a:p>
+          <a:p>
+            <a:pPr lvl="0"/>
+            <a:r>
+              <a:rPr lang="en-US" dirty="0"/>
+              <a:t>As an manager of </a:t>
+            </a:r>
+            <a:r>
+              <a:rPr lang="en-US" dirty="0" err="1"/>
+              <a:t>DreamHome</a:t>
+            </a:r>
+            <a:r>
+              <a:rPr lang="en-US" dirty="0"/>
+              <a:t> I want to add/remove/edit owners</a:t>
+            </a:r>
+          </a:p>
+          <a:p>
+            <a:pPr lvl="0"/>
+            <a:endParaRPr lang="en-US" dirty="0"/>
+          </a:p>
+        </p:txBody>
+      </p:sp>
+    </p:spTree>
+    <p:extLst>
+      <p:ext uri="{BB962C8B-B14F-4D97-AF65-F5344CB8AC3E}">
+        <p14:creationId xmlns:p14="http://schemas.microsoft.com/office/powerpoint/2010/main" val="1143488815"/>
+      </p:ext>
+    </p:extLst>
+  </p:cSld>
+  <p:clrMapOvr>
+    <a:masterClrMapping/>
+  </p:clrMapOvr>
+  <mc:AlternateContent xmlns:mc="http://schemas.openxmlformats.org/markup-compatibility/2006" xmlns:p14="http://schemas.microsoft.com/office/powerpoint/2010/main">
+    <mc:Choice Requires="p14">
+      <p:transition spd="med" p14:dur="700">
+        <p:fade/>
+      </p:transition>
+    </mc:Choice>
+    <mc:Fallback xmlns="">
+      <p:transition spd="med">
+        <p:fade/>
+      </p:transition>
+    </mc:Fallback>
+  </mc:AlternateContent>
+</p:sld>
+</file>
+
 <file path=ppt/slides/slide8.xml><?xml version="1.0" encoding="utf-8"?>
 <p:sld xmlns:a="http://schemas.openxmlformats.org/drawingml/2006/main" xmlns:r="http://schemas.openxmlformats.org/officeDocument/2006/relationships" xmlns:p="http://schemas.openxmlformats.org/presentationml/2006/main">
   <p:cSld>
@@ -14836,7 +10598,7 @@
           <a:p>
             <a:r>
               <a:rPr lang="en-US" dirty="0"/>
-              <a:t>User views</a:t>
+              <a:t>Functional Requirements	</a:t>
             </a:r>
           </a:p>
         </p:txBody>
@@ -14854,169 +10616,55 @@
         <p:spPr/>
         <p:txBody>
           <a:bodyPr>
-            <a:normAutofit fontScale="85000" lnSpcReduction="20000"/>
+            <a:normAutofit/>
           </a:bodyPr>
           <a:lstStyle/>
           <a:p>
-            <a:pPr lvl="0"/>
+            <a:pPr marL="457200" lvl="0" indent="-457200">
+              <a:buFont typeface="+mj-lt"/>
+              <a:buAutoNum type="arabicPeriod"/>
+            </a:pPr>
             <a:r>
               <a:rPr lang="en-US" dirty="0"/>
-              <a:t>As an employee of </a:t>
-            </a:r>
-            <a:r>
-              <a:rPr lang="en-US" dirty="0" err="1"/>
-              <a:t>DreamHome</a:t>
-            </a:r>
+              <a:t>Web GUI with React.js (and Bootstrap)</a:t>
+            </a:r>
+          </a:p>
+          <a:p>
+            <a:pPr marL="457200" indent="-457200">
+              <a:buFont typeface="+mj-lt"/>
+              <a:buAutoNum type="arabicPeriod"/>
+            </a:pPr>
             <a:r>
               <a:rPr lang="en-US" dirty="0"/>
-              <a:t> I want to log in to the application</a:t>
-            </a:r>
-          </a:p>
-          <a:p>
-            <a:pPr lvl="0"/>
+              <a:t>MSSQL Database for the Data</a:t>
+            </a:r>
+          </a:p>
+          <a:p>
+            <a:pPr marL="457200" lvl="0" indent="-457200">
+              <a:buFont typeface="+mj-lt"/>
+              <a:buAutoNum type="arabicPeriod"/>
+            </a:pPr>
             <a:r>
               <a:rPr lang="en-US" dirty="0"/>
-              <a:t>As an employee of </a:t>
-            </a:r>
-            <a:r>
-              <a:rPr lang="en-US" dirty="0" err="1"/>
-              <a:t>DreamHome</a:t>
-            </a:r>
+              <a:t>Function to export filtered data</a:t>
+            </a:r>
+          </a:p>
+          <a:p>
+            <a:pPr marL="457200" lvl="0" indent="-457200">
+              <a:buFont typeface="+mj-lt"/>
+              <a:buAutoNum type="arabicPeriod"/>
+            </a:pPr>
             <a:r>
               <a:rPr lang="en-US" dirty="0"/>
-              <a:t> I want to see which tenant has paid his lease completely and which did not</a:t>
-            </a:r>
-          </a:p>
-          <a:p>
-            <a:pPr lvl="0"/>
-            <a:r>
-              <a:rPr lang="en-US" dirty="0"/>
-              <a:t>As an employee of </a:t>
-            </a:r>
-            <a:r>
-              <a:rPr lang="en-US" dirty="0" err="1"/>
-              <a:t>DreamHome</a:t>
-            </a:r>
-            <a:r>
-              <a:rPr lang="en-US" dirty="0"/>
-              <a:t> I want to export the utility bill for each tenant</a:t>
-            </a:r>
-          </a:p>
-          <a:p>
-            <a:pPr lvl="0"/>
-            <a:r>
-              <a:rPr lang="en-US" dirty="0"/>
-              <a:t>As an employee of </a:t>
-            </a:r>
-            <a:r>
-              <a:rPr lang="en-US" dirty="0" err="1"/>
-              <a:t>DreamHome</a:t>
-            </a:r>
-            <a:r>
-              <a:rPr lang="en-US" dirty="0"/>
-              <a:t> I want to import bank statements which get automatically converted into the proper data for the system  </a:t>
-            </a:r>
-          </a:p>
-          <a:p>
-            <a:pPr lvl="0"/>
-            <a:r>
-              <a:rPr lang="en-US" dirty="0"/>
-              <a:t>As an employee of </a:t>
-            </a:r>
-            <a:r>
-              <a:rPr lang="en-US" dirty="0" err="1"/>
-              <a:t>DreamHome</a:t>
-            </a:r>
-            <a:r>
-              <a:rPr lang="en-US" dirty="0"/>
-              <a:t> I want to send reminders to the tenants if they missed their payments</a:t>
-            </a:r>
-          </a:p>
-          <a:p>
-            <a:pPr lvl="0"/>
-            <a:r>
-              <a:rPr lang="en-US" dirty="0"/>
-              <a:t>As an employee of </a:t>
-            </a:r>
-            <a:r>
-              <a:rPr lang="en-US" dirty="0" err="1"/>
-              <a:t>DreamHome</a:t>
-            </a:r>
-            <a:r>
-              <a:rPr lang="en-US" dirty="0"/>
-              <a:t>  I want to add/remove/edit properties</a:t>
-            </a:r>
-          </a:p>
-          <a:p>
-            <a:pPr lvl="0"/>
-            <a:r>
-              <a:rPr lang="en-US" dirty="0"/>
-              <a:t>As an employee of </a:t>
-            </a:r>
-            <a:r>
-              <a:rPr lang="en-US" dirty="0" err="1"/>
-              <a:t>DreamHome</a:t>
-            </a:r>
-            <a:r>
-              <a:rPr lang="en-US" dirty="0"/>
-              <a:t>  I want to add/remove/edit tenants</a:t>
-            </a:r>
-          </a:p>
-          <a:p>
-            <a:pPr lvl="0"/>
-            <a:r>
-              <a:rPr lang="en-US" dirty="0"/>
-              <a:t>As an employee of </a:t>
-            </a:r>
-            <a:r>
-              <a:rPr lang="en-US" dirty="0" err="1"/>
-              <a:t>DreamHome</a:t>
-            </a:r>
-            <a:r>
-              <a:rPr lang="en-US" dirty="0"/>
-              <a:t> I want to add/remove/edit contracts</a:t>
-            </a:r>
-          </a:p>
-          <a:p>
-            <a:pPr lvl="0"/>
-            <a:r>
-              <a:rPr lang="en-US" dirty="0"/>
-              <a:t>As an manager of </a:t>
-            </a:r>
-            <a:r>
-              <a:rPr lang="en-US" dirty="0" err="1"/>
-              <a:t>DreamHome</a:t>
-            </a:r>
-            <a:r>
-              <a:rPr lang="en-US" dirty="0"/>
-              <a:t> I want to add/remove/edit employees</a:t>
-            </a:r>
-          </a:p>
-          <a:p>
-            <a:pPr lvl="0"/>
-            <a:r>
-              <a:rPr lang="en-US" dirty="0"/>
-              <a:t>As an manager of </a:t>
-            </a:r>
-            <a:r>
-              <a:rPr lang="en-US" dirty="0" err="1"/>
-              <a:t>DreamHome</a:t>
-            </a:r>
-            <a:r>
-              <a:rPr lang="en-US" dirty="0"/>
-              <a:t> I want to add/remove/edit owners</a:t>
-            </a:r>
-          </a:p>
-          <a:p>
-            <a:pPr lvl="0"/>
-            <a:endParaRPr lang="en-US" dirty="0"/>
+              <a:t>Import bank statement in CSV Format</a:t>
+            </a:r>
           </a:p>
         </p:txBody>
       </p:sp>
     </p:spTree>
     <p:extLst>
       <p:ext uri="{BB962C8B-B14F-4D97-AF65-F5344CB8AC3E}">
-        <p14:creationId xmlns:p14="http://schemas.microsoft.com/office/powerpoint/2010/main" val="1143488815"/>
+        <p14:creationId xmlns:p14="http://schemas.microsoft.com/office/powerpoint/2010/main" val="1725682998"/>
       </p:ext>
     </p:extLst>
   </p:cSld>
@@ -15072,7 +10720,7 @@
           <a:p>
             <a:r>
               <a:rPr lang="en-US" dirty="0"/>
-              <a:t>Functional Requirements	</a:t>
+              <a:t>Non Functional Requirements	</a:t>
             </a:r>
           </a:p>
         </p:txBody>
@@ -15100,17 +10748,7 @@
             </a:pPr>
             <a:r>
               <a:rPr lang="en-US" dirty="0"/>
-              <a:t>Web GUI with React.js (and Bootstrap)</a:t>
-            </a:r>
-          </a:p>
-          <a:p>
-            <a:pPr marL="457200" indent="-457200">
-              <a:buFont typeface="+mj-lt"/>
-              <a:buAutoNum type="arabicPeriod"/>
-            </a:pPr>
-            <a:r>
-              <a:rPr lang="en-US" dirty="0"/>
-              <a:t>MSSQL Database for the Data</a:t>
+              <a:t>Reachable through the internet</a:t>
             </a:r>
           </a:p>
           <a:p>
@@ -15120,7 +10758,7 @@
             </a:pPr>
             <a:r>
               <a:rPr lang="en-US" dirty="0"/>
-              <a:t>Function to log in to the website</a:t>
+              <a:t>Easy to install</a:t>
             </a:r>
           </a:p>
           <a:p>
@@ -15130,7 +10768,7 @@
             </a:pPr>
             <a:r>
               <a:rPr lang="en-US" dirty="0"/>
-              <a:t>Function to export filtered data</a:t>
+              <a:t>Responsive web design</a:t>
             </a:r>
           </a:p>
           <a:p>
@@ -15140,7 +10778,7 @@
             </a:pPr>
             <a:r>
               <a:rPr lang="en-US" dirty="0"/>
-              <a:t>An Admin page to delete Accounts and manage the database</a:t>
+              <a:t>High availability</a:t>
             </a:r>
           </a:p>
           <a:p>
@@ -15150,7 +10788,7 @@
             </a:pPr>
             <a:r>
               <a:rPr lang="en-US" dirty="0"/>
-              <a:t>Import bank statement in CSV Format</a:t>
+              <a:t>High performance</a:t>
             </a:r>
           </a:p>
         </p:txBody>
@@ -15158,20 +10796,20 @@
     </p:spTree>
     <p:extLst>
       <p:ext uri="{BB962C8B-B14F-4D97-AF65-F5344CB8AC3E}">
-        <p14:creationId xmlns:p14="http://schemas.microsoft.com/office/powerpoint/2010/main" val="1725682998"/>
+        <p14:creationId xmlns:p14="http://schemas.microsoft.com/office/powerpoint/2010/main" val="2957792309"/>
       </p:ext>
     </p:extLst>
   </p:cSld>
   <p:clrMapOvr>
     <a:masterClrMapping/>
   </p:clrMapOvr>
-  <mc:AlternateContent xmlns:mc="http://schemas.openxmlformats.org/markup-compatibility/2006">
-    <mc:Choice xmlns:p14="http://schemas.microsoft.com/office/powerpoint/2010/main" Requires="p14">
+  <mc:AlternateContent xmlns:mc="http://schemas.openxmlformats.org/markup-compatibility/2006" xmlns:p14="http://schemas.microsoft.com/office/powerpoint/2010/main">
+    <mc:Choice Requires="p14">
       <p:transition spd="med" p14:dur="700">
         <p:fade/>
       </p:transition>
     </mc:Choice>
-    <mc:Fallback>
+    <mc:Fallback xmlns="">
       <p:transition spd="med">
         <p:fade/>
       </p:transition>
